--- a/teaching/2022_spring_Math_II_ppt/4.6 函数图形的描绘.pptx
+++ b/teaching/2022_spring_Math_II_ppt/4.6 函数图形的描绘.pptx
@@ -2,13 +2,13 @@
 <file path=ppt/presentation.xml><?xml version="1.0" encoding="utf-8"?>
 <p:presentation xmlns:a="http://schemas.openxmlformats.org/drawingml/2006/main" xmlns:r="http://schemas.openxmlformats.org/officeDocument/2006/relationships" xmlns:p="http://schemas.openxmlformats.org/presentationml/2006/main" saveSubsetFonts="1">
   <p:sldMasterIdLst>
-    <p:sldMasterId id="2147483729" r:id="rId1"/>
+    <p:sldMasterId id="2147483734" r:id="rId1"/>
   </p:sldMasterIdLst>
   <p:notesMasterIdLst>
-    <p:notesMasterId r:id="rId20"/>
+    <p:notesMasterId r:id="rId19"/>
   </p:notesMasterIdLst>
   <p:handoutMasterIdLst>
-    <p:handoutMasterId r:id="rId21"/>
+    <p:handoutMasterId r:id="rId20"/>
   </p:handoutMasterIdLst>
   <p:sldIdLst>
     <p:sldId id="332" r:id="rId2"/>
@@ -23,12 +23,11 @@
     <p:sldId id="377" r:id="rId11"/>
     <p:sldId id="378" r:id="rId12"/>
     <p:sldId id="379" r:id="rId13"/>
-    <p:sldId id="381" r:id="rId14"/>
-    <p:sldId id="367" r:id="rId15"/>
-    <p:sldId id="383" r:id="rId16"/>
-    <p:sldId id="384" r:id="rId17"/>
-    <p:sldId id="385" r:id="rId18"/>
-    <p:sldId id="386" r:id="rId19"/>
+    <p:sldId id="367" r:id="rId14"/>
+    <p:sldId id="383" r:id="rId15"/>
+    <p:sldId id="384" r:id="rId16"/>
+    <p:sldId id="385" r:id="rId17"/>
+    <p:sldId id="386" r:id="rId18"/>
   </p:sldIdLst>
   <p:sldSz cx="12192000" cy="6858000"/>
   <p:notesSz cx="6858000" cy="9144000"/>
@@ -805,13 +804,35 @@
         </p:nvSpPr>
         <p:spPr>
           <a:xfrm>
-            <a:off x="696000" y="819000"/>
+            <a:off x="696000" y="882000"/>
             <a:ext cx="10800000" cy="5220000"/>
           </a:xfrm>
           <a:prstGeom prst="rect">
             <a:avLst/>
           </a:prstGeom>
+          <a:solidFill>
+            <a:schemeClr val="accent1">
+              <a:lumMod val="20000"/>
+              <a:lumOff val="80000"/>
+            </a:schemeClr>
+          </a:solidFill>
+          <a:ln>
+            <a:noFill/>
+          </a:ln>
+          <a:effectLst/>
         </p:spPr>
+        <p:style>
+          <a:lnRef idx="2">
+            <a:schemeClr val="accent3"/>
+          </a:lnRef>
+          <a:fillRef idx="1">
+            <a:schemeClr val="lt1"/>
+          </a:fillRef>
+          <a:effectRef idx="0">
+            <a:schemeClr val="accent3"/>
+          </a:effectRef>
+          <a:fontRef idx="none"/>
+        </p:style>
         <p:txBody>
           <a:bodyPr lIns="101600" tIns="38100" rIns="25400" bIns="38100" anchor="ctr" anchorCtr="0">
             <a:noAutofit/>
@@ -879,7 +900,7 @@
     </p:spTree>
     <p:extLst>
       <p:ext uri="{BB962C8B-B14F-4D97-AF65-F5344CB8AC3E}">
-        <p14:creationId xmlns:p14="http://schemas.microsoft.com/office/powerpoint/2010/main" val="1444167962"/>
+        <p14:creationId xmlns:p14="http://schemas.microsoft.com/office/powerpoint/2010/main" val="2278794744"/>
       </p:ext>
     </p:extLst>
   </p:cSld>
@@ -926,13 +947,39 @@
         </p:nvSpPr>
         <p:spPr>
           <a:xfrm>
-            <a:off x="696000" y="721534"/>
-            <a:ext cx="10800000" cy="504000"/>
+            <a:off x="696000" y="882000"/>
+            <a:ext cx="10800000" cy="612000"/>
           </a:xfrm>
           <a:prstGeom prst="rect">
             <a:avLst/>
           </a:prstGeom>
+          <a:solidFill>
+            <a:schemeClr val="accent1">
+              <a:lumMod val="20000"/>
+              <a:lumOff val="80000"/>
+            </a:schemeClr>
+          </a:solidFill>
+          <a:ln>
+            <a:solidFill>
+              <a:schemeClr val="bg2">
+                <a:lumMod val="90000"/>
+              </a:schemeClr>
+            </a:solidFill>
+          </a:ln>
+          <a:effectLst/>
         </p:spPr>
+        <p:style>
+          <a:lnRef idx="2">
+            <a:schemeClr val="accent3"/>
+          </a:lnRef>
+          <a:fillRef idx="1">
+            <a:schemeClr val="lt1"/>
+          </a:fillRef>
+          <a:effectRef idx="0">
+            <a:schemeClr val="accent3"/>
+          </a:effectRef>
+          <a:fontRef idx="none"/>
+        </p:style>
         <p:txBody>
           <a:bodyPr anchor="ctr"/>
           <a:lstStyle>
@@ -967,22 +1014,42 @@
         </p:nvSpPr>
         <p:spPr>
           <a:xfrm>
-            <a:off x="696000" y="1422398"/>
-            <a:ext cx="10800000" cy="4680000"/>
+            <a:off x="696000" y="1494000"/>
+            <a:ext cx="10800000" cy="4608000"/>
           </a:xfrm>
           <a:prstGeom prst="rect">
             <a:avLst/>
           </a:prstGeom>
+          <a:noFill/>
+          <a:ln>
+            <a:noFill/>
+          </a:ln>
+          <a:effectLst/>
         </p:spPr>
+        <p:style>
+          <a:lnRef idx="2">
+            <a:schemeClr val="accent3"/>
+          </a:lnRef>
+          <a:fillRef idx="1">
+            <a:schemeClr val="lt1"/>
+          </a:fillRef>
+          <a:effectRef idx="0">
+            <a:schemeClr val="accent3"/>
+          </a:effectRef>
+          <a:fontRef idx="none"/>
+        </p:style>
         <p:txBody>
           <a:bodyPr anchor="ctr"/>
           <a:lstStyle>
             <a:lvl1pPr>
               <a:lnSpc>
-                <a:spcPct val="120000"/>
+                <a:spcPct val="130000"/>
               </a:lnSpc>
+              <a:spcBef>
+                <a:spcPts val="600"/>
+              </a:spcBef>
               <a:spcAft>
-                <a:spcPts val="1200"/>
+                <a:spcPts val="600"/>
               </a:spcAft>
               <a:defRPr sz="2400">
                 <a:latin typeface="+mn-ea"/>
@@ -991,10 +1058,13 @@
             </a:lvl1pPr>
             <a:lvl2pPr>
               <a:lnSpc>
-                <a:spcPct val="120000"/>
+                <a:spcPct val="130000"/>
               </a:lnSpc>
+              <a:spcBef>
+                <a:spcPts val="600"/>
+              </a:spcBef>
               <a:spcAft>
-                <a:spcPts val="1200"/>
+                <a:spcPts val="600"/>
               </a:spcAft>
               <a:defRPr sz="2400">
                 <a:latin typeface="+mn-ea"/>
@@ -1003,10 +1073,13 @@
             </a:lvl2pPr>
             <a:lvl3pPr>
               <a:lnSpc>
-                <a:spcPct val="120000"/>
+                <a:spcPct val="130000"/>
               </a:lnSpc>
+              <a:spcBef>
+                <a:spcPts val="600"/>
+              </a:spcBef>
               <a:spcAft>
-                <a:spcPts val="1200"/>
+                <a:spcPts val="600"/>
               </a:spcAft>
               <a:defRPr sz="2400">
                 <a:latin typeface="+mn-ea"/>
@@ -1015,10 +1088,13 @@
             </a:lvl3pPr>
             <a:lvl4pPr>
               <a:lnSpc>
-                <a:spcPct val="120000"/>
+                <a:spcPct val="130000"/>
               </a:lnSpc>
+              <a:spcBef>
+                <a:spcPts val="600"/>
+              </a:spcBef>
               <a:spcAft>
-                <a:spcPts val="1200"/>
+                <a:spcPts val="600"/>
               </a:spcAft>
               <a:defRPr sz="2400">
                 <a:latin typeface="+mn-ea"/>
@@ -1027,10 +1103,13 @@
             </a:lvl4pPr>
             <a:lvl5pPr>
               <a:lnSpc>
-                <a:spcPct val="120000"/>
+                <a:spcPct val="130000"/>
               </a:lnSpc>
+              <a:spcBef>
+                <a:spcPts val="600"/>
+              </a:spcBef>
               <a:spcAft>
-                <a:spcPts val="1200"/>
+                <a:spcPts val="600"/>
               </a:spcAft>
               <a:defRPr sz="2400">
                 <a:latin typeface="+mn-ea"/>
@@ -1079,7 +1158,7 @@
     </p:spTree>
     <p:extLst>
       <p:ext uri="{BB962C8B-B14F-4D97-AF65-F5344CB8AC3E}">
-        <p14:creationId xmlns:p14="http://schemas.microsoft.com/office/powerpoint/2010/main" val="3870575477"/>
+        <p14:creationId xmlns:p14="http://schemas.microsoft.com/office/powerpoint/2010/main" val="1687004294"/>
       </p:ext>
     </p:extLst>
   </p:cSld>
@@ -1132,52 +1211,84 @@
           <a:prstGeom prst="rect">
             <a:avLst/>
           </a:prstGeom>
+          <a:noFill/>
+          <a:ln>
+            <a:noFill/>
+          </a:ln>
+          <a:effectLst/>
         </p:spPr>
+        <p:style>
+          <a:lnRef idx="2">
+            <a:schemeClr val="accent3"/>
+          </a:lnRef>
+          <a:fillRef idx="1">
+            <a:schemeClr val="lt1"/>
+          </a:fillRef>
+          <a:effectRef idx="0">
+            <a:schemeClr val="accent3"/>
+          </a:effectRef>
+          <a:fontRef idx="none"/>
+        </p:style>
         <p:txBody>
           <a:bodyPr anchor="ctr"/>
           <a:lstStyle>
             <a:lvl1pPr>
               <a:lnSpc>
-                <a:spcPct val="120000"/>
+                <a:spcPct val="130000"/>
               </a:lnSpc>
+              <a:spcBef>
+                <a:spcPts val="600"/>
+              </a:spcBef>
               <a:spcAft>
-                <a:spcPts val="1200"/>
+                <a:spcPts val="600"/>
               </a:spcAft>
               <a:defRPr sz="2400"/>
             </a:lvl1pPr>
             <a:lvl2pPr>
               <a:lnSpc>
-                <a:spcPct val="120000"/>
+                <a:spcPct val="130000"/>
               </a:lnSpc>
+              <a:spcBef>
+                <a:spcPts val="600"/>
+              </a:spcBef>
               <a:spcAft>
-                <a:spcPts val="1200"/>
+                <a:spcPts val="600"/>
               </a:spcAft>
               <a:defRPr sz="2400"/>
             </a:lvl2pPr>
             <a:lvl3pPr>
               <a:lnSpc>
-                <a:spcPct val="120000"/>
+                <a:spcPct val="130000"/>
               </a:lnSpc>
+              <a:spcBef>
+                <a:spcPts val="600"/>
+              </a:spcBef>
               <a:spcAft>
-                <a:spcPts val="1200"/>
+                <a:spcPts val="600"/>
               </a:spcAft>
               <a:defRPr sz="2400"/>
             </a:lvl3pPr>
             <a:lvl4pPr>
               <a:lnSpc>
-                <a:spcPct val="120000"/>
+                <a:spcPct val="130000"/>
               </a:lnSpc>
+              <a:spcBef>
+                <a:spcPts val="600"/>
+              </a:spcBef>
               <a:spcAft>
-                <a:spcPts val="1200"/>
+                <a:spcPts val="600"/>
               </a:spcAft>
               <a:defRPr sz="2400"/>
             </a:lvl4pPr>
             <a:lvl5pPr>
               <a:lnSpc>
-                <a:spcPct val="120000"/>
+                <a:spcPct val="130000"/>
               </a:lnSpc>
+              <a:spcBef>
+                <a:spcPts val="600"/>
+              </a:spcBef>
               <a:spcAft>
-                <a:spcPts val="1200"/>
+                <a:spcPts val="600"/>
               </a:spcAft>
               <a:defRPr sz="2400"/>
             </a:lvl5pPr>
@@ -1185,35 +1296,35 @@
           <a:p>
             <a:pPr lvl="0"/>
             <a:r>
-              <a:rPr lang="zh-CN" altLang="en-US" dirty="0" smtClean="0"/>
+              <a:rPr lang="zh-CN" altLang="en-US" smtClean="0"/>
               <a:t>编辑母版文本样式</a:t>
             </a:r>
           </a:p>
           <a:p>
             <a:pPr lvl="1"/>
             <a:r>
-              <a:rPr lang="zh-CN" altLang="en-US" dirty="0" smtClean="0"/>
+              <a:rPr lang="zh-CN" altLang="en-US" smtClean="0"/>
               <a:t>第二级</a:t>
             </a:r>
           </a:p>
           <a:p>
             <a:pPr lvl="2"/>
             <a:r>
-              <a:rPr lang="zh-CN" altLang="en-US" dirty="0" smtClean="0"/>
+              <a:rPr lang="zh-CN" altLang="en-US" smtClean="0"/>
               <a:t>第三级</a:t>
             </a:r>
           </a:p>
           <a:p>
             <a:pPr lvl="3"/>
             <a:r>
-              <a:rPr lang="zh-CN" altLang="en-US" dirty="0" smtClean="0"/>
+              <a:rPr lang="zh-CN" altLang="en-US" smtClean="0"/>
               <a:t>第四级</a:t>
             </a:r>
           </a:p>
           <a:p>
             <a:pPr lvl="4"/>
             <a:r>
-              <a:rPr lang="zh-CN" altLang="en-US" dirty="0" smtClean="0"/>
+              <a:rPr lang="zh-CN" altLang="en-US" smtClean="0"/>
               <a:t>第五级</a:t>
             </a:r>
             <a:endParaRPr lang="zh-CN" altLang="en-US" dirty="0"/>
@@ -1223,7 +1334,7 @@
     </p:spTree>
     <p:extLst>
       <p:ext uri="{BB962C8B-B14F-4D97-AF65-F5344CB8AC3E}">
-        <p14:creationId xmlns:p14="http://schemas.microsoft.com/office/powerpoint/2010/main" val="598421969"/>
+        <p14:creationId xmlns:p14="http://schemas.microsoft.com/office/powerpoint/2010/main" val="2877934578"/>
       </p:ext>
     </p:extLst>
   </p:cSld>
@@ -1261,7 +1372,7 @@
     </p:spTree>
     <p:extLst>
       <p:ext uri="{BB962C8B-B14F-4D97-AF65-F5344CB8AC3E}">
-        <p14:creationId xmlns:p14="http://schemas.microsoft.com/office/powerpoint/2010/main" val="1530991950"/>
+        <p14:creationId xmlns:p14="http://schemas.microsoft.com/office/powerpoint/2010/main" val="1819280172"/>
       </p:ext>
     </p:extLst>
   </p:cSld>
@@ -1844,19 +1955,77 @@
           </a:prstGeom>
         </p:spPr>
       </p:pic>
+      <p:sp>
+        <p:nvSpPr>
+          <p:cNvPr id="2" name="矩形 1"/>
+          <p:cNvSpPr/>
+          <p:nvPr/>
+        </p:nvSpPr>
+        <p:spPr>
+          <a:xfrm>
+            <a:off x="696000" y="882000"/>
+            <a:ext cx="10800000" cy="5220000"/>
+          </a:xfrm>
+          <a:prstGeom prst="rect">
+            <a:avLst/>
+          </a:prstGeom>
+          <a:ln>
+            <a:solidFill>
+              <a:schemeClr val="bg2">
+                <a:lumMod val="90000"/>
+              </a:schemeClr>
+            </a:solidFill>
+          </a:ln>
+          <a:effectLst>
+            <a:glow rad="63500">
+              <a:schemeClr val="accent5">
+                <a:satMod val="175000"/>
+                <a:alpha val="40000"/>
+              </a:schemeClr>
+            </a:glow>
+          </a:effectLst>
+        </p:spPr>
+        <p:style>
+          <a:lnRef idx="2">
+            <a:schemeClr val="accent3"/>
+          </a:lnRef>
+          <a:fillRef idx="1">
+            <a:schemeClr val="lt1"/>
+          </a:fillRef>
+          <a:effectRef idx="0">
+            <a:schemeClr val="accent3"/>
+          </a:effectRef>
+          <a:fontRef idx="minor">
+            <a:schemeClr val="dk1"/>
+          </a:fontRef>
+        </p:style>
+        <p:txBody>
+          <a:bodyPr rot="0" spcFirstLastPara="0" vertOverflow="overflow" horzOverflow="overflow" vert="horz" wrap="square" lIns="91440" tIns="45720" rIns="91440" bIns="45720" numCol="1" spcCol="0" rtlCol="0" fromWordArt="0" anchor="ctr" anchorCtr="0" forceAA="0" compatLnSpc="1">
+            <a:prstTxWarp prst="textNoShape">
+              <a:avLst/>
+            </a:prstTxWarp>
+            <a:noAutofit/>
+          </a:bodyPr>
+          <a:lstStyle/>
+          <a:p>
+            <a:pPr algn="ctr"/>
+            <a:endParaRPr lang="zh-CN" altLang="en-US"/>
+          </a:p>
+        </p:txBody>
+      </p:sp>
     </p:spTree>
     <p:extLst>
       <p:ext uri="{BB962C8B-B14F-4D97-AF65-F5344CB8AC3E}">
-        <p14:creationId xmlns:p14="http://schemas.microsoft.com/office/powerpoint/2010/main" val="825741893"/>
+        <p14:creationId xmlns:p14="http://schemas.microsoft.com/office/powerpoint/2010/main" val="4173724528"/>
       </p:ext>
     </p:extLst>
   </p:cSld>
   <p:clrMap bg1="lt1" tx1="dk1" bg2="lt2" tx2="dk2" accent1="accent1" accent2="accent2" accent3="accent3" accent4="accent4" accent5="accent5" accent6="accent6" hlink="hlink" folHlink="folHlink"/>
   <p:sldLayoutIdLst>
-    <p:sldLayoutId id="2147483730" r:id="rId1"/>
-    <p:sldLayoutId id="2147483731" r:id="rId2"/>
-    <p:sldLayoutId id="2147483732" r:id="rId3"/>
-    <p:sldLayoutId id="2147483733" r:id="rId4"/>
+    <p:sldLayoutId id="2147483735" r:id="rId1"/>
+    <p:sldLayoutId id="2147483736" r:id="rId2"/>
+    <p:sldLayoutId id="2147483737" r:id="rId3"/>
+    <p:sldLayoutId id="2147483738" r:id="rId4"/>
     <p:sldLayoutId id="2147483717" r:id="rId5"/>
   </p:sldLayoutIdLst>
   <p:transition>
@@ -2231,8 +2400,8 @@
           </a:p>
         </p:txBody>
       </p:sp>
-      <mc:AlternateContent xmlns:mc="http://schemas.openxmlformats.org/markup-compatibility/2006">
-        <mc:Choice xmlns:a14="http://schemas.microsoft.com/office/drawing/2010/main" Requires="a14">
+      <mc:AlternateContent xmlns:mc="http://schemas.openxmlformats.org/markup-compatibility/2006" xmlns:a14="http://schemas.microsoft.com/office/drawing/2010/main">
+        <mc:Choice Requires="a14">
           <p:sp>
             <p:nvSpPr>
               <p:cNvPr id="3" name="内容占位符 2"/>
@@ -2551,11 +2720,7 @@
                 </a14:m>
                 <a:r>
                   <a:rPr lang="zh-CN" altLang="en-US" dirty="0" smtClean="0"/>
-                  <a:t> 沿某个方向</a:t>
-                </a:r>
-                <a:r>
-                  <a:rPr lang="zh-CN" altLang="en-US" dirty="0" smtClean="0"/>
-                  <a:t>趋于无穷远</a:t>
+                  <a:t> 沿某个方向趋于无穷远</a:t>
                 </a:r>
                 <a:r>
                   <a:rPr lang="en-US" altLang="zh-CN" dirty="0" smtClean="0"/>
@@ -2677,7 +2842,7 @@
             </p:txBody>
           </p:sp>
         </mc:Choice>
-        <mc:Fallback>
+        <mc:Fallback xmlns="">
           <p:sp>
             <p:nvSpPr>
               <p:cNvPr id="3" name="内容占位符 2"/>
@@ -3090,13 +3255,30 @@
                 <p:ph type="body" sz="quarter" idx="10"/>
               </p:nvPr>
             </p:nvSpPr>
-            <p:spPr/>
+            <p:spPr>
+              <a:solidFill>
+                <a:schemeClr val="bg1">
+                  <a:lumMod val="95000"/>
+                </a:schemeClr>
+              </a:solidFill>
+            </p:spPr>
             <p:txBody>
               <a:bodyPr anchor="ctr">
                 <a:noAutofit/>
               </a:bodyPr>
               <a:lstStyle/>
               <a:p>
+                <a:pPr>
+                  <a:lnSpc>
+                    <a:spcPct val="110000"/>
+                  </a:lnSpc>
+                  <a:spcBef>
+                    <a:spcPts val="500"/>
+                  </a:spcBef>
+                  <a:spcAft>
+                    <a:spcPts val="500"/>
+                  </a:spcAft>
+                </a:pPr>
                 <a:r>
                   <a:rPr lang="zh-CN" altLang="en-US" dirty="0" smtClean="0">
                     <a:solidFill>
@@ -3107,11 +3289,7 @@
                 </a:r>
                 <a:r>
                   <a:rPr lang="zh-CN" altLang="en-US" dirty="0" smtClean="0"/>
-                  <a:t> </a:t>
-                </a:r>
-                <a:r>
-                  <a:rPr lang="zh-CN" altLang="en-US" dirty="0" smtClean="0"/>
-                  <a:t>曲线 </a:t>
+                  <a:t> 曲线 </a:t>
                 </a:r>
                 <a14:m>
                   <m:oMath xmlns:m="http://schemas.openxmlformats.org/officeDocument/2006/math">
@@ -3221,6 +3399,17 @@
                 <a:endParaRPr lang="en-US" altLang="zh-CN" dirty="0" smtClean="0"/>
               </a:p>
               <a:p>
+                <a:pPr>
+                  <a:lnSpc>
+                    <a:spcPct val="110000"/>
+                  </a:lnSpc>
+                  <a:spcBef>
+                    <a:spcPts val="500"/>
+                  </a:spcBef>
+                  <a:spcAft>
+                    <a:spcPts val="500"/>
+                  </a:spcAft>
+                </a:pPr>
                 <a:r>
                   <a:rPr lang="zh-CN" altLang="en-US" dirty="0" smtClean="0">
                     <a:solidFill>
@@ -3335,13 +3524,7 @@
                           <a:rPr lang="en-US" altLang="zh-CN" i="1">
                             <a:latin typeface="Cambria Math" panose="02040503050406030204" pitchFamily="18" charset="0"/>
                           </a:rPr>
-                          <m:t>+</m:t>
-                        </m:r>
-                        <m:r>
-                          <a:rPr lang="en-US" altLang="zh-CN" i="1">
-                            <a:latin typeface="Cambria Math" panose="02040503050406030204" pitchFamily="18" charset="0"/>
-                          </a:rPr>
-                          <m:t>1</m:t>
+                          <m:t>+1</m:t>
                         </m:r>
                       </m:den>
                     </m:f>
@@ -3371,10 +3554,13 @@
               <a:p>
                 <a:pPr>
                   <a:lnSpc>
-                    <a:spcPct val="100000"/>
+                    <a:spcPct val="110000"/>
                   </a:lnSpc>
+                  <a:spcBef>
+                    <a:spcPts val="500"/>
+                  </a:spcBef>
                   <a:spcAft>
-                    <a:spcPts val="0"/>
+                    <a:spcPts val="500"/>
                   </a:spcAft>
                 </a:pPr>
                 <a:r>
@@ -3592,13 +3778,7 @@
                                   <a:rPr lang="en-US" altLang="zh-CN" i="1">
                                     <a:latin typeface="Cambria Math" panose="02040503050406030204" pitchFamily="18" charset="0"/>
                                   </a:rPr>
-                                  <m:t>+</m:t>
-                                </m:r>
-                                <m:r>
-                                  <a:rPr lang="en-US" altLang="zh-CN" i="1">
-                                    <a:latin typeface="Cambria Math" panose="02040503050406030204" pitchFamily="18" charset="0"/>
-                                  </a:rPr>
-                                  <m:t>1</m:t>
+                                  <m:t>+1</m:t>
                                 </m:r>
                               </m:e>
                             </m:d>
@@ -3881,6 +4061,17 @@
                 </a:r>
               </a:p>
               <a:p>
+                <a:pPr>
+                  <a:lnSpc>
+                    <a:spcPct val="110000"/>
+                  </a:lnSpc>
+                  <a:spcBef>
+                    <a:spcPts val="500"/>
+                  </a:spcBef>
+                  <a:spcAft>
+                    <a:spcPts val="500"/>
+                  </a:spcAft>
+                </a:pPr>
                 <a:r>
                   <a:rPr lang="zh-CN" altLang="en-US" dirty="0">
                     <a:solidFill>
@@ -3998,9 +4189,19 @@
                   <a:rPr lang="en-US" altLang="zh-CN" dirty="0"/>
                   <a:t>?</a:t>
                 </a:r>
-                <a:endParaRPr lang="en-US" altLang="zh-CN" dirty="0"/>
               </a:p>
               <a:p>
+                <a:pPr>
+                  <a:lnSpc>
+                    <a:spcPct val="110000"/>
+                  </a:lnSpc>
+                  <a:spcBef>
+                    <a:spcPts val="500"/>
+                  </a:spcBef>
+                  <a:spcAft>
+                    <a:spcPts val="500"/>
+                  </a:spcAft>
+                </a:pPr>
                 <a:r>
                   <a:rPr lang="zh-CN" altLang="en-US" dirty="0">
                     <a:solidFill>
@@ -4243,10 +4444,13 @@
               <a:p>
                 <a:pPr>
                   <a:lnSpc>
-                    <a:spcPct val="100000"/>
+                    <a:spcPct val="110000"/>
                   </a:lnSpc>
+                  <a:spcBef>
+                    <a:spcPts val="500"/>
+                  </a:spcBef>
                   <a:spcAft>
-                    <a:spcPts val="0"/>
+                    <a:spcPts val="500"/>
                   </a:spcAft>
                 </a:pPr>
                 <a:r>
@@ -4301,7 +4505,7 @@
               <a:blipFill>
                 <a:blip r:embed="rId2"/>
                 <a:stretch>
-                  <a:fillRect l="-734" b="-3037"/>
+                  <a:fillRect l="-734" b="-1402"/>
                 </a:stretch>
               </a:blipFill>
             </p:spPr>
@@ -4764,7 +4968,13 @@
                 <p:ph type="body" sz="quarter" idx="10"/>
               </p:nvPr>
             </p:nvSpPr>
-            <p:spPr/>
+            <p:spPr>
+              <a:solidFill>
+                <a:schemeClr val="bg1">
+                  <a:lumMod val="95000"/>
+                </a:schemeClr>
+              </a:solidFill>
+            </p:spPr>
             <p:txBody>
               <a:bodyPr anchor="ctr">
                 <a:noAutofit/>
@@ -4781,11 +4991,7 @@
                 </a:r>
                 <a:r>
                   <a:rPr lang="zh-CN" altLang="en-US" dirty="0" smtClean="0"/>
-                  <a:t> </a:t>
-                </a:r>
-                <a:r>
-                  <a:rPr lang="zh-CN" altLang="en-US" dirty="0" smtClean="0"/>
-                  <a:t>曲线 </a:t>
+                  <a:t> 曲线 </a:t>
                 </a:r>
                 <a14:m>
                   <m:oMath xmlns:m="http://schemas.openxmlformats.org/officeDocument/2006/math">
@@ -6266,7 +6472,13 @@
                 <p:ph type="body" sz="quarter" idx="10"/>
               </p:nvPr>
             </p:nvSpPr>
-            <p:spPr/>
+            <p:spPr>
+              <a:solidFill>
+                <a:schemeClr val="bg1">
+                  <a:lumMod val="95000"/>
+                </a:schemeClr>
+              </a:solidFill>
+            </p:spPr>
             <p:txBody>
               <a:bodyPr anchor="ctr">
                 <a:noAutofit/>
@@ -6283,11 +6495,7 @@
                 </a:r>
                 <a:r>
                   <a:rPr lang="zh-CN" altLang="en-US" dirty="0" smtClean="0"/>
-                  <a:t> </a:t>
-                </a:r>
-                <a:r>
-                  <a:rPr lang="zh-CN" altLang="en-US" dirty="0" smtClean="0"/>
-                  <a:t>曲线 </a:t>
+                  <a:t> 曲线 </a:t>
                 </a:r>
                 <a14:m>
                   <m:oMath xmlns:m="http://schemas.openxmlformats.org/officeDocument/2006/math">
@@ -7818,8 +8026,8 @@
           <a:chExt cx="0" cy="0"/>
         </a:xfrm>
       </p:grpSpPr>
-      <mc:AlternateContent xmlns:mc="http://schemas.openxmlformats.org/markup-compatibility/2006">
-        <mc:Choice xmlns:a14="http://schemas.microsoft.com/office/drawing/2010/main" Requires="a14">
+      <mc:AlternateContent xmlns:mc="http://schemas.openxmlformats.org/markup-compatibility/2006" xmlns:a14="http://schemas.microsoft.com/office/drawing/2010/main">
+        <mc:Choice Requires="a14">
           <p:sp>
             <p:nvSpPr>
               <p:cNvPr id="3" name="内容占位符 2"/>
@@ -7838,1570 +8046,6 @@
               <a:lstStyle/>
               <a:p>
                 <a:r>
-                  <a:rPr lang="zh-CN" altLang="en-US" dirty="0" smtClean="0">
-                    <a:solidFill>
-                      <a:srgbClr val="0000FF"/>
-                    </a:solidFill>
-                  </a:rPr>
-                  <a:t>例</a:t>
-                </a:r>
-                <a:r>
-                  <a:rPr lang="zh-CN" altLang="en-US" dirty="0" smtClean="0"/>
-                  <a:t> </a:t>
-                </a:r>
-                <a:r>
-                  <a:rPr lang="zh-CN" altLang="en-US" dirty="0" smtClean="0"/>
-                  <a:t>曲线 </a:t>
-                </a:r>
-                <a14:m>
-                  <m:oMath xmlns:m="http://schemas.openxmlformats.org/officeDocument/2006/math">
-                    <m:r>
-                      <a:rPr lang="en-US" altLang="zh-CN" b="0" i="1" smtClean="0">
-                        <a:latin typeface="Cambria Math" panose="02040503050406030204" pitchFamily="18" charset="0"/>
-                      </a:rPr>
-                      <m:t>𝑦</m:t>
-                    </m:r>
-                    <m:r>
-                      <a:rPr lang="en-US" altLang="zh-CN" b="0" i="1" smtClean="0">
-                        <a:latin typeface="Cambria Math" panose="02040503050406030204" pitchFamily="18" charset="0"/>
-                      </a:rPr>
-                      <m:t>=</m:t>
-                    </m:r>
-                    <m:f>
-                      <m:fPr>
-                        <m:ctrlPr>
-                          <a:rPr lang="en-US" altLang="zh-CN" b="0" i="1" smtClean="0">
-                            <a:latin typeface="Cambria Math" panose="02040503050406030204" pitchFamily="18" charset="0"/>
-                          </a:rPr>
-                        </m:ctrlPr>
-                      </m:fPr>
-                      <m:num>
-                        <m:r>
-                          <a:rPr lang="en-US" altLang="zh-CN" b="0" i="1" smtClean="0">
-                            <a:latin typeface="Cambria Math" panose="02040503050406030204" pitchFamily="18" charset="0"/>
-                          </a:rPr>
-                          <m:t>1</m:t>
-                        </m:r>
-                      </m:num>
-                      <m:den>
-                        <m:r>
-                          <a:rPr lang="en-US" altLang="zh-CN" b="0" i="1" smtClean="0">
-                            <a:latin typeface="Cambria Math" panose="02040503050406030204" pitchFamily="18" charset="0"/>
-                          </a:rPr>
-                          <m:t>𝑥</m:t>
-                        </m:r>
-                      </m:den>
-                    </m:f>
-                    <m:r>
-                      <a:rPr lang="en-US" altLang="zh-CN" b="0" i="1" smtClean="0">
-                        <a:latin typeface="Cambria Math" panose="02040503050406030204" pitchFamily="18" charset="0"/>
-                      </a:rPr>
-                      <m:t>+</m:t>
-                    </m:r>
-                    <m:func>
-                      <m:funcPr>
-                        <m:ctrlPr>
-                          <a:rPr lang="en-US" altLang="zh-CN" b="0" i="1" smtClean="0">
-                            <a:latin typeface="Cambria Math" panose="02040503050406030204" pitchFamily="18" charset="0"/>
-                          </a:rPr>
-                        </m:ctrlPr>
-                      </m:funcPr>
-                      <m:fName>
-                        <m:r>
-                          <m:rPr>
-                            <m:sty m:val="p"/>
-                          </m:rPr>
-                          <a:rPr lang="en-US" altLang="zh-CN" b="0" i="0" smtClean="0">
-                            <a:latin typeface="Cambria Math" panose="02040503050406030204" pitchFamily="18" charset="0"/>
-                          </a:rPr>
-                          <m:t>ln</m:t>
-                        </m:r>
-                      </m:fName>
-                      <m:e>
-                        <m:d>
-                          <m:dPr>
-                            <m:ctrlPr>
-                              <a:rPr lang="en-US" altLang="zh-CN" b="0" i="1" smtClean="0">
-                                <a:latin typeface="Cambria Math" panose="02040503050406030204" pitchFamily="18" charset="0"/>
-                              </a:rPr>
-                            </m:ctrlPr>
-                          </m:dPr>
-                          <m:e>
-                            <m:r>
-                              <a:rPr lang="en-US" altLang="zh-CN" b="0" i="1" smtClean="0">
-                                <a:latin typeface="Cambria Math" panose="02040503050406030204" pitchFamily="18" charset="0"/>
-                              </a:rPr>
-                              <m:t>1+</m:t>
-                            </m:r>
-                            <m:sSup>
-                              <m:sSupPr>
-                                <m:ctrlPr>
-                                  <a:rPr lang="en-US" altLang="zh-CN" b="0" i="1" smtClean="0">
-                                    <a:latin typeface="Cambria Math" panose="02040503050406030204" pitchFamily="18" charset="0"/>
-                                  </a:rPr>
-                                </m:ctrlPr>
-                              </m:sSupPr>
-                              <m:e>
-                                <m:r>
-                                  <a:rPr lang="en-US" altLang="zh-CN" b="0" i="1" smtClean="0">
-                                    <a:latin typeface="Cambria Math" panose="02040503050406030204" pitchFamily="18" charset="0"/>
-                                  </a:rPr>
-                                  <m:t>𝑒</m:t>
-                                </m:r>
-                              </m:e>
-                              <m:sup>
-                                <m:r>
-                                  <a:rPr lang="en-US" altLang="zh-CN" b="0" i="1" smtClean="0">
-                                    <a:latin typeface="Cambria Math" panose="02040503050406030204" pitchFamily="18" charset="0"/>
-                                  </a:rPr>
-                                  <m:t>𝑥</m:t>
-                                </m:r>
-                              </m:sup>
-                            </m:sSup>
-                          </m:e>
-                        </m:d>
-                      </m:e>
-                    </m:func>
-                  </m:oMath>
-                </a14:m>
-                <a:r>
-                  <a:rPr lang="zh-CN" altLang="en-US" dirty="0" smtClean="0"/>
-                  <a:t> 有几条渐近线</a:t>
-                </a:r>
-                <a:r>
-                  <a:rPr lang="en-US" altLang="zh-CN" dirty="0"/>
-                  <a:t>?</a:t>
-                </a:r>
-                <a:endParaRPr lang="en-US" altLang="zh-CN" dirty="0" smtClean="0"/>
-              </a:p>
-              <a:p>
-                <a:r>
-                  <a:rPr lang="zh-CN" altLang="en-US" dirty="0" smtClean="0">
-                    <a:solidFill>
-                      <a:srgbClr val="0000FF"/>
-                    </a:solidFill>
-                  </a:rPr>
-                  <a:t>解</a:t>
-                </a:r>
-                <a:r>
-                  <a:rPr lang="zh-CN" altLang="en-US" dirty="0" smtClean="0"/>
-                  <a:t> 由于 </a:t>
-                </a:r>
-                <a14:m>
-                  <m:oMath xmlns:m="http://schemas.openxmlformats.org/officeDocument/2006/math">
-                    <m:func>
-                      <m:funcPr>
-                        <m:ctrlPr>
-                          <a:rPr lang="en-US" altLang="zh-CN" i="1">
-                            <a:latin typeface="Cambria Math" panose="02040503050406030204" pitchFamily="18" charset="0"/>
-                          </a:rPr>
-                        </m:ctrlPr>
-                      </m:funcPr>
-                      <m:fName>
-                        <m:limLow>
-                          <m:limLowPr>
-                            <m:ctrlPr>
-                              <a:rPr lang="en-US" altLang="zh-CN" i="1">
-                                <a:latin typeface="Cambria Math" panose="02040503050406030204" pitchFamily="18" charset="0"/>
-                              </a:rPr>
-                            </m:ctrlPr>
-                          </m:limLowPr>
-                          <m:e>
-                            <m:r>
-                              <m:rPr>
-                                <m:sty m:val="p"/>
-                              </m:rPr>
-                              <a:rPr lang="en-US" altLang="zh-CN">
-                                <a:latin typeface="Cambria Math" panose="02040503050406030204" pitchFamily="18" charset="0"/>
-                              </a:rPr>
-                              <m:t>lim</m:t>
-                            </m:r>
-                          </m:e>
-                          <m:lim>
-                            <m:r>
-                              <a:rPr lang="en-US" altLang="zh-CN" i="1">
-                                <a:latin typeface="Cambria Math" panose="02040503050406030204" pitchFamily="18" charset="0"/>
-                              </a:rPr>
-                              <m:t>𝑥</m:t>
-                            </m:r>
-                            <m:r>
-                              <a:rPr lang="en-US" altLang="zh-CN" i="1">
-                                <a:latin typeface="Cambria Math" panose="02040503050406030204" pitchFamily="18" charset="0"/>
-                              </a:rPr>
-                              <m:t>→0</m:t>
-                            </m:r>
-                          </m:lim>
-                        </m:limLow>
-                      </m:fName>
-                      <m:e>
-                        <m:r>
-                          <a:rPr lang="en-US" altLang="zh-CN" i="1">
-                            <a:latin typeface="Cambria Math" panose="02040503050406030204" pitchFamily="18" charset="0"/>
-                          </a:rPr>
-                          <m:t>𝑦</m:t>
-                        </m:r>
-                      </m:e>
-                    </m:func>
-                    <m:r>
-                      <a:rPr lang="en-US" altLang="zh-CN" i="1">
-                        <a:latin typeface="Cambria Math" panose="02040503050406030204" pitchFamily="18" charset="0"/>
-                      </a:rPr>
-                      <m:t>=</m:t>
-                    </m:r>
-                    <m:r>
-                      <a:rPr lang="en-US" altLang="zh-CN" b="0" i="1" smtClean="0">
-                        <a:latin typeface="Cambria Math" panose="02040503050406030204" pitchFamily="18" charset="0"/>
-                      </a:rPr>
-                      <m:t>∞</m:t>
-                    </m:r>
-                  </m:oMath>
-                </a14:m>
-                <a:r>
-                  <a:rPr lang="en-US" altLang="zh-CN" dirty="0" smtClean="0"/>
-                  <a:t>, </a:t>
-                </a:r>
-                <a:r>
-                  <a:rPr lang="zh-CN" altLang="en-US" dirty="0" smtClean="0"/>
-                  <a:t>因此 </a:t>
-                </a:r>
-                <a14:m>
-                  <m:oMath xmlns:m="http://schemas.openxmlformats.org/officeDocument/2006/math">
-                    <m:r>
-                      <a:rPr lang="en-US" altLang="zh-CN" b="0" i="1" smtClean="0">
-                        <a:latin typeface="Cambria Math" panose="02040503050406030204" pitchFamily="18" charset="0"/>
-                      </a:rPr>
-                      <m:t>𝑥</m:t>
-                    </m:r>
-                    <m:r>
-                      <a:rPr lang="en-US" altLang="zh-CN" b="0" i="1" smtClean="0">
-                        <a:latin typeface="Cambria Math" panose="02040503050406030204" pitchFamily="18" charset="0"/>
-                      </a:rPr>
-                      <m:t>=0</m:t>
-                    </m:r>
-                  </m:oMath>
-                </a14:m>
-                <a:r>
-                  <a:rPr lang="zh-CN" altLang="en-US" dirty="0" smtClean="0"/>
-                  <a:t> 是它的垂直渐近线</a:t>
-                </a:r>
-                <a:r>
-                  <a:rPr lang="en-US" altLang="zh-CN" dirty="0" smtClean="0"/>
-                  <a:t>.</a:t>
-                </a:r>
-              </a:p>
-              <a:p>
-                <a:r>
-                  <a:rPr lang="zh-CN" altLang="en-US" dirty="0" smtClean="0"/>
-                  <a:t>由于 </a:t>
-                </a:r>
-                <a:r>
-                  <a:rPr lang="en-US" altLang="zh-CN" i="1" dirty="0" smtClean="0">
-                    <a:latin typeface="Cambria Math" panose="02040503050406030204" pitchFamily="18" charset="0"/>
-                  </a:rPr>
-                  <a:t/>
-                </a:r>
-                <a:br>
-                  <a:rPr lang="en-US" altLang="zh-CN" i="1" dirty="0" smtClean="0">
-                    <a:latin typeface="Cambria Math" panose="02040503050406030204" pitchFamily="18" charset="0"/>
-                  </a:rPr>
-                </a:br>
-                <a14:m>
-                  <m:oMath xmlns:m="http://schemas.openxmlformats.org/officeDocument/2006/math">
-                    <m:func>
-                      <m:funcPr>
-                        <m:ctrlPr>
-                          <a:rPr lang="en-US" altLang="zh-CN" i="1">
-                            <a:latin typeface="Cambria Math" panose="02040503050406030204" pitchFamily="18" charset="0"/>
-                          </a:rPr>
-                        </m:ctrlPr>
-                      </m:funcPr>
-                      <m:fName>
-                        <m:limLow>
-                          <m:limLowPr>
-                            <m:ctrlPr>
-                              <a:rPr lang="en-US" altLang="zh-CN" i="1">
-                                <a:latin typeface="Cambria Math" panose="02040503050406030204" pitchFamily="18" charset="0"/>
-                              </a:rPr>
-                            </m:ctrlPr>
-                          </m:limLowPr>
-                          <m:e>
-                            <m:r>
-                              <m:rPr>
-                                <m:sty m:val="p"/>
-                              </m:rPr>
-                              <a:rPr lang="en-US" altLang="zh-CN">
-                                <a:latin typeface="Cambria Math" panose="02040503050406030204" pitchFamily="18" charset="0"/>
-                              </a:rPr>
-                              <m:t>lim</m:t>
-                            </m:r>
-                          </m:e>
-                          <m:lim>
-                            <m:r>
-                              <a:rPr lang="en-US" altLang="zh-CN" i="1">
-                                <a:latin typeface="Cambria Math" panose="02040503050406030204" pitchFamily="18" charset="0"/>
-                              </a:rPr>
-                              <m:t>𝑥</m:t>
-                            </m:r>
-                            <m:r>
-                              <a:rPr lang="en-US" altLang="zh-CN" i="1">
-                                <a:latin typeface="Cambria Math" panose="02040503050406030204" pitchFamily="18" charset="0"/>
-                              </a:rPr>
-                              <m:t>→+∞</m:t>
-                            </m:r>
-                          </m:lim>
-                        </m:limLow>
-                      </m:fName>
-                      <m:e>
-                        <m:f>
-                          <m:fPr>
-                            <m:ctrlPr>
-                              <a:rPr lang="en-US" altLang="zh-CN" b="0" i="1" smtClean="0">
-                                <a:latin typeface="Cambria Math" panose="02040503050406030204" pitchFamily="18" charset="0"/>
-                              </a:rPr>
-                            </m:ctrlPr>
-                          </m:fPr>
-                          <m:num>
-                            <m:r>
-                              <a:rPr lang="en-US" altLang="zh-CN" b="0" i="1" smtClean="0">
-                                <a:latin typeface="Cambria Math" panose="02040503050406030204" pitchFamily="18" charset="0"/>
-                              </a:rPr>
-                              <m:t>𝑦</m:t>
-                            </m:r>
-                          </m:num>
-                          <m:den>
-                            <m:r>
-                              <a:rPr lang="en-US" altLang="zh-CN" b="0" i="1" smtClean="0">
-                                <a:latin typeface="Cambria Math" panose="02040503050406030204" pitchFamily="18" charset="0"/>
-                              </a:rPr>
-                              <m:t>𝑥</m:t>
-                            </m:r>
-                          </m:den>
-                        </m:f>
-                      </m:e>
-                    </m:func>
-                    <m:r>
-                      <a:rPr lang="en-US" altLang="zh-CN" i="1">
-                        <a:latin typeface="Cambria Math" panose="02040503050406030204" pitchFamily="18" charset="0"/>
-                      </a:rPr>
-                      <m:t>=</m:t>
-                    </m:r>
-                    <m:func>
-                      <m:funcPr>
-                        <m:ctrlPr>
-                          <a:rPr lang="en-US" altLang="zh-CN" i="1">
-                            <a:latin typeface="Cambria Math" panose="02040503050406030204" pitchFamily="18" charset="0"/>
-                          </a:rPr>
-                        </m:ctrlPr>
-                      </m:funcPr>
-                      <m:fName>
-                        <m:limLow>
-                          <m:limLowPr>
-                            <m:ctrlPr>
-                              <a:rPr lang="en-US" altLang="zh-CN" i="1">
-                                <a:latin typeface="Cambria Math" panose="02040503050406030204" pitchFamily="18" charset="0"/>
-                              </a:rPr>
-                            </m:ctrlPr>
-                          </m:limLowPr>
-                          <m:e>
-                            <m:r>
-                              <m:rPr>
-                                <m:sty m:val="p"/>
-                              </m:rPr>
-                              <a:rPr lang="en-US" altLang="zh-CN">
-                                <a:latin typeface="Cambria Math" panose="02040503050406030204" pitchFamily="18" charset="0"/>
-                              </a:rPr>
-                              <m:t>lim</m:t>
-                            </m:r>
-                          </m:e>
-                          <m:lim>
-                            <m:r>
-                              <a:rPr lang="en-US" altLang="zh-CN" i="1">
-                                <a:latin typeface="Cambria Math" panose="02040503050406030204" pitchFamily="18" charset="0"/>
-                              </a:rPr>
-                              <m:t>𝑥</m:t>
-                            </m:r>
-                            <m:r>
-                              <a:rPr lang="en-US" altLang="zh-CN" i="1">
-                                <a:latin typeface="Cambria Math" panose="02040503050406030204" pitchFamily="18" charset="0"/>
-                              </a:rPr>
-                              <m:t>→+∞</m:t>
-                            </m:r>
-                          </m:lim>
-                        </m:limLow>
-                      </m:fName>
-                      <m:e>
-                        <m:f>
-                          <m:fPr>
-                            <m:ctrlPr>
-                              <a:rPr lang="en-US" altLang="zh-CN" i="1">
-                                <a:latin typeface="Cambria Math" panose="02040503050406030204" pitchFamily="18" charset="0"/>
-                              </a:rPr>
-                            </m:ctrlPr>
-                          </m:fPr>
-                          <m:num>
-                            <m:func>
-                              <m:funcPr>
-                                <m:ctrlPr>
-                                  <a:rPr lang="en-US" altLang="zh-CN" i="1">
-                                    <a:latin typeface="Cambria Math" panose="02040503050406030204" pitchFamily="18" charset="0"/>
-                                  </a:rPr>
-                                </m:ctrlPr>
-                              </m:funcPr>
-                              <m:fName>
-                                <m:r>
-                                  <m:rPr>
-                                    <m:sty m:val="p"/>
-                                  </m:rPr>
-                                  <a:rPr lang="en-US" altLang="zh-CN">
-                                    <a:latin typeface="Cambria Math" panose="02040503050406030204" pitchFamily="18" charset="0"/>
-                                  </a:rPr>
-                                  <m:t>ln</m:t>
-                                </m:r>
-                              </m:fName>
-                              <m:e>
-                                <m:d>
-                                  <m:dPr>
-                                    <m:ctrlPr>
-                                      <a:rPr lang="en-US" altLang="zh-CN" i="1">
-                                        <a:latin typeface="Cambria Math" panose="02040503050406030204" pitchFamily="18" charset="0"/>
-                                      </a:rPr>
-                                    </m:ctrlPr>
-                                  </m:dPr>
-                                  <m:e>
-                                    <m:r>
-                                      <a:rPr lang="en-US" altLang="zh-CN" i="1">
-                                        <a:latin typeface="Cambria Math" panose="02040503050406030204" pitchFamily="18" charset="0"/>
-                                      </a:rPr>
-                                      <m:t>1+</m:t>
-                                    </m:r>
-                                    <m:sSup>
-                                      <m:sSupPr>
-                                        <m:ctrlPr>
-                                          <a:rPr lang="en-US" altLang="zh-CN" i="1">
-                                            <a:latin typeface="Cambria Math" panose="02040503050406030204" pitchFamily="18" charset="0"/>
-                                          </a:rPr>
-                                        </m:ctrlPr>
-                                      </m:sSupPr>
-                                      <m:e>
-                                        <m:r>
-                                          <a:rPr lang="en-US" altLang="zh-CN" i="1">
-                                            <a:latin typeface="Cambria Math" panose="02040503050406030204" pitchFamily="18" charset="0"/>
-                                          </a:rPr>
-                                          <m:t>𝑒</m:t>
-                                        </m:r>
-                                      </m:e>
-                                      <m:sup>
-                                        <m:r>
-                                          <a:rPr lang="en-US" altLang="zh-CN" i="1">
-                                            <a:latin typeface="Cambria Math" panose="02040503050406030204" pitchFamily="18" charset="0"/>
-                                          </a:rPr>
-                                          <m:t>𝑥</m:t>
-                                        </m:r>
-                                      </m:sup>
-                                    </m:sSup>
-                                  </m:e>
-                                </m:d>
-                              </m:e>
-                            </m:func>
-                          </m:num>
-                          <m:den>
-                            <m:r>
-                              <a:rPr lang="en-US" altLang="zh-CN" i="1">
-                                <a:latin typeface="Cambria Math" panose="02040503050406030204" pitchFamily="18" charset="0"/>
-                              </a:rPr>
-                              <m:t>𝑥</m:t>
-                            </m:r>
-                          </m:den>
-                        </m:f>
-                      </m:e>
-                    </m:func>
-                    <m:r>
-                      <a:rPr lang="en-US" altLang="zh-CN" b="0" i="1" smtClean="0">
-                        <a:latin typeface="Cambria Math" panose="02040503050406030204" pitchFamily="18" charset="0"/>
-                      </a:rPr>
-                      <m:t>=</m:t>
-                    </m:r>
-                    <m:func>
-                      <m:funcPr>
-                        <m:ctrlPr>
-                          <a:rPr lang="en-US" altLang="zh-CN" i="1">
-                            <a:latin typeface="Cambria Math" panose="02040503050406030204" pitchFamily="18" charset="0"/>
-                          </a:rPr>
-                        </m:ctrlPr>
-                      </m:funcPr>
-                      <m:fName>
-                        <m:limLow>
-                          <m:limLowPr>
-                            <m:ctrlPr>
-                              <a:rPr lang="en-US" altLang="zh-CN" i="1">
-                                <a:latin typeface="Cambria Math" panose="02040503050406030204" pitchFamily="18" charset="0"/>
-                              </a:rPr>
-                            </m:ctrlPr>
-                          </m:limLowPr>
-                          <m:e>
-                            <m:r>
-                              <m:rPr>
-                                <m:sty m:val="p"/>
-                              </m:rPr>
-                              <a:rPr lang="en-US" altLang="zh-CN">
-                                <a:latin typeface="Cambria Math" panose="02040503050406030204" pitchFamily="18" charset="0"/>
-                              </a:rPr>
-                              <m:t>lim</m:t>
-                            </m:r>
-                          </m:e>
-                          <m:lim>
-                            <m:r>
-                              <a:rPr lang="en-US" altLang="zh-CN" i="1">
-                                <a:latin typeface="Cambria Math" panose="02040503050406030204" pitchFamily="18" charset="0"/>
-                              </a:rPr>
-                              <m:t>𝑥</m:t>
-                            </m:r>
-                            <m:r>
-                              <a:rPr lang="en-US" altLang="zh-CN" i="1">
-                                <a:latin typeface="Cambria Math" panose="02040503050406030204" pitchFamily="18" charset="0"/>
-                              </a:rPr>
-                              <m:t>→+∞</m:t>
-                            </m:r>
-                          </m:lim>
-                        </m:limLow>
-                      </m:fName>
-                      <m:e>
-                        <m:f>
-                          <m:fPr>
-                            <m:ctrlPr>
-                              <a:rPr lang="en-US" altLang="zh-CN" b="0" i="1" smtClean="0">
-                                <a:latin typeface="Cambria Math" panose="02040503050406030204" pitchFamily="18" charset="0"/>
-                              </a:rPr>
-                            </m:ctrlPr>
-                          </m:fPr>
-                          <m:num>
-                            <m:sSup>
-                              <m:sSupPr>
-                                <m:ctrlPr>
-                                  <a:rPr lang="en-US" altLang="zh-CN" b="0" i="1" smtClean="0">
-                                    <a:latin typeface="Cambria Math" panose="02040503050406030204" pitchFamily="18" charset="0"/>
-                                  </a:rPr>
-                                </m:ctrlPr>
-                              </m:sSupPr>
-                              <m:e>
-                                <m:r>
-                                  <a:rPr lang="en-US" altLang="zh-CN" b="0" i="1" smtClean="0">
-                                    <a:latin typeface="Cambria Math" panose="02040503050406030204" pitchFamily="18" charset="0"/>
-                                  </a:rPr>
-                                  <m:t>𝑒</m:t>
-                                </m:r>
-                              </m:e>
-                              <m:sup>
-                                <m:r>
-                                  <a:rPr lang="en-US" altLang="zh-CN" b="0" i="1" smtClean="0">
-                                    <a:latin typeface="Cambria Math" panose="02040503050406030204" pitchFamily="18" charset="0"/>
-                                  </a:rPr>
-                                  <m:t>𝑥</m:t>
-                                </m:r>
-                              </m:sup>
-                            </m:sSup>
-                          </m:num>
-                          <m:den>
-                            <m:r>
-                              <a:rPr lang="en-US" altLang="zh-CN" b="0" i="1" smtClean="0">
-                                <a:latin typeface="Cambria Math" panose="02040503050406030204" pitchFamily="18" charset="0"/>
-                              </a:rPr>
-                              <m:t>1+</m:t>
-                            </m:r>
-                            <m:sSup>
-                              <m:sSupPr>
-                                <m:ctrlPr>
-                                  <a:rPr lang="en-US" altLang="zh-CN" b="0" i="1" smtClean="0">
-                                    <a:latin typeface="Cambria Math" panose="02040503050406030204" pitchFamily="18" charset="0"/>
-                                  </a:rPr>
-                                </m:ctrlPr>
-                              </m:sSupPr>
-                              <m:e>
-                                <m:r>
-                                  <a:rPr lang="en-US" altLang="zh-CN" b="0" i="1" smtClean="0">
-                                    <a:latin typeface="Cambria Math" panose="02040503050406030204" pitchFamily="18" charset="0"/>
-                                  </a:rPr>
-                                  <m:t>𝑒</m:t>
-                                </m:r>
-                              </m:e>
-                              <m:sup>
-                                <m:r>
-                                  <a:rPr lang="en-US" altLang="zh-CN" b="0" i="1" smtClean="0">
-                                    <a:latin typeface="Cambria Math" panose="02040503050406030204" pitchFamily="18" charset="0"/>
-                                  </a:rPr>
-                                  <m:t>𝑥</m:t>
-                                </m:r>
-                              </m:sup>
-                            </m:sSup>
-                          </m:den>
-                        </m:f>
-                      </m:e>
-                    </m:func>
-                    <m:r>
-                      <a:rPr lang="en-US" altLang="zh-CN" b="0" i="1" smtClean="0">
-                        <a:latin typeface="Cambria Math" panose="02040503050406030204" pitchFamily="18" charset="0"/>
-                      </a:rPr>
-                      <m:t>=1,</m:t>
-                    </m:r>
-                  </m:oMath>
-                </a14:m>
-                <a:r>
-                  <a:rPr lang="en-US" altLang="zh-CN" b="0" i="1" dirty="0" smtClean="0">
-                    <a:latin typeface="Cambria Math" panose="02040503050406030204" pitchFamily="18" charset="0"/>
-                  </a:rPr>
-                  <a:t/>
-                </a:r>
-                <a:br>
-                  <a:rPr lang="en-US" altLang="zh-CN" b="0" i="1" dirty="0" smtClean="0">
-                    <a:latin typeface="Cambria Math" panose="02040503050406030204" pitchFamily="18" charset="0"/>
-                  </a:rPr>
-                </a:br>
-                <a14:m>
-                  <m:oMath xmlns:m="http://schemas.openxmlformats.org/officeDocument/2006/math">
-                    <m:func>
-                      <m:funcPr>
-                        <m:ctrlPr>
-                          <a:rPr lang="en-US" altLang="zh-CN" b="0" i="1" smtClean="0">
-                            <a:latin typeface="Cambria Math" panose="02040503050406030204" pitchFamily="18" charset="0"/>
-                          </a:rPr>
-                        </m:ctrlPr>
-                      </m:funcPr>
-                      <m:fName>
-                        <m:limLow>
-                          <m:limLowPr>
-                            <m:ctrlPr>
-                              <a:rPr lang="en-US" altLang="zh-CN" b="0" i="1" smtClean="0">
-                                <a:latin typeface="Cambria Math" panose="02040503050406030204" pitchFamily="18" charset="0"/>
-                              </a:rPr>
-                            </m:ctrlPr>
-                          </m:limLowPr>
-                          <m:e>
-                            <m:r>
-                              <m:rPr>
-                                <m:sty m:val="p"/>
-                              </m:rPr>
-                              <a:rPr lang="en-US" altLang="zh-CN" b="0" i="0" smtClean="0">
-                                <a:latin typeface="Cambria Math" panose="02040503050406030204" pitchFamily="18" charset="0"/>
-                              </a:rPr>
-                              <m:t>lim</m:t>
-                            </m:r>
-                          </m:e>
-                          <m:lim>
-                            <m:r>
-                              <a:rPr lang="en-US" altLang="zh-CN" b="0" i="1" smtClean="0">
-                                <a:latin typeface="Cambria Math" panose="02040503050406030204" pitchFamily="18" charset="0"/>
-                              </a:rPr>
-                              <m:t>𝑥</m:t>
-                            </m:r>
-                            <m:r>
-                              <a:rPr lang="en-US" altLang="zh-CN" b="0" i="1" smtClean="0">
-                                <a:latin typeface="Cambria Math" panose="02040503050406030204" pitchFamily="18" charset="0"/>
-                              </a:rPr>
-                              <m:t>→+∞</m:t>
-                            </m:r>
-                          </m:lim>
-                        </m:limLow>
-                      </m:fName>
-                      <m:e>
-                        <m:d>
-                          <m:dPr>
-                            <m:ctrlPr>
-                              <a:rPr lang="en-US" altLang="zh-CN" b="0" i="1" smtClean="0">
-                                <a:latin typeface="Cambria Math" panose="02040503050406030204" pitchFamily="18" charset="0"/>
-                              </a:rPr>
-                            </m:ctrlPr>
-                          </m:dPr>
-                          <m:e>
-                            <m:r>
-                              <a:rPr lang="en-US" altLang="zh-CN" b="0" i="1" smtClean="0">
-                                <a:latin typeface="Cambria Math" panose="02040503050406030204" pitchFamily="18" charset="0"/>
-                              </a:rPr>
-                              <m:t>𝑦</m:t>
-                            </m:r>
-                            <m:r>
-                              <a:rPr lang="en-US" altLang="zh-CN" b="0" i="1" smtClean="0">
-                                <a:latin typeface="Cambria Math" panose="02040503050406030204" pitchFamily="18" charset="0"/>
-                              </a:rPr>
-                              <m:t>−</m:t>
-                            </m:r>
-                            <m:r>
-                              <a:rPr lang="en-US" altLang="zh-CN" b="0" i="1" smtClean="0">
-                                <a:latin typeface="Cambria Math" panose="02040503050406030204" pitchFamily="18" charset="0"/>
-                              </a:rPr>
-                              <m:t>𝑥</m:t>
-                            </m:r>
-                          </m:e>
-                        </m:d>
-                      </m:e>
-                    </m:func>
-                    <m:r>
-                      <a:rPr lang="en-US" altLang="zh-CN" i="1">
-                        <a:latin typeface="Cambria Math" panose="02040503050406030204" pitchFamily="18" charset="0"/>
-                      </a:rPr>
-                      <m:t>=</m:t>
-                    </m:r>
-                    <m:func>
-                      <m:funcPr>
-                        <m:ctrlPr>
-                          <a:rPr lang="en-US" altLang="zh-CN" i="1">
-                            <a:latin typeface="Cambria Math" panose="02040503050406030204" pitchFamily="18" charset="0"/>
-                          </a:rPr>
-                        </m:ctrlPr>
-                      </m:funcPr>
-                      <m:fName>
-                        <m:limLow>
-                          <m:limLowPr>
-                            <m:ctrlPr>
-                              <a:rPr lang="en-US" altLang="zh-CN" i="1">
-                                <a:latin typeface="Cambria Math" panose="02040503050406030204" pitchFamily="18" charset="0"/>
-                              </a:rPr>
-                            </m:ctrlPr>
-                          </m:limLowPr>
-                          <m:e>
-                            <m:r>
-                              <m:rPr>
-                                <m:sty m:val="p"/>
-                              </m:rPr>
-                              <a:rPr lang="en-US" altLang="zh-CN">
-                                <a:latin typeface="Cambria Math" panose="02040503050406030204" pitchFamily="18" charset="0"/>
-                              </a:rPr>
-                              <m:t>lim</m:t>
-                            </m:r>
-                          </m:e>
-                          <m:lim>
-                            <m:r>
-                              <a:rPr lang="en-US" altLang="zh-CN" i="1">
-                                <a:latin typeface="Cambria Math" panose="02040503050406030204" pitchFamily="18" charset="0"/>
-                              </a:rPr>
-                              <m:t>𝑥</m:t>
-                            </m:r>
-                            <m:r>
-                              <a:rPr lang="en-US" altLang="zh-CN" i="1">
-                                <a:latin typeface="Cambria Math" panose="02040503050406030204" pitchFamily="18" charset="0"/>
-                              </a:rPr>
-                              <m:t>→+∞</m:t>
-                            </m:r>
-                          </m:lim>
-                        </m:limLow>
-                      </m:fName>
-                      <m:e>
-                        <m:d>
-                          <m:dPr>
-                            <m:begChr m:val="["/>
-                            <m:endChr m:val="]"/>
-                            <m:ctrlPr>
-                              <a:rPr lang="en-US" altLang="zh-CN" i="1">
-                                <a:latin typeface="Cambria Math" panose="02040503050406030204" pitchFamily="18" charset="0"/>
-                              </a:rPr>
-                            </m:ctrlPr>
-                          </m:dPr>
-                          <m:e>
-                            <m:func>
-                              <m:funcPr>
-                                <m:ctrlPr>
-                                  <a:rPr lang="en-US" altLang="zh-CN" i="1">
-                                    <a:latin typeface="Cambria Math" panose="02040503050406030204" pitchFamily="18" charset="0"/>
-                                  </a:rPr>
-                                </m:ctrlPr>
-                              </m:funcPr>
-                              <m:fName>
-                                <m:r>
-                                  <m:rPr>
-                                    <m:sty m:val="p"/>
-                                  </m:rPr>
-                                  <a:rPr lang="en-US" altLang="zh-CN">
-                                    <a:latin typeface="Cambria Math" panose="02040503050406030204" pitchFamily="18" charset="0"/>
-                                  </a:rPr>
-                                  <m:t>ln</m:t>
-                                </m:r>
-                              </m:fName>
-                              <m:e>
-                                <m:d>
-                                  <m:dPr>
-                                    <m:ctrlPr>
-                                      <a:rPr lang="en-US" altLang="zh-CN" i="1">
-                                        <a:latin typeface="Cambria Math" panose="02040503050406030204" pitchFamily="18" charset="0"/>
-                                      </a:rPr>
-                                    </m:ctrlPr>
-                                  </m:dPr>
-                                  <m:e>
-                                    <m:r>
-                                      <a:rPr lang="en-US" altLang="zh-CN" i="1">
-                                        <a:latin typeface="Cambria Math" panose="02040503050406030204" pitchFamily="18" charset="0"/>
-                                      </a:rPr>
-                                      <m:t>1+</m:t>
-                                    </m:r>
-                                    <m:sSup>
-                                      <m:sSupPr>
-                                        <m:ctrlPr>
-                                          <a:rPr lang="en-US" altLang="zh-CN" i="1">
-                                            <a:latin typeface="Cambria Math" panose="02040503050406030204" pitchFamily="18" charset="0"/>
-                                          </a:rPr>
-                                        </m:ctrlPr>
-                                      </m:sSupPr>
-                                      <m:e>
-                                        <m:r>
-                                          <a:rPr lang="en-US" altLang="zh-CN" i="1">
-                                            <a:latin typeface="Cambria Math" panose="02040503050406030204" pitchFamily="18" charset="0"/>
-                                          </a:rPr>
-                                          <m:t>𝑒</m:t>
-                                        </m:r>
-                                      </m:e>
-                                      <m:sup>
-                                        <m:r>
-                                          <a:rPr lang="en-US" altLang="zh-CN" i="1">
-                                            <a:latin typeface="Cambria Math" panose="02040503050406030204" pitchFamily="18" charset="0"/>
-                                          </a:rPr>
-                                          <m:t>𝑥</m:t>
-                                        </m:r>
-                                      </m:sup>
-                                    </m:sSup>
-                                  </m:e>
-                                </m:d>
-                              </m:e>
-                            </m:func>
-                            <m:r>
-                              <a:rPr lang="en-US" altLang="zh-CN" i="1">
-                                <a:latin typeface="Cambria Math" panose="02040503050406030204" pitchFamily="18" charset="0"/>
-                              </a:rPr>
-                              <m:t>−</m:t>
-                            </m:r>
-                            <m:r>
-                              <a:rPr lang="en-US" altLang="zh-CN" i="1">
-                                <a:latin typeface="Cambria Math" panose="02040503050406030204" pitchFamily="18" charset="0"/>
-                              </a:rPr>
-                              <m:t>𝑥</m:t>
-                            </m:r>
-                          </m:e>
-                        </m:d>
-                      </m:e>
-                    </m:func>
-                    <m:r>
-                      <a:rPr lang="en-US" altLang="zh-CN" i="1">
-                        <a:latin typeface="Cambria Math" panose="02040503050406030204" pitchFamily="18" charset="0"/>
-                      </a:rPr>
-                      <m:t>=</m:t>
-                    </m:r>
-                    <m:func>
-                      <m:funcPr>
-                        <m:ctrlPr>
-                          <a:rPr lang="en-US" altLang="zh-CN" i="1">
-                            <a:latin typeface="Cambria Math" panose="02040503050406030204" pitchFamily="18" charset="0"/>
-                          </a:rPr>
-                        </m:ctrlPr>
-                      </m:funcPr>
-                      <m:fName>
-                        <m:limLow>
-                          <m:limLowPr>
-                            <m:ctrlPr>
-                              <a:rPr lang="en-US" altLang="zh-CN" i="1">
-                                <a:latin typeface="Cambria Math" panose="02040503050406030204" pitchFamily="18" charset="0"/>
-                              </a:rPr>
-                            </m:ctrlPr>
-                          </m:limLowPr>
-                          <m:e>
-                            <m:r>
-                              <m:rPr>
-                                <m:sty m:val="p"/>
-                              </m:rPr>
-                              <a:rPr lang="en-US" altLang="zh-CN">
-                                <a:latin typeface="Cambria Math" panose="02040503050406030204" pitchFamily="18" charset="0"/>
-                              </a:rPr>
-                              <m:t>lim</m:t>
-                            </m:r>
-                          </m:e>
-                          <m:lim>
-                            <m:r>
-                              <a:rPr lang="en-US" altLang="zh-CN" i="1">
-                                <a:latin typeface="Cambria Math" panose="02040503050406030204" pitchFamily="18" charset="0"/>
-                              </a:rPr>
-                              <m:t>𝑥</m:t>
-                            </m:r>
-                            <m:r>
-                              <a:rPr lang="en-US" altLang="zh-CN" i="1">
-                                <a:latin typeface="Cambria Math" panose="02040503050406030204" pitchFamily="18" charset="0"/>
-                              </a:rPr>
-                              <m:t>→+∞</m:t>
-                            </m:r>
-                          </m:lim>
-                        </m:limLow>
-                      </m:fName>
-                      <m:e>
-                        <m:func>
-                          <m:funcPr>
-                            <m:ctrlPr>
-                              <a:rPr lang="en-US" altLang="zh-CN" i="1">
-                                <a:latin typeface="Cambria Math" panose="02040503050406030204" pitchFamily="18" charset="0"/>
-                              </a:rPr>
-                            </m:ctrlPr>
-                          </m:funcPr>
-                          <m:fName>
-                            <m:r>
-                              <m:rPr>
-                                <m:sty m:val="p"/>
-                              </m:rPr>
-                              <a:rPr lang="en-US" altLang="zh-CN">
-                                <a:latin typeface="Cambria Math" panose="02040503050406030204" pitchFamily="18" charset="0"/>
-                              </a:rPr>
-                              <m:t>ln</m:t>
-                            </m:r>
-                          </m:fName>
-                          <m:e>
-                            <m:d>
-                              <m:dPr>
-                                <m:ctrlPr>
-                                  <a:rPr lang="en-US" altLang="zh-CN" i="1">
-                                    <a:latin typeface="Cambria Math" panose="02040503050406030204" pitchFamily="18" charset="0"/>
-                                  </a:rPr>
-                                </m:ctrlPr>
-                              </m:dPr>
-                              <m:e>
-                                <m:r>
-                                  <a:rPr lang="en-US" altLang="zh-CN" i="1">
-                                    <a:latin typeface="Cambria Math" panose="02040503050406030204" pitchFamily="18" charset="0"/>
-                                  </a:rPr>
-                                  <m:t>1+</m:t>
-                                </m:r>
-                                <m:sSup>
-                                  <m:sSupPr>
-                                    <m:ctrlPr>
-                                      <a:rPr lang="en-US" altLang="zh-CN" i="1">
-                                        <a:latin typeface="Cambria Math" panose="02040503050406030204" pitchFamily="18" charset="0"/>
-                                      </a:rPr>
-                                    </m:ctrlPr>
-                                  </m:sSupPr>
-                                  <m:e>
-                                    <m:r>
-                                      <a:rPr lang="en-US" altLang="zh-CN" i="1">
-                                        <a:latin typeface="Cambria Math" panose="02040503050406030204" pitchFamily="18" charset="0"/>
-                                      </a:rPr>
-                                      <m:t>𝑒</m:t>
-                                    </m:r>
-                                  </m:e>
-                                  <m:sup>
-                                    <m:r>
-                                      <a:rPr lang="en-US" altLang="zh-CN" i="1">
-                                        <a:latin typeface="Cambria Math" panose="02040503050406030204" pitchFamily="18" charset="0"/>
-                                      </a:rPr>
-                                      <m:t>−</m:t>
-                                    </m:r>
-                                    <m:r>
-                                      <a:rPr lang="en-US" altLang="zh-CN" i="1">
-                                        <a:latin typeface="Cambria Math" panose="02040503050406030204" pitchFamily="18" charset="0"/>
-                                      </a:rPr>
-                                      <m:t>𝑥</m:t>
-                                    </m:r>
-                                  </m:sup>
-                                </m:sSup>
-                              </m:e>
-                            </m:d>
-                          </m:e>
-                        </m:func>
-                      </m:e>
-                    </m:func>
-                    <m:r>
-                      <a:rPr lang="en-US" altLang="zh-CN" b="0" i="1" smtClean="0">
-                        <a:latin typeface="Cambria Math" panose="02040503050406030204" pitchFamily="18" charset="0"/>
-                      </a:rPr>
-                      <m:t>=0,</m:t>
-                    </m:r>
-                  </m:oMath>
-                </a14:m>
-                <a:endParaRPr lang="en-US" altLang="zh-CN" b="0" i="1" dirty="0" smtClean="0">
-                  <a:latin typeface="Cambria Math" panose="02040503050406030204" pitchFamily="18" charset="0"/>
-                </a:endParaRPr>
-              </a:p>
-              <a:p>
-                <a:r>
-                  <a:rPr lang="zh-CN" altLang="en-US" b="0" dirty="0" smtClean="0">
-                    <a:latin typeface="Cambria Math" panose="02040503050406030204" pitchFamily="18" charset="0"/>
-                  </a:rPr>
-                  <a:t>因此</a:t>
-                </a:r>
-                <a:r>
-                  <a:rPr lang="zh-CN" altLang="en-US" dirty="0" smtClean="0"/>
-                  <a:t>它有斜渐近线 </a:t>
-                </a:r>
-                <a14:m>
-                  <m:oMath xmlns:m="http://schemas.openxmlformats.org/officeDocument/2006/math">
-                    <m:r>
-                      <a:rPr lang="en-US" altLang="zh-CN" b="0" i="1" smtClean="0">
-                        <a:latin typeface="Cambria Math" panose="02040503050406030204" pitchFamily="18" charset="0"/>
-                      </a:rPr>
-                      <m:t>𝑦</m:t>
-                    </m:r>
-                    <m:r>
-                      <a:rPr lang="en-US" altLang="zh-CN" b="0" i="1" smtClean="0">
-                        <a:latin typeface="Cambria Math" panose="02040503050406030204" pitchFamily="18" charset="0"/>
-                      </a:rPr>
-                      <m:t>=</m:t>
-                    </m:r>
-                    <m:r>
-                      <a:rPr lang="en-US" altLang="zh-CN" b="0" i="1" smtClean="0">
-                        <a:latin typeface="Cambria Math" panose="02040503050406030204" pitchFamily="18" charset="0"/>
-                      </a:rPr>
-                      <m:t>𝑥</m:t>
-                    </m:r>
-                  </m:oMath>
-                </a14:m>
-                <a:r>
-                  <a:rPr lang="en-US" altLang="zh-CN" dirty="0" smtClean="0"/>
-                  <a:t>.</a:t>
-                </a:r>
-                <a:endParaRPr lang="en-US" altLang="zh-CN" dirty="0"/>
-              </a:p>
-              <a:p>
-                <a:r>
-                  <a:rPr lang="zh-CN" altLang="en-US" dirty="0"/>
-                  <a:t>由于 </a:t>
-                </a:r>
-                <a14:m>
-                  <m:oMath xmlns:m="http://schemas.openxmlformats.org/officeDocument/2006/math">
-                    <m:func>
-                      <m:funcPr>
-                        <m:ctrlPr>
-                          <a:rPr lang="en-US" altLang="zh-CN" i="1">
-                            <a:latin typeface="Cambria Math" panose="02040503050406030204" pitchFamily="18" charset="0"/>
-                          </a:rPr>
-                        </m:ctrlPr>
-                      </m:funcPr>
-                      <m:fName>
-                        <m:limLow>
-                          <m:limLowPr>
-                            <m:ctrlPr>
-                              <a:rPr lang="en-US" altLang="zh-CN" i="1">
-                                <a:latin typeface="Cambria Math" panose="02040503050406030204" pitchFamily="18" charset="0"/>
-                              </a:rPr>
-                            </m:ctrlPr>
-                          </m:limLowPr>
-                          <m:e>
-                            <m:r>
-                              <m:rPr>
-                                <m:sty m:val="p"/>
-                              </m:rPr>
-                              <a:rPr lang="en-US" altLang="zh-CN">
-                                <a:latin typeface="Cambria Math" panose="02040503050406030204" pitchFamily="18" charset="0"/>
-                              </a:rPr>
-                              <m:t>lim</m:t>
-                            </m:r>
-                          </m:e>
-                          <m:lim>
-                            <m:r>
-                              <a:rPr lang="en-US" altLang="zh-CN" i="1">
-                                <a:latin typeface="Cambria Math" panose="02040503050406030204" pitchFamily="18" charset="0"/>
-                              </a:rPr>
-                              <m:t>𝑥</m:t>
-                            </m:r>
-                            <m:r>
-                              <a:rPr lang="en-US" altLang="zh-CN" i="1">
-                                <a:latin typeface="Cambria Math" panose="02040503050406030204" pitchFamily="18" charset="0"/>
-                              </a:rPr>
-                              <m:t>→−∞</m:t>
-                            </m:r>
-                          </m:lim>
-                        </m:limLow>
-                      </m:fName>
-                      <m:e>
-                        <m:r>
-                          <a:rPr lang="en-US" altLang="zh-CN" b="0" i="1" smtClean="0">
-                            <a:latin typeface="Cambria Math" panose="02040503050406030204" pitchFamily="18" charset="0"/>
-                          </a:rPr>
-                          <m:t>𝑦</m:t>
-                        </m:r>
-                      </m:e>
-                    </m:func>
-                    <m:r>
-                      <a:rPr lang="en-US" altLang="zh-CN" i="1">
-                        <a:latin typeface="Cambria Math" panose="02040503050406030204" pitchFamily="18" charset="0"/>
-                      </a:rPr>
-                      <m:t>=</m:t>
-                    </m:r>
-                    <m:r>
-                      <a:rPr lang="en-US" altLang="zh-CN" b="0" i="1" smtClean="0">
-                        <a:latin typeface="Cambria Math" panose="02040503050406030204" pitchFamily="18" charset="0"/>
-                      </a:rPr>
-                      <m:t>0</m:t>
-                    </m:r>
-                  </m:oMath>
-                </a14:m>
-                <a:r>
-                  <a:rPr lang="en-US" altLang="zh-CN" dirty="0" smtClean="0">
-                    <a:latin typeface="Cambria Math" panose="02040503050406030204" pitchFamily="18" charset="0"/>
-                  </a:rPr>
-                  <a:t>, </a:t>
-                </a:r>
-                <a:r>
-                  <a:rPr lang="zh-CN" altLang="en-US" dirty="0" smtClean="0">
-                    <a:latin typeface="Cambria Math" panose="02040503050406030204" pitchFamily="18" charset="0"/>
-                  </a:rPr>
-                  <a:t>因此</a:t>
-                </a:r>
-                <a:r>
-                  <a:rPr lang="zh-CN" altLang="en-US" dirty="0"/>
-                  <a:t>它</a:t>
-                </a:r>
-                <a:r>
-                  <a:rPr lang="zh-CN" altLang="en-US" dirty="0" smtClean="0"/>
-                  <a:t>有水平渐近线 </a:t>
-                </a:r>
-                <a14:m>
-                  <m:oMath xmlns:m="http://schemas.openxmlformats.org/officeDocument/2006/math">
-                    <m:r>
-                      <a:rPr lang="en-US" altLang="zh-CN" i="1">
-                        <a:latin typeface="Cambria Math" panose="02040503050406030204" pitchFamily="18" charset="0"/>
-                      </a:rPr>
-                      <m:t>𝑦</m:t>
-                    </m:r>
-                    <m:r>
-                      <a:rPr lang="en-US" altLang="zh-CN" i="1">
-                        <a:latin typeface="Cambria Math" panose="02040503050406030204" pitchFamily="18" charset="0"/>
-                      </a:rPr>
-                      <m:t>=0</m:t>
-                    </m:r>
-                  </m:oMath>
-                </a14:m>
-                <a:r>
-                  <a:rPr lang="en-US" altLang="zh-CN" dirty="0" smtClean="0"/>
-                  <a:t>. </a:t>
-                </a:r>
-                <a:r>
-                  <a:rPr lang="zh-CN" altLang="en-US" dirty="0" smtClean="0"/>
-                  <a:t>一共有三条渐近线</a:t>
-                </a:r>
-                <a:r>
-                  <a:rPr lang="en-US" altLang="zh-CN" dirty="0" smtClean="0"/>
-                  <a:t>.</a:t>
-                </a:r>
-                <a:endParaRPr lang="en-US" altLang="zh-CN" dirty="0"/>
-              </a:p>
-            </p:txBody>
-          </p:sp>
-        </mc:Choice>
-        <mc:Fallback>
-          <p:sp>
-            <p:nvSpPr>
-              <p:cNvPr id="3" name="内容占位符 2"/>
-              <p:cNvSpPr>
-                <a:spLocks noGrp="1" noRot="1" noChangeAspect="1" noMove="1" noResize="1" noEditPoints="1" noAdjustHandles="1" noChangeArrowheads="1" noChangeShapeType="1" noTextEdit="1"/>
-              </p:cNvSpPr>
-              <p:nvPr>
-                <p:ph type="body" sz="quarter" idx="10"/>
-              </p:nvPr>
-            </p:nvSpPr>
-            <p:spPr>
-              <a:blipFill>
-                <a:blip r:embed="rId2"/>
-                <a:stretch>
-                  <a:fillRect l="-734"/>
-                </a:stretch>
-              </a:blipFill>
-            </p:spPr>
-            <p:txBody>
-              <a:bodyPr/>
-              <a:lstStyle/>
-              <a:p>
-                <a:r>
-                  <a:rPr lang="zh-CN" altLang="en-US">
-                    <a:noFill/>
-                  </a:rPr>
-                  <a:t> </a:t>
-                </a:r>
-              </a:p>
-            </p:txBody>
-          </p:sp>
-        </mc:Fallback>
-      </mc:AlternateContent>
-    </p:spTree>
-    <p:extLst>
-      <p:ext uri="{BB962C8B-B14F-4D97-AF65-F5344CB8AC3E}">
-        <p14:creationId xmlns:p14="http://schemas.microsoft.com/office/powerpoint/2010/main" val="913232612"/>
-      </p:ext>
-    </p:extLst>
-  </p:cSld>
-  <p:clrMapOvr>
-    <a:masterClrMapping/>
-  </p:clrMapOvr>
-  <p:transition spd="slow">
-    <p:wipe/>
-  </p:transition>
-  <p:timing>
-    <p:tnLst>
-      <p:par>
-        <p:cTn id="1" dur="indefinite" restart="never" nodeType="tmRoot">
-          <p:childTnLst>
-            <p:seq concurrent="1" nextAc="seek">
-              <p:cTn id="2" dur="indefinite" nodeType="mainSeq">
-                <p:childTnLst>
-                  <p:par>
-                    <p:cTn id="3" fill="hold">
-                      <p:stCondLst>
-                        <p:cond delay="indefinite"/>
-                      </p:stCondLst>
-                      <p:childTnLst>
-                        <p:par>
-                          <p:cTn id="4" fill="hold">
-                            <p:stCondLst>
-                              <p:cond delay="0"/>
-                            </p:stCondLst>
-                            <p:childTnLst>
-                              <p:par>
-                                <p:cTn id="5" presetID="10" presetClass="entr" presetSubtype="0" fill="hold" grpId="0" nodeType="clickEffect">
-                                  <p:stCondLst>
-                                    <p:cond delay="0"/>
-                                  </p:stCondLst>
-                                  <p:childTnLst>
-                                    <p:set>
-                                      <p:cBhvr>
-                                        <p:cTn id="6" dur="1" fill="hold">
-                                          <p:stCondLst>
-                                            <p:cond delay="0"/>
-                                          </p:stCondLst>
-                                        </p:cTn>
-                                        <p:tgtEl>
-                                          <p:spTgt spid="3">
-                                            <p:txEl>
-                                              <p:pRg st="0" end="0"/>
-                                            </p:txEl>
-                                          </p:spTgt>
-                                        </p:tgtEl>
-                                        <p:attrNameLst>
-                                          <p:attrName>style.visibility</p:attrName>
-                                        </p:attrNameLst>
-                                      </p:cBhvr>
-                                      <p:to>
-                                        <p:strVal val="visible"/>
-                                      </p:to>
-                                    </p:set>
-                                    <p:animEffect transition="in" filter="fade">
-                                      <p:cBhvr>
-                                        <p:cTn id="7" dur="500"/>
-                                        <p:tgtEl>
-                                          <p:spTgt spid="3">
-                                            <p:txEl>
-                                              <p:pRg st="0" end="0"/>
-                                            </p:txEl>
-                                          </p:spTgt>
-                                        </p:tgtEl>
-                                      </p:cBhvr>
-                                    </p:animEffect>
-                                  </p:childTnLst>
-                                </p:cTn>
-                              </p:par>
-                            </p:childTnLst>
-                          </p:cTn>
-                        </p:par>
-                      </p:childTnLst>
-                    </p:cTn>
-                  </p:par>
-                  <p:par>
-                    <p:cTn id="8" fill="hold">
-                      <p:stCondLst>
-                        <p:cond delay="indefinite"/>
-                      </p:stCondLst>
-                      <p:childTnLst>
-                        <p:par>
-                          <p:cTn id="9" fill="hold">
-                            <p:stCondLst>
-                              <p:cond delay="0"/>
-                            </p:stCondLst>
-                            <p:childTnLst>
-                              <p:par>
-                                <p:cTn id="10" presetID="10" presetClass="entr" presetSubtype="0" fill="hold" grpId="0" nodeType="clickEffect">
-                                  <p:stCondLst>
-                                    <p:cond delay="0"/>
-                                  </p:stCondLst>
-                                  <p:childTnLst>
-                                    <p:set>
-                                      <p:cBhvr>
-                                        <p:cTn id="11" dur="1" fill="hold">
-                                          <p:stCondLst>
-                                            <p:cond delay="0"/>
-                                          </p:stCondLst>
-                                        </p:cTn>
-                                        <p:tgtEl>
-                                          <p:spTgt spid="3">
-                                            <p:txEl>
-                                              <p:pRg st="1" end="1"/>
-                                            </p:txEl>
-                                          </p:spTgt>
-                                        </p:tgtEl>
-                                        <p:attrNameLst>
-                                          <p:attrName>style.visibility</p:attrName>
-                                        </p:attrNameLst>
-                                      </p:cBhvr>
-                                      <p:to>
-                                        <p:strVal val="visible"/>
-                                      </p:to>
-                                    </p:set>
-                                    <p:animEffect transition="in" filter="fade">
-                                      <p:cBhvr>
-                                        <p:cTn id="12" dur="500"/>
-                                        <p:tgtEl>
-                                          <p:spTgt spid="3">
-                                            <p:txEl>
-                                              <p:pRg st="1" end="1"/>
-                                            </p:txEl>
-                                          </p:spTgt>
-                                        </p:tgtEl>
-                                      </p:cBhvr>
-                                    </p:animEffect>
-                                  </p:childTnLst>
-                                </p:cTn>
-                              </p:par>
-                            </p:childTnLst>
-                          </p:cTn>
-                        </p:par>
-                      </p:childTnLst>
-                    </p:cTn>
-                  </p:par>
-                  <p:par>
-                    <p:cTn id="13" fill="hold">
-                      <p:stCondLst>
-                        <p:cond delay="indefinite"/>
-                      </p:stCondLst>
-                      <p:childTnLst>
-                        <p:par>
-                          <p:cTn id="14" fill="hold">
-                            <p:stCondLst>
-                              <p:cond delay="0"/>
-                            </p:stCondLst>
-                            <p:childTnLst>
-                              <p:par>
-                                <p:cTn id="15" presetID="10" presetClass="entr" presetSubtype="0" fill="hold" grpId="0" nodeType="clickEffect">
-                                  <p:stCondLst>
-                                    <p:cond delay="0"/>
-                                  </p:stCondLst>
-                                  <p:childTnLst>
-                                    <p:set>
-                                      <p:cBhvr>
-                                        <p:cTn id="16" dur="1" fill="hold">
-                                          <p:stCondLst>
-                                            <p:cond delay="0"/>
-                                          </p:stCondLst>
-                                        </p:cTn>
-                                        <p:tgtEl>
-                                          <p:spTgt spid="3">
-                                            <p:txEl>
-                                              <p:pRg st="2" end="2"/>
-                                            </p:txEl>
-                                          </p:spTgt>
-                                        </p:tgtEl>
-                                        <p:attrNameLst>
-                                          <p:attrName>style.visibility</p:attrName>
-                                        </p:attrNameLst>
-                                      </p:cBhvr>
-                                      <p:to>
-                                        <p:strVal val="visible"/>
-                                      </p:to>
-                                    </p:set>
-                                    <p:animEffect transition="in" filter="fade">
-                                      <p:cBhvr>
-                                        <p:cTn id="17" dur="500"/>
-                                        <p:tgtEl>
-                                          <p:spTgt spid="3">
-                                            <p:txEl>
-                                              <p:pRg st="2" end="2"/>
-                                            </p:txEl>
-                                          </p:spTgt>
-                                        </p:tgtEl>
-                                      </p:cBhvr>
-                                    </p:animEffect>
-                                  </p:childTnLst>
-                                </p:cTn>
-                              </p:par>
-                            </p:childTnLst>
-                          </p:cTn>
-                        </p:par>
-                      </p:childTnLst>
-                    </p:cTn>
-                  </p:par>
-                  <p:par>
-                    <p:cTn id="18" fill="hold">
-                      <p:stCondLst>
-                        <p:cond delay="indefinite"/>
-                      </p:stCondLst>
-                      <p:childTnLst>
-                        <p:par>
-                          <p:cTn id="19" fill="hold">
-                            <p:stCondLst>
-                              <p:cond delay="0"/>
-                            </p:stCondLst>
-                            <p:childTnLst>
-                              <p:par>
-                                <p:cTn id="20" presetID="10" presetClass="entr" presetSubtype="0" fill="hold" grpId="0" nodeType="clickEffect">
-                                  <p:stCondLst>
-                                    <p:cond delay="0"/>
-                                  </p:stCondLst>
-                                  <p:childTnLst>
-                                    <p:set>
-                                      <p:cBhvr>
-                                        <p:cTn id="21" dur="1" fill="hold">
-                                          <p:stCondLst>
-                                            <p:cond delay="0"/>
-                                          </p:stCondLst>
-                                        </p:cTn>
-                                        <p:tgtEl>
-                                          <p:spTgt spid="3">
-                                            <p:txEl>
-                                              <p:pRg st="3" end="3"/>
-                                            </p:txEl>
-                                          </p:spTgt>
-                                        </p:tgtEl>
-                                        <p:attrNameLst>
-                                          <p:attrName>style.visibility</p:attrName>
-                                        </p:attrNameLst>
-                                      </p:cBhvr>
-                                      <p:to>
-                                        <p:strVal val="visible"/>
-                                      </p:to>
-                                    </p:set>
-                                    <p:animEffect transition="in" filter="fade">
-                                      <p:cBhvr>
-                                        <p:cTn id="22" dur="500"/>
-                                        <p:tgtEl>
-                                          <p:spTgt spid="3">
-                                            <p:txEl>
-                                              <p:pRg st="3" end="3"/>
-                                            </p:txEl>
-                                          </p:spTgt>
-                                        </p:tgtEl>
-                                      </p:cBhvr>
-                                    </p:animEffect>
-                                  </p:childTnLst>
-                                </p:cTn>
-                              </p:par>
-                            </p:childTnLst>
-                          </p:cTn>
-                        </p:par>
-                      </p:childTnLst>
-                    </p:cTn>
-                  </p:par>
-                  <p:par>
-                    <p:cTn id="23" fill="hold">
-                      <p:stCondLst>
-                        <p:cond delay="indefinite"/>
-                      </p:stCondLst>
-                      <p:childTnLst>
-                        <p:par>
-                          <p:cTn id="24" fill="hold">
-                            <p:stCondLst>
-                              <p:cond delay="0"/>
-                            </p:stCondLst>
-                            <p:childTnLst>
-                              <p:par>
-                                <p:cTn id="25" presetID="10" presetClass="entr" presetSubtype="0" fill="hold" grpId="0" nodeType="clickEffect">
-                                  <p:stCondLst>
-                                    <p:cond delay="0"/>
-                                  </p:stCondLst>
-                                  <p:childTnLst>
-                                    <p:set>
-                                      <p:cBhvr>
-                                        <p:cTn id="26" dur="1" fill="hold">
-                                          <p:stCondLst>
-                                            <p:cond delay="0"/>
-                                          </p:stCondLst>
-                                        </p:cTn>
-                                        <p:tgtEl>
-                                          <p:spTgt spid="3">
-                                            <p:txEl>
-                                              <p:pRg st="4" end="4"/>
-                                            </p:txEl>
-                                          </p:spTgt>
-                                        </p:tgtEl>
-                                        <p:attrNameLst>
-                                          <p:attrName>style.visibility</p:attrName>
-                                        </p:attrNameLst>
-                                      </p:cBhvr>
-                                      <p:to>
-                                        <p:strVal val="visible"/>
-                                      </p:to>
-                                    </p:set>
-                                    <p:animEffect transition="in" filter="fade">
-                                      <p:cBhvr>
-                                        <p:cTn id="27" dur="500"/>
-                                        <p:tgtEl>
-                                          <p:spTgt spid="3">
-                                            <p:txEl>
-                                              <p:pRg st="4" end="4"/>
-                                            </p:txEl>
-                                          </p:spTgt>
-                                        </p:tgtEl>
-                                      </p:cBhvr>
-                                    </p:animEffect>
-                                  </p:childTnLst>
-                                </p:cTn>
-                              </p:par>
-                            </p:childTnLst>
-                          </p:cTn>
-                        </p:par>
-                      </p:childTnLst>
-                    </p:cTn>
-                  </p:par>
-                </p:childTnLst>
-              </p:cTn>
-              <p:prevCondLst>
-                <p:cond evt="onPrev" delay="0">
-                  <p:tgtEl>
-                    <p:sldTgt/>
-                  </p:tgtEl>
-                </p:cond>
-              </p:prevCondLst>
-              <p:nextCondLst>
-                <p:cond evt="onNext" delay="0">
-                  <p:tgtEl>
-                    <p:sldTgt/>
-                  </p:tgtEl>
-                </p:cond>
-              </p:nextCondLst>
-            </p:seq>
-          </p:childTnLst>
-        </p:cTn>
-      </p:par>
-    </p:tnLst>
-    <p:bldLst>
-      <p:bldP spid="3" grpId="0" uiExpand="1" build="p"/>
-    </p:bldLst>
-  </p:timing>
-</p:sld>
-</file>
-
-<file path=ppt/slides/slide14.xml><?xml version="1.0" encoding="utf-8"?>
-<p:sld xmlns:a="http://schemas.openxmlformats.org/drawingml/2006/main" xmlns:r="http://schemas.openxmlformats.org/officeDocument/2006/relationships" xmlns:p="http://schemas.openxmlformats.org/presentationml/2006/main">
-  <p:cSld>
-    <p:spTree>
-      <p:nvGrpSpPr>
-        <p:cNvPr id="1" name=""/>
-        <p:cNvGrpSpPr/>
-        <p:nvPr/>
-      </p:nvGrpSpPr>
-      <p:grpSpPr>
-        <a:xfrm>
-          <a:off x="0" y="0"/>
-          <a:ext cx="0" cy="0"/>
-          <a:chOff x="0" y="0"/>
-          <a:chExt cx="0" cy="0"/>
-        </a:xfrm>
-      </p:grpSpPr>
-      <mc:AlternateContent xmlns:mc="http://schemas.openxmlformats.org/markup-compatibility/2006">
-        <mc:Choice xmlns:a14="http://schemas.microsoft.com/office/drawing/2010/main" Requires="a14">
-          <p:sp>
-            <p:nvSpPr>
-              <p:cNvPr id="3" name="内容占位符 2"/>
-              <p:cNvSpPr>
-                <a:spLocks noGrp="1"/>
-              </p:cNvSpPr>
-              <p:nvPr>
-                <p:ph type="body" sz="quarter" idx="10"/>
-              </p:nvPr>
-            </p:nvSpPr>
-            <p:spPr/>
-            <p:txBody>
-              <a:bodyPr anchor="ctr">
-                <a:noAutofit/>
-              </a:bodyPr>
-              <a:lstStyle/>
-              <a:p>
-                <a:r>
                   <a:rPr lang="zh-CN" altLang="en-US" b="1" dirty="0" smtClean="0">
                     <a:solidFill>
                       <a:srgbClr val="00B050"/>
@@ -9552,12 +8196,11 @@
                   <a:rPr lang="en-US" altLang="zh-CN" dirty="0" smtClean="0"/>
                   <a:t>.</a:t>
                 </a:r>
-                <a:endParaRPr lang="en-US" altLang="zh-CN" dirty="0" smtClean="0"/>
               </a:p>
             </p:txBody>
           </p:sp>
         </mc:Choice>
-        <mc:Fallback>
+        <mc:Fallback xmlns="">
           <p:sp>
             <p:nvSpPr>
               <p:cNvPr id="3" name="内容占位符 2"/>
@@ -10006,7 +8649,7 @@
 </p:sld>
 </file>
 
-<file path=ppt/slides/slide15.xml><?xml version="1.0" encoding="utf-8"?>
+<file path=ppt/slides/slide14.xml><?xml version="1.0" encoding="utf-8"?>
 <p:sld xmlns:a="http://schemas.openxmlformats.org/drawingml/2006/main" xmlns:r="http://schemas.openxmlformats.org/officeDocument/2006/relationships" xmlns:p="http://schemas.openxmlformats.org/presentationml/2006/main">
   <p:cSld>
     <p:spTree>
@@ -10035,7 +8678,13 @@
                 <p:ph type="body" sz="quarter" idx="10"/>
               </p:nvPr>
             </p:nvSpPr>
-            <p:spPr/>
+            <p:spPr>
+              <a:solidFill>
+                <a:schemeClr val="bg1">
+                  <a:lumMod val="95000"/>
+                </a:schemeClr>
+              </a:solidFill>
+            </p:spPr>
             <p:txBody>
               <a:bodyPr anchor="t">
                 <a:noAutofit/>
@@ -10587,14 +9236,14 @@
               <p:nvPr>
                 <p:extLst>
                   <p:ext uri="{D42A27DB-BD31-4B8C-83A1-F6EECF244321}">
-                    <p14:modId xmlns:p14="http://schemas.microsoft.com/office/powerpoint/2010/main" val="3237727870"/>
+                    <p14:modId xmlns:p14="http://schemas.microsoft.com/office/powerpoint/2010/main" val="482839054"/>
                   </p:ext>
                 </p:extLst>
               </p:nvPr>
             </p:nvGraphicFramePr>
             <p:xfrm>
-              <a:off x="613379" y="4069318"/>
-              <a:ext cx="10965243" cy="2023978"/>
+              <a:off x="762401" y="4077488"/>
+              <a:ext cx="10667198" cy="2015808"/>
             </p:xfrm>
             <a:graphic>
               <a:graphicData uri="http://schemas.openxmlformats.org/drawingml/2006/table">
@@ -10603,56 +9252,56 @@
                     <a:tableStyleId>{5C22544A-7EE6-4342-B048-85BDC9FD1C3A}</a:tableStyleId>
                   </a:tblPr>
                   <a:tblGrid>
-                    <a:gridCol w="708343">
+                    <a:gridCol w="689090">
                       <a:extLst>
                         <a:ext uri="{9D8B030D-6E8A-4147-A177-3AD203B41FA5}">
                           <a16:colId xmlns:a16="http://schemas.microsoft.com/office/drawing/2014/main" val="1449930267"/>
                         </a:ext>
                       </a:extLst>
                     </a:gridCol>
-                    <a:gridCol w="1450911">
+                    <a:gridCol w="1411474">
                       <a:extLst>
                         <a:ext uri="{9D8B030D-6E8A-4147-A177-3AD203B41FA5}">
                           <a16:colId xmlns:a16="http://schemas.microsoft.com/office/drawing/2014/main" val="2700289456"/>
                         </a:ext>
                       </a:extLst>
                     </a:gridCol>
-                    <a:gridCol w="1878393">
+                    <a:gridCol w="1827336">
                       <a:extLst>
                         <a:ext uri="{9D8B030D-6E8A-4147-A177-3AD203B41FA5}">
                           <a16:colId xmlns:a16="http://schemas.microsoft.com/office/drawing/2014/main" val="2917921907"/>
                         </a:ext>
                       </a:extLst>
                     </a:gridCol>
-                    <a:gridCol w="1250887">
+                    <a:gridCol w="1216887">
                       <a:extLst>
                         <a:ext uri="{9D8B030D-6E8A-4147-A177-3AD203B41FA5}">
                           <a16:colId xmlns:a16="http://schemas.microsoft.com/office/drawing/2014/main" val="1581550875"/>
                         </a:ext>
                       </a:extLst>
                     </a:gridCol>
-                    <a:gridCol w="1725168">
+                    <a:gridCol w="1678276">
                       <a:extLst>
                         <a:ext uri="{9D8B030D-6E8A-4147-A177-3AD203B41FA5}">
                           <a16:colId xmlns:a16="http://schemas.microsoft.com/office/drawing/2014/main" val="479585140"/>
                         </a:ext>
                       </a:extLst>
                     </a:gridCol>
-                    <a:gridCol w="1003237">
+                    <a:gridCol w="975968">
                       <a:extLst>
                         <a:ext uri="{9D8B030D-6E8A-4147-A177-3AD203B41FA5}">
                           <a16:colId xmlns:a16="http://schemas.microsoft.com/office/drawing/2014/main" val="1581576612"/>
                         </a:ext>
                       </a:extLst>
                     </a:gridCol>
-                    <a:gridCol w="1668843">
+                    <a:gridCol w="1623483">
                       <a:extLst>
                         <a:ext uri="{9D8B030D-6E8A-4147-A177-3AD203B41FA5}">
                           <a16:colId xmlns:a16="http://schemas.microsoft.com/office/drawing/2014/main" val="973537980"/>
                         </a:ext>
                       </a:extLst>
                     </a:gridCol>
-                    <a:gridCol w="1279461">
+                    <a:gridCol w="1244684">
                       <a:extLst>
                         <a:ext uri="{9D8B030D-6E8A-4147-A177-3AD203B41FA5}">
                           <a16:colId xmlns:a16="http://schemas.microsoft.com/office/drawing/2014/main" val="3699873971"/>
@@ -10660,7 +9309,7 @@
                       </a:extLst>
                     </a:gridCol>
                   </a:tblGrid>
-                  <a:tr h="369845">
+                  <a:tr h="682488">
                     <a:tc>
                       <a:txBody>
                         <a:bodyPr/>
@@ -11147,7 +9796,7 @@
                       </a:ext>
                     </a:extLst>
                   </a:tr>
-                  <a:tr h="369845">
+                  <a:tr h="352694">
                     <a:tc>
                       <a:txBody>
                         <a:bodyPr/>
@@ -11397,7 +10046,7 @@
                       </a:ext>
                     </a:extLst>
                   </a:tr>
-                  <a:tr h="369845">
+                  <a:tr h="352694">
                     <a:tc>
                       <a:txBody>
                         <a:bodyPr/>
@@ -11631,7 +10280,7 @@
                       </a:ext>
                     </a:extLst>
                   </a:tr>
-                  <a:tr h="369845">
+                  <a:tr h="555923">
                     <a:tc>
                       <a:txBody>
                         <a:bodyPr/>
@@ -12078,14 +10727,14 @@
               <p:nvPr>
                 <p:extLst>
                   <p:ext uri="{D42A27DB-BD31-4B8C-83A1-F6EECF244321}">
-                    <p14:modId xmlns:p14="http://schemas.microsoft.com/office/powerpoint/2010/main" val="3237727870"/>
+                    <p14:modId xmlns:p14="http://schemas.microsoft.com/office/powerpoint/2010/main" val="482839054"/>
                   </p:ext>
                 </p:extLst>
               </p:nvPr>
             </p:nvGraphicFramePr>
             <p:xfrm>
-              <a:off x="613379" y="4069318"/>
-              <a:ext cx="10965243" cy="2023978"/>
+              <a:off x="762401" y="4077488"/>
+              <a:ext cx="10667198" cy="2015808"/>
             </p:xfrm>
             <a:graphic>
               <a:graphicData uri="http://schemas.openxmlformats.org/drawingml/2006/table">
@@ -12094,56 +10743,56 @@
                     <a:tableStyleId>{5C22544A-7EE6-4342-B048-85BDC9FD1C3A}</a:tableStyleId>
                   </a:tblPr>
                   <a:tblGrid>
-                    <a:gridCol w="708343">
+                    <a:gridCol w="689090">
                       <a:extLst>
                         <a:ext uri="{9D8B030D-6E8A-4147-A177-3AD203B41FA5}">
                           <a16:colId xmlns:a16="http://schemas.microsoft.com/office/drawing/2014/main" val="1449930267"/>
                         </a:ext>
                       </a:extLst>
                     </a:gridCol>
-                    <a:gridCol w="1450911">
+                    <a:gridCol w="1411474">
                       <a:extLst>
                         <a:ext uri="{9D8B030D-6E8A-4147-A177-3AD203B41FA5}">
                           <a16:colId xmlns:a16="http://schemas.microsoft.com/office/drawing/2014/main" val="2700289456"/>
                         </a:ext>
                       </a:extLst>
                     </a:gridCol>
-                    <a:gridCol w="1878393">
+                    <a:gridCol w="1827336">
                       <a:extLst>
                         <a:ext uri="{9D8B030D-6E8A-4147-A177-3AD203B41FA5}">
                           <a16:colId xmlns:a16="http://schemas.microsoft.com/office/drawing/2014/main" val="2917921907"/>
                         </a:ext>
                       </a:extLst>
                     </a:gridCol>
-                    <a:gridCol w="1250887">
+                    <a:gridCol w="1216887">
                       <a:extLst>
                         <a:ext uri="{9D8B030D-6E8A-4147-A177-3AD203B41FA5}">
                           <a16:colId xmlns:a16="http://schemas.microsoft.com/office/drawing/2014/main" val="1581550875"/>
                         </a:ext>
                       </a:extLst>
                     </a:gridCol>
-                    <a:gridCol w="1725168">
+                    <a:gridCol w="1678276">
                       <a:extLst>
                         <a:ext uri="{9D8B030D-6E8A-4147-A177-3AD203B41FA5}">
                           <a16:colId xmlns:a16="http://schemas.microsoft.com/office/drawing/2014/main" val="479585140"/>
                         </a:ext>
                       </a:extLst>
                     </a:gridCol>
-                    <a:gridCol w="1003237">
+                    <a:gridCol w="975968">
                       <a:extLst>
                         <a:ext uri="{9D8B030D-6E8A-4147-A177-3AD203B41FA5}">
                           <a16:colId xmlns:a16="http://schemas.microsoft.com/office/drawing/2014/main" val="1581576612"/>
                         </a:ext>
                       </a:extLst>
                     </a:gridCol>
-                    <a:gridCol w="1668843">
+                    <a:gridCol w="1623483">
                       <a:extLst>
                         <a:ext uri="{9D8B030D-6E8A-4147-A177-3AD203B41FA5}">
                           <a16:colId xmlns:a16="http://schemas.microsoft.com/office/drawing/2014/main" val="973537980"/>
                         </a:ext>
                       </a:extLst>
                     </a:gridCol>
-                    <a:gridCol w="1279461">
+                    <a:gridCol w="1244684">
                       <a:extLst>
                         <a:ext uri="{9D8B030D-6E8A-4147-A177-3AD203B41FA5}">
                           <a16:colId xmlns:a16="http://schemas.microsoft.com/office/drawing/2014/main" val="3699873971"/>
@@ -12164,7 +10813,7 @@
                         <a:blipFill>
                           <a:blip r:embed="rId3"/>
                           <a:stretch>
-                            <a:fillRect l="-862" t="-862" r="-1453448" b="-188793"/>
+                            <a:fillRect l="-885" t="-855" r="-1451327" b="-185470"/>
                           </a:stretch>
                         </a:blipFill>
                       </a:tcPr>
@@ -12181,7 +10830,7 @@
                         <a:blipFill>
                           <a:blip r:embed="rId3"/>
                           <a:stretch>
-                            <a:fillRect l="-49160" t="-862" r="-608403" b="-188793"/>
+                            <a:fillRect l="-49138" t="-855" r="-606897" b="-185470"/>
                           </a:stretch>
                         </a:blipFill>
                       </a:tcPr>
@@ -12198,7 +10847,7 @@
                         <a:blipFill>
                           <a:blip r:embed="rId3"/>
                           <a:stretch>
-                            <a:fillRect l="-114887" t="-862" r="-368608" b="-188793"/>
+                            <a:fillRect l="-115719" t="-855" r="-370903" b="-185470"/>
                           </a:stretch>
                         </a:blipFill>
                       </a:tcPr>
@@ -12215,7 +10864,7 @@
                         <a:blipFill>
                           <a:blip r:embed="rId3"/>
                           <a:stretch>
-                            <a:fillRect l="-323902" t="-862" r="-455610" b="-188793"/>
+                            <a:fillRect l="-322500" t="-855" r="-454500" b="-185470"/>
                           </a:stretch>
                         </a:blipFill>
                       </a:tcPr>
@@ -12232,7 +10881,7 @@
                         <a:blipFill>
                           <a:blip r:embed="rId3"/>
                           <a:stretch>
-                            <a:fillRect l="-307067" t="-862" r="-230035" b="-188793"/>
+                            <a:fillRect l="-307273" t="-855" r="-230545" b="-185470"/>
                           </a:stretch>
                         </a:blipFill>
                       </a:tcPr>
@@ -12249,7 +10898,7 @@
                         <a:blipFill>
                           <a:blip r:embed="rId3"/>
                           <a:stretch>
-                            <a:fillRect l="-698182" t="-862" r="-294545" b="-188793"/>
+                            <a:fillRect l="-700000" t="-855" r="-296250" b="-185470"/>
                           </a:stretch>
                         </a:blipFill>
                       </a:tcPr>
@@ -12266,7 +10915,7 @@
                         <a:blipFill>
                           <a:blip r:embed="rId3"/>
                           <a:stretch>
-                            <a:fillRect l="-480657" t="-862" r="-77372" b="-188793"/>
+                            <a:fillRect l="-479401" t="-855" r="-77528" b="-185470"/>
                           </a:stretch>
                         </a:blipFill>
                       </a:tcPr>
@@ -12283,7 +10932,7 @@
                         <a:blipFill>
                           <a:blip r:embed="rId3"/>
                           <a:stretch>
-                            <a:fillRect l="-757619" t="-862" r="-952" b="-188793"/>
+                            <a:fillRect l="-758333" t="-855" r="-1471" b="-185470"/>
                           </a:stretch>
                         </a:blipFill>
                       </a:tcPr>
@@ -12294,7 +10943,7 @@
                       </a:ext>
                     </a:extLst>
                   </a:tr>
-                  <a:tr h="369845">
+                  <a:tr h="365760">
                     <a:tc>
                       <a:txBody>
                         <a:bodyPr/>
@@ -12307,7 +10956,7 @@
                         <a:blipFill>
                           <a:blip r:embed="rId3"/>
                           <a:stretch>
-                            <a:fillRect l="-862" t="-191803" r="-1453448" b="-259016"/>
+                            <a:fillRect l="-885" t="-196667" r="-1451327" b="-261667"/>
                           </a:stretch>
                         </a:blipFill>
                       </a:tcPr>
@@ -12324,7 +10973,7 @@
                         <a:blipFill>
                           <a:blip r:embed="rId3"/>
                           <a:stretch>
-                            <a:fillRect l="-49160" t="-191803" r="-608403" b="-259016"/>
+                            <a:fillRect l="-49138" t="-196667" r="-606897" b="-261667"/>
                           </a:stretch>
                         </a:blipFill>
                       </a:tcPr>
@@ -12341,7 +10990,7 @@
                         <a:blipFill>
                           <a:blip r:embed="rId3"/>
                           <a:stretch>
-                            <a:fillRect l="-114887" t="-191803" r="-368608" b="-259016"/>
+                            <a:fillRect l="-115719" t="-196667" r="-370903" b="-261667"/>
                           </a:stretch>
                         </a:blipFill>
                       </a:tcPr>
@@ -12358,7 +11007,7 @@
                         <a:blipFill>
                           <a:blip r:embed="rId3"/>
                           <a:stretch>
-                            <a:fillRect l="-323902" t="-191803" r="-455610" b="-259016"/>
+                            <a:fillRect l="-322500" t="-196667" r="-454500" b="-261667"/>
                           </a:stretch>
                         </a:blipFill>
                       </a:tcPr>
@@ -12375,7 +11024,7 @@
                         <a:blipFill>
                           <a:blip r:embed="rId3"/>
                           <a:stretch>
-                            <a:fillRect l="-307067" t="-191803" r="-230035" b="-259016"/>
+                            <a:fillRect l="-307273" t="-196667" r="-230545" b="-261667"/>
                           </a:stretch>
                         </a:blipFill>
                       </a:tcPr>
@@ -12392,7 +11041,7 @@
                         <a:blipFill>
                           <a:blip r:embed="rId3"/>
                           <a:stretch>
-                            <a:fillRect l="-698182" t="-191803" r="-294545" b="-259016"/>
+                            <a:fillRect l="-700000" t="-196667" r="-296250" b="-261667"/>
                           </a:stretch>
                         </a:blipFill>
                       </a:tcPr>
@@ -12409,7 +11058,7 @@
                         <a:blipFill>
                           <a:blip r:embed="rId3"/>
                           <a:stretch>
-                            <a:fillRect l="-480657" t="-191803" r="-77372" b="-259016"/>
+                            <a:fillRect l="-479401" t="-196667" r="-77528" b="-261667"/>
                           </a:stretch>
                         </a:blipFill>
                       </a:tcPr>
@@ -12426,7 +11075,7 @@
                         <a:blipFill>
                           <a:blip r:embed="rId3"/>
                           <a:stretch>
-                            <a:fillRect l="-757619" t="-191803" r="-952" b="-259016"/>
+                            <a:fillRect l="-758333" t="-196667" r="-1471" b="-261667"/>
                           </a:stretch>
                         </a:blipFill>
                       </a:tcPr>
@@ -12437,7 +11086,7 @@
                       </a:ext>
                     </a:extLst>
                   </a:tr>
-                  <a:tr h="369845">
+                  <a:tr h="365760">
                     <a:tc>
                       <a:txBody>
                         <a:bodyPr/>
@@ -12450,7 +11099,7 @@
                         <a:blipFill>
                           <a:blip r:embed="rId3"/>
                           <a:stretch>
-                            <a:fillRect l="-862" t="-291803" r="-1453448" b="-159016"/>
+                            <a:fillRect l="-885" t="-296667" r="-1451327" b="-161667"/>
                           </a:stretch>
                         </a:blipFill>
                       </a:tcPr>
@@ -12467,7 +11116,7 @@
                         <a:blipFill>
                           <a:blip r:embed="rId3"/>
                           <a:stretch>
-                            <a:fillRect l="-49160" t="-291803" r="-608403" b="-159016"/>
+                            <a:fillRect l="-49138" t="-296667" r="-606897" b="-161667"/>
                           </a:stretch>
                         </a:blipFill>
                       </a:tcPr>
@@ -12484,7 +11133,7 @@
                         <a:blipFill>
                           <a:blip r:embed="rId3"/>
                           <a:stretch>
-                            <a:fillRect l="-114887" t="-291803" r="-368608" b="-159016"/>
+                            <a:fillRect l="-115719" t="-296667" r="-370903" b="-161667"/>
                           </a:stretch>
                         </a:blipFill>
                       </a:tcPr>
@@ -12501,7 +11150,7 @@
                         <a:blipFill>
                           <a:blip r:embed="rId3"/>
                           <a:stretch>
-                            <a:fillRect l="-323902" t="-291803" r="-455610" b="-159016"/>
+                            <a:fillRect l="-322500" t="-296667" r="-454500" b="-161667"/>
                           </a:stretch>
                         </a:blipFill>
                       </a:tcPr>
@@ -12518,7 +11167,7 @@
                         <a:blipFill>
                           <a:blip r:embed="rId3"/>
                           <a:stretch>
-                            <a:fillRect l="-307067" t="-291803" r="-230035" b="-159016"/>
+                            <a:fillRect l="-307273" t="-296667" r="-230545" b="-161667"/>
                           </a:stretch>
                         </a:blipFill>
                       </a:tcPr>
@@ -12535,7 +11184,7 @@
                         <a:blipFill>
                           <a:blip r:embed="rId3"/>
                           <a:stretch>
-                            <a:fillRect l="-698182" t="-291803" r="-294545" b="-159016"/>
+                            <a:fillRect l="-700000" t="-296667" r="-296250" b="-161667"/>
                           </a:stretch>
                         </a:blipFill>
                       </a:tcPr>
@@ -12552,7 +11201,7 @@
                         <a:blipFill>
                           <a:blip r:embed="rId3"/>
                           <a:stretch>
-                            <a:fillRect l="-480657" t="-291803" r="-77372" b="-159016"/>
+                            <a:fillRect l="-479401" t="-296667" r="-77528" b="-161667"/>
                           </a:stretch>
                         </a:blipFill>
                       </a:tcPr>
@@ -12569,7 +11218,7 @@
                         <a:blipFill>
                           <a:blip r:embed="rId3"/>
                           <a:stretch>
-                            <a:fillRect l="-757619" t="-291803" r="-952" b="-159016"/>
+                            <a:fillRect l="-758333" t="-296667" r="-1471" b="-161667"/>
                           </a:stretch>
                         </a:blipFill>
                       </a:tcPr>
@@ -12608,7 +11257,7 @@
                         <a:blipFill>
                           <a:blip r:embed="rId3"/>
                           <a:stretch>
-                            <a:fillRect l="-49160" t="-251579" r="-608403" b="-2105"/>
+                            <a:fillRect l="-49138" t="-250526" r="-606897" b="-2105"/>
                           </a:stretch>
                         </a:blipFill>
                       </a:tcPr>
@@ -12625,7 +11274,7 @@
                         <a:blipFill>
                           <a:blip r:embed="rId3"/>
                           <a:stretch>
-                            <a:fillRect l="-114887" t="-251579" r="-368608" b="-2105"/>
+                            <a:fillRect l="-115719" t="-250526" r="-370903" b="-2105"/>
                           </a:stretch>
                         </a:blipFill>
                       </a:tcPr>
@@ -12642,7 +11291,7 @@
                         <a:blipFill>
                           <a:blip r:embed="rId3"/>
                           <a:stretch>
-                            <a:fillRect l="-323902" t="-251579" r="-455610" b="-2105"/>
+                            <a:fillRect l="-322500" t="-250526" r="-454500" b="-2105"/>
                           </a:stretch>
                         </a:blipFill>
                       </a:tcPr>
@@ -12659,7 +11308,7 @@
                         <a:blipFill>
                           <a:blip r:embed="rId3"/>
                           <a:stretch>
-                            <a:fillRect l="-307067" t="-251579" r="-230035" b="-2105"/>
+                            <a:fillRect l="-307273" t="-250526" r="-230545" b="-2105"/>
                           </a:stretch>
                         </a:blipFill>
                       </a:tcPr>
@@ -12676,7 +11325,7 @@
                         <a:blipFill>
                           <a:blip r:embed="rId3"/>
                           <a:stretch>
-                            <a:fillRect l="-698182" t="-251579" r="-294545" b="-2105"/>
+                            <a:fillRect l="-700000" t="-250526" r="-296250" b="-2105"/>
                           </a:stretch>
                         </a:blipFill>
                       </a:tcPr>
@@ -12693,7 +11342,7 @@
                         <a:blipFill>
                           <a:blip r:embed="rId3"/>
                           <a:stretch>
-                            <a:fillRect l="-480657" t="-251579" r="-77372" b="-2105"/>
+                            <a:fillRect l="-479401" t="-250526" r="-77528" b="-2105"/>
                           </a:stretch>
                         </a:blipFill>
                       </a:tcPr>
@@ -12710,7 +11359,7 @@
                         <a:blipFill>
                           <a:blip r:embed="rId3"/>
                           <a:stretch>
-                            <a:fillRect l="-757619" t="-251579" r="-952" b="-2105"/>
+                            <a:fillRect l="-758333" t="-250526" r="-1471" b="-2105"/>
                           </a:stretch>
                         </a:blipFill>
                       </a:tcPr>
@@ -12944,7 +11593,7 @@
                             </p:stCondLst>
                             <p:childTnLst>
                               <p:par>
-                                <p:cTn id="20" presetID="42" presetClass="entr" presetSubtype="0" fill="hold" nodeType="clickEffect">
+                                <p:cTn id="20" presetID="22" presetClass="entr" presetSubtype="8" fill="hold" nodeType="clickEffect">
                                   <p:stCondLst>
                                     <p:cond delay="0"/>
                                   </p:stCondLst>
@@ -12967,60 +11616,14 @@
                                         <p:strVal val="visible"/>
                                       </p:to>
                                     </p:set>
-                                    <p:animEffect transition="in" filter="fade">
+                                    <p:animEffect transition="in" filter="wipe(left)">
                                       <p:cBhvr>
-                                        <p:cTn id="22" dur="1000"/>
+                                        <p:cTn id="22" dur="750"/>
                                         <p:tgtEl>
                                           <p:spTgt spid="2"/>
                                         </p:tgtEl>
                                       </p:cBhvr>
                                     </p:animEffect>
-                                    <p:anim calcmode="lin" valueType="num">
-                                      <p:cBhvr>
-                                        <p:cTn id="23" dur="1000" fill="hold"/>
-                                        <p:tgtEl>
-                                          <p:spTgt spid="2"/>
-                                        </p:tgtEl>
-                                        <p:attrNameLst>
-                                          <p:attrName>ppt_x</p:attrName>
-                                        </p:attrNameLst>
-                                      </p:cBhvr>
-                                      <p:tavLst>
-                                        <p:tav tm="0">
-                                          <p:val>
-                                            <p:strVal val="#ppt_x"/>
-                                          </p:val>
-                                        </p:tav>
-                                        <p:tav tm="100000">
-                                          <p:val>
-                                            <p:strVal val="#ppt_x"/>
-                                          </p:val>
-                                        </p:tav>
-                                      </p:tavLst>
-                                    </p:anim>
-                                    <p:anim calcmode="lin" valueType="num">
-                                      <p:cBhvr>
-                                        <p:cTn id="24" dur="1000" fill="hold"/>
-                                        <p:tgtEl>
-                                          <p:spTgt spid="2"/>
-                                        </p:tgtEl>
-                                        <p:attrNameLst>
-                                          <p:attrName>ppt_y</p:attrName>
-                                        </p:attrNameLst>
-                                      </p:cBhvr>
-                                      <p:tavLst>
-                                        <p:tav tm="0">
-                                          <p:val>
-                                            <p:strVal val="#ppt_y+.1"/>
-                                          </p:val>
-                                        </p:tav>
-                                        <p:tav tm="100000">
-                                          <p:val>
-                                            <p:strVal val="#ppt_y"/>
-                                          </p:val>
-                                        </p:tav>
-                                      </p:tavLst>
-                                    </p:anim>
                                   </p:childTnLst>
                                 </p:cTn>
                               </p:par>
@@ -13058,7 +11661,7 @@
 </p:sld>
 </file>
 
-<file path=ppt/slides/slide16.xml><?xml version="1.0" encoding="utf-8"?>
+<file path=ppt/slides/slide15.xml><?xml version="1.0" encoding="utf-8"?>
 <p:sld xmlns:a="http://schemas.openxmlformats.org/drawingml/2006/main" xmlns:r="http://schemas.openxmlformats.org/officeDocument/2006/relationships" xmlns:p="http://schemas.openxmlformats.org/presentationml/2006/main">
   <p:cSld>
     <p:spTree>
@@ -13087,7 +11690,13 @@
                 <p:ph type="body" sz="quarter" idx="10"/>
               </p:nvPr>
             </p:nvSpPr>
-            <p:spPr/>
+            <p:spPr>
+              <a:solidFill>
+                <a:schemeClr val="bg1">
+                  <a:lumMod val="95000"/>
+                </a:schemeClr>
+              </a:solidFill>
+            </p:spPr>
             <p:txBody>
               <a:bodyPr anchor="t">
                 <a:noAutofit/>
@@ -13239,6 +11848,21 @@
                 </a:r>
               </a:p>
               <a:p>
+                <a:endParaRPr lang="en-US" altLang="zh-CN" dirty="0"/>
+              </a:p>
+              <a:p>
+                <a:endParaRPr lang="en-US" altLang="zh-CN" dirty="0" smtClean="0"/>
+              </a:p>
+              <a:p>
+                <a:endParaRPr lang="en-US" altLang="zh-CN" dirty="0"/>
+              </a:p>
+              <a:p>
+                <a:endParaRPr lang="en-US" altLang="zh-CN" dirty="0" smtClean="0"/>
+              </a:p>
+              <a:p>
+                <a:endParaRPr lang="en-US" altLang="zh-CN" dirty="0" smtClean="0"/>
+              </a:p>
+              <a:p>
                 <a:r>
                   <a:rPr lang="zh-CN" altLang="en-US" dirty="0" smtClean="0"/>
                   <a:t>绘制函数图像时</a:t>
@@ -13317,10 +11941,10 @@
         </p:nvGrpSpPr>
         <p:grpSpPr>
           <a:xfrm>
-            <a:off x="3020832" y="2890852"/>
-            <a:ext cx="6150337" cy="2842404"/>
+            <a:off x="3020832" y="1700808"/>
+            <a:ext cx="6171512" cy="2880320"/>
             <a:chOff x="2999656" y="2276872"/>
-            <a:chExt cx="6150337" cy="2842404"/>
+            <a:chExt cx="6171512" cy="2880320"/>
           </a:xfrm>
         </p:grpSpPr>
         <p:grpSp>
@@ -13332,9 +11956,9 @@
           <p:grpSpPr>
             <a:xfrm>
               <a:off x="2999656" y="2276872"/>
-              <a:ext cx="6150337" cy="2751868"/>
+              <a:ext cx="6171512" cy="2751868"/>
               <a:chOff x="3499486" y="2850297"/>
-              <a:chExt cx="4757802" cy="2128801"/>
+              <a:chExt cx="4774183" cy="2128801"/>
             </a:xfrm>
           </p:grpSpPr>
           <p:cxnSp>
@@ -13413,8 +12037,8 @@
                 </p:nvSpPr>
                 <p:spPr>
                   <a:xfrm>
-                    <a:off x="7930832" y="4505900"/>
-                    <a:ext cx="323981" cy="369332"/>
+                    <a:off x="7949688" y="4465720"/>
+                    <a:ext cx="323981" cy="357137"/>
                   </a:xfrm>
                   <a:prstGeom prst="rect">
                     <a:avLst/>
@@ -13435,7 +12059,7 @@
                         </m:oMathParaPr>
                         <m:oMath xmlns:m="http://schemas.openxmlformats.org/officeDocument/2006/math">
                           <m:r>
-                            <a:rPr lang="en-US" altLang="zh-CN" b="0" i="1" smtClean="0">
+                            <a:rPr lang="en-US" altLang="zh-CN" sz="2400" b="0" i="1" smtClean="0">
                               <a:solidFill>
                                 <a:schemeClr val="accent1"/>
                               </a:solidFill>
@@ -13446,7 +12070,7 @@
                         </m:oMath>
                       </m:oMathPara>
                     </a14:m>
-                    <a:endParaRPr lang="zh-CN" altLang="en-US" dirty="0">
+                    <a:endParaRPr lang="zh-CN" altLang="en-US" sz="2400" dirty="0">
                       <a:solidFill>
                         <a:schemeClr val="accent1"/>
                       </a:solidFill>
@@ -13466,8 +12090,8 @@
                 </p:nvSpPr>
                 <p:spPr>
                   <a:xfrm>
-                    <a:off x="7930832" y="4505900"/>
-                    <a:ext cx="323981" cy="369332"/>
+                    <a:off x="7949688" y="4465720"/>
+                    <a:ext cx="323981" cy="357137"/>
                   </a:xfrm>
                   <a:prstGeom prst="rect">
                     <a:avLst/>
@@ -13505,7 +12129,7 @@
                 <p:spPr>
                   <a:xfrm>
                     <a:off x="5533758" y="2850297"/>
-                    <a:ext cx="250567" cy="369332"/>
+                    <a:ext cx="250567" cy="357137"/>
                   </a:xfrm>
                   <a:prstGeom prst="rect">
                     <a:avLst/>
@@ -13526,7 +12150,7 @@
                         </m:oMathParaPr>
                         <m:oMath xmlns:m="http://schemas.openxmlformats.org/officeDocument/2006/math">
                           <m:r>
-                            <a:rPr lang="en-US" altLang="zh-CN" b="0" i="1" smtClean="0">
+                            <a:rPr lang="en-US" altLang="zh-CN" sz="2400" b="0" i="1" smtClean="0">
                               <a:solidFill>
                                 <a:schemeClr val="accent1"/>
                               </a:solidFill>
@@ -13537,7 +12161,7 @@
                         </m:oMath>
                       </m:oMathPara>
                     </a14:m>
-                    <a:endParaRPr lang="zh-CN" altLang="en-US" dirty="0">
+                    <a:endParaRPr lang="zh-CN" altLang="en-US" sz="2400" dirty="0">
                       <a:solidFill>
                         <a:schemeClr val="accent1"/>
                       </a:solidFill>
@@ -13558,7 +12182,7 @@
                 <p:spPr>
                   <a:xfrm>
                     <a:off x="5533758" y="2850297"/>
-                    <a:ext cx="250567" cy="369332"/>
+                    <a:ext cx="250567" cy="357137"/>
                   </a:xfrm>
                   <a:prstGeom prst="rect">
                     <a:avLst/>
@@ -13566,7 +12190,7 @@
                   <a:blipFill>
                     <a:blip r:embed="rId4"/>
                     <a:stretch>
-                      <a:fillRect/>
+                      <a:fillRect l="-5660" r="-15094" b="-13158"/>
                     </a:stretch>
                   </a:blipFill>
                 </p:spPr>
@@ -13596,7 +12220,7 @@
                 <p:spPr>
                   <a:xfrm>
                     <a:off x="5479020" y="4471303"/>
-                    <a:ext cx="360040" cy="369332"/>
+                    <a:ext cx="360040" cy="357137"/>
                   </a:xfrm>
                   <a:prstGeom prst="rect">
                     <a:avLst/>
@@ -13617,7 +12241,7 @@
                         </m:oMathParaPr>
                         <m:oMath xmlns:m="http://schemas.openxmlformats.org/officeDocument/2006/math">
                           <m:r>
-                            <a:rPr lang="en-US" altLang="zh-CN" i="1" dirty="0" smtClean="0">
+                            <a:rPr lang="en-US" altLang="zh-CN" sz="2400" i="1" dirty="0" smtClean="0">
                               <a:solidFill>
                                 <a:schemeClr val="accent1"/>
                               </a:solidFill>
@@ -13628,7 +12252,7 @@
                         </m:oMath>
                       </m:oMathPara>
                     </a14:m>
-                    <a:endParaRPr lang="zh-CN" altLang="en-US" dirty="0">
+                    <a:endParaRPr lang="zh-CN" altLang="en-US" sz="2400" dirty="0">
                       <a:solidFill>
                         <a:schemeClr val="accent1"/>
                       </a:solidFill>
@@ -13649,7 +12273,7 @@
                 <p:spPr>
                   <a:xfrm>
                     <a:off x="5479020" y="4471303"/>
-                    <a:ext cx="360040" cy="369332"/>
+                    <a:ext cx="360040" cy="357137"/>
                   </a:xfrm>
                   <a:prstGeom prst="rect">
                     <a:avLst/>
@@ -13851,7 +12475,7 @@
               <a:lstStyle/>
               <a:p>
                 <a:pPr algn="ctr"/>
-                <a:endParaRPr lang="zh-CN" altLang="en-US"/>
+                <a:endParaRPr lang="zh-CN" altLang="en-US" sz="2400"/>
               </a:p>
             </p:txBody>
           </p:sp>
@@ -14015,7 +12639,7 @@
               <a:lstStyle/>
               <a:p>
                 <a:pPr algn="ctr"/>
-                <a:endParaRPr lang="zh-CN" altLang="en-US"/>
+                <a:endParaRPr lang="zh-CN" altLang="en-US" sz="2400"/>
               </a:p>
             </p:txBody>
           </p:sp>
@@ -14130,7 +12754,7 @@
               <p:spPr>
                 <a:xfrm>
                   <a:off x="6250560" y="4411027"/>
-                  <a:ext cx="602304" cy="678968"/>
+                  <a:ext cx="602304" cy="738792"/>
                 </a:xfrm>
                 <a:prstGeom prst="rect">
                   <a:avLst/>
@@ -14153,7 +12777,7 @@
                         <m:f>
                           <m:fPr>
                             <m:ctrlPr>
-                              <a:rPr lang="en-US" altLang="zh-CN" b="0" i="1" smtClean="0">
+                              <a:rPr lang="en-US" altLang="zh-CN" sz="2000" b="0" i="1" smtClean="0">
                                 <a:solidFill>
                                   <a:schemeClr val="accent1"/>
                                 </a:solidFill>
@@ -14166,7 +12790,7 @@
                               <m:radPr>
                                 <m:degHide m:val="on"/>
                                 <m:ctrlPr>
-                                  <a:rPr lang="en-US" altLang="zh-CN" b="0" i="1" smtClean="0">
+                                  <a:rPr lang="en-US" altLang="zh-CN" sz="2000" b="0" i="1" smtClean="0">
                                     <a:solidFill>
                                       <a:schemeClr val="accent1"/>
                                     </a:solidFill>
@@ -14177,7 +12801,7 @@
                               <m:deg/>
                               <m:e>
                                 <m:r>
-                                  <a:rPr lang="en-US" altLang="zh-CN" b="0" i="1" smtClean="0">
+                                  <a:rPr lang="en-US" altLang="zh-CN" sz="2000" b="0" i="1" smtClean="0">
                                     <a:solidFill>
                                       <a:schemeClr val="accent1"/>
                                     </a:solidFill>
@@ -14190,7 +12814,7 @@
                           </m:num>
                           <m:den>
                             <m:r>
-                              <a:rPr lang="en-US" altLang="zh-CN" b="0" i="1" smtClean="0">
+                              <a:rPr lang="en-US" altLang="zh-CN" sz="2000" b="0" i="1" smtClean="0">
                                 <a:solidFill>
                                   <a:schemeClr val="accent1"/>
                                 </a:solidFill>
@@ -14203,7 +12827,7 @@
                       </m:oMath>
                     </m:oMathPara>
                   </a14:m>
-                  <a:endParaRPr lang="zh-CN" altLang="en-US" dirty="0">
+                  <a:endParaRPr lang="zh-CN" altLang="en-US" sz="2000" dirty="0">
                     <a:solidFill>
                       <a:schemeClr val="accent1"/>
                     </a:solidFill>
@@ -14224,7 +12848,7 @@
               <p:spPr>
                 <a:xfrm>
                   <a:off x="6250560" y="4411027"/>
-                  <a:ext cx="602304" cy="678968"/>
+                  <a:ext cx="602304" cy="738792"/>
                 </a:xfrm>
                 <a:prstGeom prst="rect">
                   <a:avLst/>
@@ -14261,8 +12885,8 @@
               </p:nvSpPr>
               <p:spPr>
                 <a:xfrm>
-                  <a:off x="4892903" y="4440308"/>
-                  <a:ext cx="602304" cy="678968"/>
+                  <a:off x="4778680" y="4418400"/>
+                  <a:ext cx="602304" cy="738792"/>
                 </a:xfrm>
                 <a:prstGeom prst="rect">
                   <a:avLst/>
@@ -14283,7 +12907,7 @@
                       </m:oMathParaPr>
                       <m:oMath xmlns:m="http://schemas.openxmlformats.org/officeDocument/2006/math">
                         <m:r>
-                          <a:rPr lang="en-US" altLang="zh-CN" b="0" i="1" smtClean="0">
+                          <a:rPr lang="en-US" altLang="zh-CN" sz="2000" b="0" i="1" smtClean="0">
                             <a:solidFill>
                               <a:schemeClr val="accent1"/>
                             </a:solidFill>
@@ -14294,7 +12918,7 @@
                         <m:f>
                           <m:fPr>
                             <m:ctrlPr>
-                              <a:rPr lang="en-US" altLang="zh-CN" b="0" i="1" smtClean="0">
+                              <a:rPr lang="en-US" altLang="zh-CN" sz="2000" b="0" i="1" smtClean="0">
                                 <a:solidFill>
                                   <a:schemeClr val="accent1"/>
                                 </a:solidFill>
@@ -14307,7 +12931,7 @@
                               <m:radPr>
                                 <m:degHide m:val="on"/>
                                 <m:ctrlPr>
-                                  <a:rPr lang="en-US" altLang="zh-CN" b="0" i="1" smtClean="0">
+                                  <a:rPr lang="en-US" altLang="zh-CN" sz="2000" b="0" i="1" smtClean="0">
                                     <a:solidFill>
                                       <a:schemeClr val="accent1"/>
                                     </a:solidFill>
@@ -14318,7 +12942,7 @@
                               <m:deg/>
                               <m:e>
                                 <m:r>
-                                  <a:rPr lang="en-US" altLang="zh-CN" b="0" i="1" smtClean="0">
+                                  <a:rPr lang="en-US" altLang="zh-CN" sz="2000" b="0" i="1" smtClean="0">
                                     <a:solidFill>
                                       <a:schemeClr val="accent1"/>
                                     </a:solidFill>
@@ -14331,7 +12955,7 @@
                           </m:num>
                           <m:den>
                             <m:r>
-                              <a:rPr lang="en-US" altLang="zh-CN" b="0" i="1" smtClean="0">
+                              <a:rPr lang="en-US" altLang="zh-CN" sz="2000" b="0" i="1" smtClean="0">
                                 <a:solidFill>
                                   <a:schemeClr val="accent1"/>
                                 </a:solidFill>
@@ -14344,7 +12968,7 @@
                       </m:oMath>
                     </m:oMathPara>
                   </a14:m>
-                  <a:endParaRPr lang="zh-CN" altLang="en-US" dirty="0">
+                  <a:endParaRPr lang="zh-CN" altLang="en-US" sz="2000" dirty="0">
                     <a:solidFill>
                       <a:schemeClr val="accent1"/>
                     </a:solidFill>
@@ -14364,8 +12988,8 @@
               </p:nvSpPr>
               <p:spPr>
                 <a:xfrm>
-                  <a:off x="4892903" y="4440308"/>
-                  <a:ext cx="602304" cy="678968"/>
+                  <a:off x="4778680" y="4418400"/>
+                  <a:ext cx="602304" cy="738792"/>
                 </a:xfrm>
                 <a:prstGeom prst="rect">
                   <a:avLst/>
@@ -14373,7 +12997,7 @@
                 <a:blipFill>
                   <a:blip r:embed="rId7"/>
                   <a:stretch>
-                    <a:fillRect/>
+                    <a:fillRect r="-6061"/>
                   </a:stretch>
                 </a:blipFill>
               </p:spPr>
@@ -14402,8 +13026,8 @@
               </p:nvSpPr>
               <p:spPr>
                 <a:xfrm>
-                  <a:off x="5472520" y="3607543"/>
-                  <a:ext cx="602304" cy="493277"/>
+                  <a:off x="5426752" y="3610599"/>
+                  <a:ext cx="602304" cy="538481"/>
                 </a:xfrm>
                 <a:prstGeom prst="rect">
                   <a:avLst/>
@@ -14426,7 +13050,7 @@
                         <m:sSup>
                           <m:sSupPr>
                             <m:ctrlPr>
-                              <a:rPr lang="en-US" altLang="zh-CN" b="0" i="1" smtClean="0">
+                              <a:rPr lang="en-US" altLang="zh-CN" sz="2000" b="0" i="1" smtClean="0">
                                 <a:solidFill>
                                   <a:schemeClr val="accent1"/>
                                 </a:solidFill>
@@ -14436,7 +13060,7 @@
                           </m:sSupPr>
                           <m:e>
                             <m:r>
-                              <a:rPr lang="en-US" altLang="zh-CN" b="0" i="1" smtClean="0">
+                              <a:rPr lang="en-US" altLang="zh-CN" sz="2000" b="0" i="1" smtClean="0">
                                 <a:solidFill>
                                   <a:schemeClr val="accent1"/>
                                 </a:solidFill>
@@ -14447,7 +13071,7 @@
                           </m:e>
                           <m:sup>
                             <m:r>
-                              <a:rPr lang="en-US" altLang="zh-CN" b="0" i="1" smtClean="0">
+                              <a:rPr lang="en-US" altLang="zh-CN" sz="2000" b="0" i="1" smtClean="0">
                                 <a:solidFill>
                                   <a:schemeClr val="accent1"/>
                                 </a:solidFill>
@@ -14458,7 +13082,7 @@
                             <m:f>
                               <m:fPr>
                                 <m:ctrlPr>
-                                  <a:rPr lang="en-US" altLang="zh-CN" b="0" i="1" smtClean="0">
+                                  <a:rPr lang="en-US" altLang="zh-CN" sz="2000" b="0" i="1" smtClean="0">
                                     <a:solidFill>
                                       <a:schemeClr val="accent1"/>
                                     </a:solidFill>
@@ -14468,7 +13092,7 @@
                               </m:fPr>
                               <m:num>
                                 <m:r>
-                                  <a:rPr lang="en-US" altLang="zh-CN" b="0" i="1" smtClean="0">
+                                  <a:rPr lang="en-US" altLang="zh-CN" sz="2000" b="0" i="1" smtClean="0">
                                     <a:solidFill>
                                       <a:schemeClr val="accent1"/>
                                     </a:solidFill>
@@ -14479,7 +13103,7 @@
                               </m:num>
                               <m:den>
                                 <m:r>
-                                  <a:rPr lang="en-US" altLang="zh-CN" b="0" i="1" smtClean="0">
+                                  <a:rPr lang="en-US" altLang="zh-CN" sz="2000" b="0" i="1" smtClean="0">
                                     <a:solidFill>
                                       <a:schemeClr val="accent1"/>
                                     </a:solidFill>
@@ -14494,7 +13118,7 @@
                       </m:oMath>
                     </m:oMathPara>
                   </a14:m>
-                  <a:endParaRPr lang="zh-CN" altLang="en-US" dirty="0">
+                  <a:endParaRPr lang="zh-CN" altLang="en-US" sz="2000" dirty="0">
                     <a:solidFill>
                       <a:schemeClr val="accent1"/>
                     </a:solidFill>
@@ -14514,8 +13138,8 @@
               </p:nvSpPr>
               <p:spPr>
                 <a:xfrm>
-                  <a:off x="5472520" y="3607543"/>
-                  <a:ext cx="602304" cy="493277"/>
+                  <a:off x="5426752" y="3610599"/>
+                  <a:ext cx="602304" cy="538481"/>
                 </a:xfrm>
                 <a:prstGeom prst="rect">
                   <a:avLst/>
@@ -14552,8 +13176,8 @@
               </p:nvSpPr>
               <p:spPr>
                 <a:xfrm>
-                  <a:off x="5558569" y="3012853"/>
-                  <a:ext cx="602304" cy="369332"/>
+                  <a:off x="5558569" y="2924944"/>
+                  <a:ext cx="602304" cy="461665"/>
                 </a:xfrm>
                 <a:prstGeom prst="rect">
                   <a:avLst/>
@@ -14574,7 +13198,7 @@
                       </m:oMathParaPr>
                       <m:oMath xmlns:m="http://schemas.openxmlformats.org/officeDocument/2006/math">
                         <m:r>
-                          <a:rPr lang="en-US" altLang="zh-CN" b="0" i="1" smtClean="0">
+                          <a:rPr lang="en-US" altLang="zh-CN" sz="2400" b="0" i="1" smtClean="0">
                             <a:solidFill>
                               <a:schemeClr val="accent1"/>
                             </a:solidFill>
@@ -14585,7 +13209,7 @@
                       </m:oMath>
                     </m:oMathPara>
                   </a14:m>
-                  <a:endParaRPr lang="zh-CN" altLang="en-US" dirty="0">
+                  <a:endParaRPr lang="zh-CN" altLang="en-US" sz="2400" dirty="0">
                     <a:solidFill>
                       <a:schemeClr val="accent1"/>
                     </a:solidFill>
@@ -14605,8 +13229,8 @@
               </p:nvSpPr>
               <p:spPr>
                 <a:xfrm>
-                  <a:off x="5558569" y="3012853"/>
-                  <a:ext cx="602304" cy="369332"/>
+                  <a:off x="5558569" y="2924944"/>
+                  <a:ext cx="602304" cy="461665"/>
                 </a:xfrm>
                 <a:prstGeom prst="rect">
                   <a:avLst/>
@@ -14729,7 +13353,7 @@
                             </p:stCondLst>
                             <p:childTnLst>
                               <p:par>
-                                <p:cTn id="10" presetID="10" presetClass="entr" presetSubtype="0" fill="hold" grpId="0" nodeType="clickEffect">
+                                <p:cTn id="10" presetID="22" presetClass="entr" presetSubtype="8" fill="hold" nodeType="clickEffect">
                                   <p:stCondLst>
                                     <p:cond delay="0"/>
                                   </p:stCondLst>
@@ -14742,11 +13366,7 @@
                                           </p:stCondLst>
                                         </p:cTn>
                                         <p:tgtEl>
-                                          <p:spTgt spid="3">
-                                            <p:txEl>
-                                              <p:pRg st="1" end="1"/>
-                                            </p:txEl>
-                                          </p:spTgt>
+                                          <p:spTgt spid="46"/>
                                         </p:tgtEl>
                                         <p:attrNameLst>
                                           <p:attrName>style.visibility</p:attrName>
@@ -14756,15 +13376,11 @@
                                         <p:strVal val="visible"/>
                                       </p:to>
                                     </p:set>
-                                    <p:animEffect transition="in" filter="fade">
+                                    <p:animEffect transition="in" filter="wipe(left)">
                                       <p:cBhvr>
-                                        <p:cTn id="12" dur="500"/>
+                                        <p:cTn id="12" dur="750"/>
                                         <p:tgtEl>
-                                          <p:spTgt spid="3">
-                                            <p:txEl>
-                                              <p:pRg st="1" end="1"/>
-                                            </p:txEl>
-                                          </p:spTgt>
+                                          <p:spTgt spid="46"/>
                                         </p:tgtEl>
                                       </p:cBhvr>
                                     </p:animEffect>
@@ -14790,7 +13406,7 @@
                             </p:stCondLst>
                             <p:childTnLst>
                               <p:par>
-                                <p:cTn id="15" presetID="42" presetClass="entr" presetSubtype="0" fill="hold" nodeType="clickEffect">
+                                <p:cTn id="15" presetID="10" presetClass="entr" presetSubtype="0" fill="hold" grpId="0" nodeType="clickEffect">
                                   <p:stCondLst>
                                     <p:cond delay="0"/>
                                   </p:stCondLst>
@@ -14803,7 +13419,11 @@
                                           </p:stCondLst>
                                         </p:cTn>
                                         <p:tgtEl>
-                                          <p:spTgt spid="46"/>
+                                          <p:spTgt spid="3">
+                                            <p:txEl>
+                                              <p:pRg st="6" end="6"/>
+                                            </p:txEl>
+                                          </p:spTgt>
                                         </p:tgtEl>
                                         <p:attrNameLst>
                                           <p:attrName>style.visibility</p:attrName>
@@ -14815,58 +13435,16 @@
                                     </p:set>
                                     <p:animEffect transition="in" filter="fade">
                                       <p:cBhvr>
-                                        <p:cTn id="17" dur="1000"/>
+                                        <p:cTn id="17" dur="500"/>
                                         <p:tgtEl>
-                                          <p:spTgt spid="46"/>
+                                          <p:spTgt spid="3">
+                                            <p:txEl>
+                                              <p:pRg st="6" end="6"/>
+                                            </p:txEl>
+                                          </p:spTgt>
                                         </p:tgtEl>
                                       </p:cBhvr>
                                     </p:animEffect>
-                                    <p:anim calcmode="lin" valueType="num">
-                                      <p:cBhvr>
-                                        <p:cTn id="18" dur="1000" fill="hold"/>
-                                        <p:tgtEl>
-                                          <p:spTgt spid="46"/>
-                                        </p:tgtEl>
-                                        <p:attrNameLst>
-                                          <p:attrName>ppt_x</p:attrName>
-                                        </p:attrNameLst>
-                                      </p:cBhvr>
-                                      <p:tavLst>
-                                        <p:tav tm="0">
-                                          <p:val>
-                                            <p:strVal val="#ppt_x"/>
-                                          </p:val>
-                                        </p:tav>
-                                        <p:tav tm="100000">
-                                          <p:val>
-                                            <p:strVal val="#ppt_x"/>
-                                          </p:val>
-                                        </p:tav>
-                                      </p:tavLst>
-                                    </p:anim>
-                                    <p:anim calcmode="lin" valueType="num">
-                                      <p:cBhvr>
-                                        <p:cTn id="19" dur="1000" fill="hold"/>
-                                        <p:tgtEl>
-                                          <p:spTgt spid="46"/>
-                                        </p:tgtEl>
-                                        <p:attrNameLst>
-                                          <p:attrName>ppt_y</p:attrName>
-                                        </p:attrNameLst>
-                                      </p:cBhvr>
-                                      <p:tavLst>
-                                        <p:tav tm="0">
-                                          <p:val>
-                                            <p:strVal val="#ppt_y+.1"/>
-                                          </p:val>
-                                        </p:tav>
-                                        <p:tav tm="100000">
-                                          <p:val>
-                                            <p:strVal val="#ppt_y"/>
-                                          </p:val>
-                                        </p:tav>
-                                      </p:tavLst>
-                                    </p:anim>
                                   </p:childTnLst>
                                 </p:cTn>
                               </p:par>
@@ -14904,7 +13482,7 @@
 </p:sld>
 </file>
 
-<file path=ppt/slides/slide17.xml><?xml version="1.0" encoding="utf-8"?>
+<file path=ppt/slides/slide16.xml><?xml version="1.0" encoding="utf-8"?>
 <p:sld xmlns:a="http://schemas.openxmlformats.org/drawingml/2006/main" xmlns:r="http://schemas.openxmlformats.org/officeDocument/2006/relationships" xmlns:p="http://schemas.openxmlformats.org/presentationml/2006/main">
   <p:cSld>
     <p:spTree>
@@ -14933,7 +13511,13 @@
                 <p:ph type="body" sz="quarter" idx="10"/>
               </p:nvPr>
             </p:nvSpPr>
-            <p:spPr/>
+            <p:spPr>
+              <a:solidFill>
+                <a:schemeClr val="bg1">
+                  <a:lumMod val="95000"/>
+                </a:schemeClr>
+              </a:solidFill>
+            </p:spPr>
             <p:txBody>
               <a:bodyPr anchor="t">
                 <a:noAutofit/>
@@ -15100,7 +13684,7 @@
                     <m:d>
                       <m:dPr>
                         <m:ctrlPr>
-                          <a:rPr lang="en-US" altLang="zh-CN" b="0" i="0" smtClean="0">
+                          <a:rPr lang="en-US" altLang="zh-CN" b="0" i="1" smtClean="0">
                             <a:latin typeface="Cambria Math" panose="02040503050406030204" pitchFamily="18" charset="0"/>
                           </a:rPr>
                         </m:ctrlPr>
@@ -15522,8 +14106,8 @@
           </p:sp>
         </mc:Fallback>
       </mc:AlternateContent>
-      <mc:AlternateContent xmlns:mc="http://schemas.openxmlformats.org/markup-compatibility/2006">
-        <mc:Choice xmlns:a14="http://schemas.microsoft.com/office/drawing/2010/main" Requires="a14">
+      <mc:AlternateContent xmlns:mc="http://schemas.openxmlformats.org/markup-compatibility/2006" xmlns:a14="http://schemas.microsoft.com/office/drawing/2010/main">
+        <mc:Choice Requires="a14">
           <p:graphicFrame>
             <p:nvGraphicFramePr>
               <p:cNvPr id="2" name="表格 1"/>
@@ -15658,13 +14242,7 @@
                                       <a:rPr lang="en-US" altLang="zh-CN" sz="1800" b="0" i="1" smtClean="0">
                                         <a:latin typeface="Cambria Math" panose="02040503050406030204" pitchFamily="18" charset="0"/>
                                       </a:rPr>
-                                      <m:t>−∞,</m:t>
-                                    </m:r>
-                                    <m:r>
-                                      <a:rPr lang="en-US" altLang="zh-CN" sz="1800" b="0" i="1" smtClean="0">
-                                        <a:latin typeface="Cambria Math" panose="02040503050406030204" pitchFamily="18" charset="0"/>
-                                      </a:rPr>
-                                      <m:t>−1</m:t>
+                                      <m:t>−∞,−1</m:t>
                                     </m:r>
                                   </m:e>
                                 </m:d>
@@ -15727,25 +14305,7 @@
                                       <a:rPr lang="en-US" altLang="zh-CN" b="0" i="1" smtClean="0">
                                         <a:latin typeface="Cambria Math" panose="02040503050406030204" pitchFamily="18" charset="0"/>
                                       </a:rPr>
-                                      <m:t>−</m:t>
-                                    </m:r>
-                                    <m:r>
-                                      <a:rPr lang="en-US" altLang="zh-CN" b="0" i="1" smtClean="0">
-                                        <a:latin typeface="Cambria Math" panose="02040503050406030204" pitchFamily="18" charset="0"/>
-                                      </a:rPr>
-                                      <m:t>1</m:t>
-                                    </m:r>
-                                    <m:r>
-                                      <a:rPr lang="en-US" altLang="zh-CN" b="0" i="1" smtClean="0">
-                                        <a:latin typeface="Cambria Math" panose="02040503050406030204" pitchFamily="18" charset="0"/>
-                                      </a:rPr>
-                                      <m:t>,</m:t>
-                                    </m:r>
-                                    <m:r>
-                                      <a:rPr lang="en-US" altLang="zh-CN" b="0" i="1" smtClean="0">
-                                        <a:latin typeface="Cambria Math" panose="02040503050406030204" pitchFamily="18" charset="0"/>
-                                      </a:rPr>
-                                      <m:t>1</m:t>
+                                      <m:t>−1,1</m:t>
                                     </m:r>
                                   </m:e>
                                 </m:d>
@@ -15808,19 +14368,7 @@
                                       <a:rPr lang="en-US" altLang="zh-CN" b="0" i="1" smtClean="0">
                                         <a:latin typeface="Cambria Math" panose="02040503050406030204" pitchFamily="18" charset="0"/>
                                       </a:rPr>
-                                      <m:t>1</m:t>
-                                    </m:r>
-                                    <m:r>
-                                      <a:rPr lang="en-US" altLang="zh-CN" b="0" i="1" smtClean="0">
-                                        <a:latin typeface="Cambria Math" panose="02040503050406030204" pitchFamily="18" charset="0"/>
-                                      </a:rPr>
-                                      <m:t>,</m:t>
-                                    </m:r>
-                                    <m:r>
-                                      <a:rPr lang="en-US" altLang="zh-CN" b="0" i="1" smtClean="0">
-                                        <a:latin typeface="Cambria Math" panose="02040503050406030204" pitchFamily="18" charset="0"/>
-                                      </a:rPr>
-                                      <m:t>5</m:t>
+                                      <m:t>1,5</m:t>
                                     </m:r>
                                   </m:e>
                                 </m:d>
@@ -15883,13 +14431,7 @@
                                       <a:rPr lang="en-US" altLang="zh-CN" b="0" i="1" dirty="0" smtClean="0">
                                         <a:latin typeface="Cambria Math" panose="02040503050406030204" pitchFamily="18" charset="0"/>
                                       </a:rPr>
-                                      <m:t>5</m:t>
-                                    </m:r>
-                                    <m:r>
-                                      <a:rPr lang="en-US" altLang="zh-CN" b="0" i="1" dirty="0" smtClean="0">
-                                        <a:latin typeface="Cambria Math" panose="02040503050406030204" pitchFamily="18" charset="0"/>
-                                      </a:rPr>
-                                      <m:t>,+∞</m:t>
+                                      <m:t>5,+∞</m:t>
                                     </m:r>
                                   </m:e>
                                 </m:d>
@@ -16644,7 +15186,7 @@
             </a:graphic>
           </p:graphicFrame>
         </mc:Choice>
-        <mc:Fallback>
+        <mc:Fallback xmlns="">
           <p:graphicFrame>
             <p:nvGraphicFramePr>
               <p:cNvPr id="2" name="表格 1"/>
@@ -17514,7 +16056,7 @@
                             </p:stCondLst>
                             <p:childTnLst>
                               <p:par>
-                                <p:cTn id="20" presetID="42" presetClass="entr" presetSubtype="0" fill="hold" nodeType="clickEffect">
+                                <p:cTn id="20" presetID="22" presetClass="entr" presetSubtype="8" fill="hold" nodeType="clickEffect">
                                   <p:stCondLst>
                                     <p:cond delay="0"/>
                                   </p:stCondLst>
@@ -17537,60 +16079,14 @@
                                         <p:strVal val="visible"/>
                                       </p:to>
                                     </p:set>
-                                    <p:animEffect transition="in" filter="fade">
+                                    <p:animEffect transition="in" filter="wipe(left)">
                                       <p:cBhvr>
-                                        <p:cTn id="22" dur="1000"/>
+                                        <p:cTn id="22" dur="750"/>
                                         <p:tgtEl>
                                           <p:spTgt spid="2"/>
                                         </p:tgtEl>
                                       </p:cBhvr>
                                     </p:animEffect>
-                                    <p:anim calcmode="lin" valueType="num">
-                                      <p:cBhvr>
-                                        <p:cTn id="23" dur="1000" fill="hold"/>
-                                        <p:tgtEl>
-                                          <p:spTgt spid="2"/>
-                                        </p:tgtEl>
-                                        <p:attrNameLst>
-                                          <p:attrName>ppt_x</p:attrName>
-                                        </p:attrNameLst>
-                                      </p:cBhvr>
-                                      <p:tavLst>
-                                        <p:tav tm="0">
-                                          <p:val>
-                                            <p:strVal val="#ppt_x"/>
-                                          </p:val>
-                                        </p:tav>
-                                        <p:tav tm="100000">
-                                          <p:val>
-                                            <p:strVal val="#ppt_x"/>
-                                          </p:val>
-                                        </p:tav>
-                                      </p:tavLst>
-                                    </p:anim>
-                                    <p:anim calcmode="lin" valueType="num">
-                                      <p:cBhvr>
-                                        <p:cTn id="24" dur="1000" fill="hold"/>
-                                        <p:tgtEl>
-                                          <p:spTgt spid="2"/>
-                                        </p:tgtEl>
-                                        <p:attrNameLst>
-                                          <p:attrName>ppt_y</p:attrName>
-                                        </p:attrNameLst>
-                                      </p:cBhvr>
-                                      <p:tavLst>
-                                        <p:tav tm="0">
-                                          <p:val>
-                                            <p:strVal val="#ppt_y+.1"/>
-                                          </p:val>
-                                        </p:tav>
-                                        <p:tav tm="100000">
-                                          <p:val>
-                                            <p:strVal val="#ppt_y"/>
-                                          </p:val>
-                                        </p:tav>
-                                      </p:tavLst>
-                                    </p:anim>
                                   </p:childTnLst>
                                 </p:cTn>
                               </p:par>
@@ -17628,7 +16124,7 @@
 </p:sld>
 </file>
 
-<file path=ppt/slides/slide18.xml><?xml version="1.0" encoding="utf-8"?>
+<file path=ppt/slides/slide17.xml><?xml version="1.0" encoding="utf-8"?>
 <p:sld xmlns:a="http://schemas.openxmlformats.org/drawingml/2006/main" xmlns:r="http://schemas.openxmlformats.org/officeDocument/2006/relationships" xmlns:p="http://schemas.openxmlformats.org/presentationml/2006/main">
   <p:cSld>
     <p:spTree>
@@ -17659,9 +16155,14 @@
             </p:nvSpPr>
             <p:spPr>
               <a:xfrm>
-                <a:off x="696000" y="882000"/>
-                <a:ext cx="7703581" cy="5220000"/>
+                <a:off x="695999" y="882000"/>
+                <a:ext cx="10800000" cy="5220000"/>
               </a:xfrm>
+              <a:solidFill>
+                <a:schemeClr val="bg1">
+                  <a:lumMod val="95000"/>
+                </a:schemeClr>
+              </a:solidFill>
             </p:spPr>
             <p:txBody>
               <a:bodyPr anchor="t">
@@ -17707,7 +16208,22 @@
                 </a:r>
                 <a:r>
                   <a:rPr lang="zh-CN" altLang="en-US" dirty="0" smtClean="0"/>
-                  <a:t>所以曲线有垂直渐近线 </a:t>
+                  <a:t>所以曲线有</a:t>
+                </a:r>
+                <a:r>
+                  <a:rPr lang="zh-CN" altLang="en-US" dirty="0" smtClean="0"/>
+                  <a:t>垂直</a:t>
+                </a:r>
+                <a:r>
+                  <a:rPr lang="en-US" altLang="zh-CN" dirty="0" smtClean="0"/>
+                  <a:t/>
+                </a:r>
+                <a:br>
+                  <a:rPr lang="en-US" altLang="zh-CN" dirty="0" smtClean="0"/>
+                </a:br>
+                <a:r>
+                  <a:rPr lang="zh-CN" altLang="en-US" dirty="0" smtClean="0"/>
+                  <a:t>渐近线 </a:t>
                 </a:r>
                 <a14:m>
                   <m:oMath xmlns:m="http://schemas.openxmlformats.org/officeDocument/2006/math">
@@ -17844,6 +16360,13 @@
                   <a:rPr lang="zh-CN" altLang="en-US" dirty="0" smtClean="0"/>
                   <a:t>所以曲线有斜渐近线 </a:t>
                 </a:r>
+                <a:r>
+                  <a:rPr lang="en-US" altLang="zh-CN" dirty="0" smtClean="0"/>
+                  <a:t/>
+                </a:r>
+                <a:br>
+                  <a:rPr lang="en-US" altLang="zh-CN" dirty="0" smtClean="0"/>
+                </a:br>
                 <a14:m>
                   <m:oMath xmlns:m="http://schemas.openxmlformats.org/officeDocument/2006/math">
                     <m:r>
@@ -17936,13 +16459,13 @@
             </p:nvSpPr>
             <p:spPr>
               <a:xfrm>
-                <a:off x="696000" y="882000"/>
-                <a:ext cx="7703581" cy="5220000"/>
+                <a:off x="695999" y="882000"/>
+                <a:ext cx="10800000" cy="5220000"/>
               </a:xfrm>
               <a:blipFill>
                 <a:blip r:embed="rId2"/>
                 <a:stretch>
-                  <a:fillRect l="-1028" t="-234" r="-870"/>
+                  <a:fillRect l="-734"/>
                 </a:stretch>
               </a:blipFill>
             </p:spPr>
@@ -17984,9 +16507,9 @@
           <p:grpSpPr>
             <a:xfrm>
               <a:off x="3020832" y="245079"/>
-              <a:ext cx="6150337" cy="5695429"/>
+              <a:ext cx="6150337" cy="5714712"/>
               <a:chOff x="2999656" y="-800949"/>
-              <a:chExt cx="6150337" cy="5695429"/>
+              <a:chExt cx="6150337" cy="5714712"/>
             </a:xfrm>
           </p:grpSpPr>
           <p:grpSp>
@@ -17998,9 +16521,9 @@
             <p:grpSpPr>
               <a:xfrm>
                 <a:off x="2999656" y="-800949"/>
-                <a:ext cx="6150337" cy="5695429"/>
+                <a:ext cx="6150337" cy="5714712"/>
                 <a:chOff x="3499486" y="469348"/>
-                <a:chExt cx="4757802" cy="4405884"/>
+                <a:chExt cx="4757802" cy="4420801"/>
               </a:xfrm>
             </p:grpSpPr>
             <p:cxnSp>
@@ -18079,8 +16602,8 @@
                   </p:nvSpPr>
                   <p:spPr>
                     <a:xfrm>
-                      <a:off x="7930832" y="4505900"/>
-                      <a:ext cx="323981" cy="369332"/>
+                      <a:off x="7921447" y="4443729"/>
+                      <a:ext cx="323981" cy="446420"/>
                     </a:xfrm>
                     <a:prstGeom prst="rect">
                       <a:avLst/>
@@ -18101,7 +16624,7 @@
                           </m:oMathParaPr>
                           <m:oMath xmlns:m="http://schemas.openxmlformats.org/officeDocument/2006/math">
                             <m:r>
-                              <a:rPr lang="en-US" altLang="zh-CN" b="0" i="1" smtClean="0">
+                              <a:rPr lang="en-US" altLang="zh-CN" sz="2400" b="0" i="1" smtClean="0">
                                 <a:solidFill>
                                   <a:schemeClr val="accent1"/>
                                 </a:solidFill>
@@ -18112,7 +16635,7 @@
                           </m:oMath>
                         </m:oMathPara>
                       </a14:m>
-                      <a:endParaRPr lang="zh-CN" altLang="en-US" dirty="0">
+                      <a:endParaRPr lang="zh-CN" altLang="en-US" sz="2400" dirty="0">
                         <a:solidFill>
                           <a:schemeClr val="accent1"/>
                         </a:solidFill>
@@ -18132,8 +16655,8 @@
                   </p:nvSpPr>
                   <p:spPr>
                     <a:xfrm>
-                      <a:off x="7930832" y="4505900"/>
-                      <a:ext cx="323981" cy="369332"/>
+                      <a:off x="7921447" y="4443729"/>
+                      <a:ext cx="323981" cy="446420"/>
                     </a:xfrm>
                     <a:prstGeom prst="rect">
                       <a:avLst/>
@@ -18170,8 +16693,8 @@
                   </p:nvSpPr>
                   <p:spPr>
                     <a:xfrm>
-                      <a:off x="5533758" y="469348"/>
-                      <a:ext cx="250567" cy="369332"/>
+                      <a:off x="5484387" y="469348"/>
+                      <a:ext cx="250567" cy="446420"/>
                     </a:xfrm>
                     <a:prstGeom prst="rect">
                       <a:avLst/>
@@ -18192,7 +16715,7 @@
                           </m:oMathParaPr>
                           <m:oMath xmlns:m="http://schemas.openxmlformats.org/officeDocument/2006/math">
                             <m:r>
-                              <a:rPr lang="en-US" altLang="zh-CN" b="0" i="1" smtClean="0">
+                              <a:rPr lang="en-US" altLang="zh-CN" sz="2400" b="0" i="1" smtClean="0">
                                 <a:solidFill>
                                   <a:schemeClr val="accent1"/>
                                 </a:solidFill>
@@ -18203,7 +16726,7 @@
                           </m:oMath>
                         </m:oMathPara>
                       </a14:m>
-                      <a:endParaRPr lang="zh-CN" altLang="en-US" dirty="0">
+                      <a:endParaRPr lang="zh-CN" altLang="en-US" sz="2400" dirty="0">
                         <a:solidFill>
                           <a:schemeClr val="accent1"/>
                         </a:solidFill>
@@ -18223,8 +16746,8 @@
                   </p:nvSpPr>
                   <p:spPr>
                     <a:xfrm>
-                      <a:off x="5533758" y="469348"/>
-                      <a:ext cx="250567" cy="369332"/>
+                      <a:off x="5484387" y="469348"/>
+                      <a:ext cx="250567" cy="446420"/>
                     </a:xfrm>
                     <a:prstGeom prst="rect">
                       <a:avLst/>
@@ -18232,7 +16755,7 @@
                     <a:blipFill>
                       <a:blip r:embed="rId4"/>
                       <a:stretch>
-                        <a:fillRect r="-19048" b="-3175"/>
+                        <a:fillRect l="-6977" r="-41860" b="-11842"/>
                       </a:stretch>
                     </a:blipFill>
                   </p:spPr>
@@ -18261,8 +16784,8 @@
                   </p:nvSpPr>
                   <p:spPr>
                     <a:xfrm>
-                      <a:off x="5479020" y="4471303"/>
-                      <a:ext cx="360040" cy="369332"/>
+                      <a:off x="5479020" y="4443729"/>
+                      <a:ext cx="360040" cy="446420"/>
                     </a:xfrm>
                     <a:prstGeom prst="rect">
                       <a:avLst/>
@@ -18283,7 +16806,7 @@
                           </m:oMathParaPr>
                           <m:oMath xmlns:m="http://schemas.openxmlformats.org/officeDocument/2006/math">
                             <m:r>
-                              <a:rPr lang="en-US" altLang="zh-CN" i="1" dirty="0" smtClean="0">
+                              <a:rPr lang="en-US" altLang="zh-CN" sz="2400" i="1" dirty="0" smtClean="0">
                                 <a:solidFill>
                                   <a:schemeClr val="accent1"/>
                                 </a:solidFill>
@@ -18294,7 +16817,7 @@
                           </m:oMath>
                         </m:oMathPara>
                       </a14:m>
-                      <a:endParaRPr lang="zh-CN" altLang="en-US" dirty="0">
+                      <a:endParaRPr lang="zh-CN" altLang="en-US" sz="2400" dirty="0">
                         <a:solidFill>
                           <a:schemeClr val="accent1"/>
                         </a:solidFill>
@@ -18314,8 +16837,8 @@
                   </p:nvSpPr>
                   <p:spPr>
                     <a:xfrm>
-                      <a:off x="5479020" y="4471303"/>
-                      <a:ext cx="360040" cy="369332"/>
+                      <a:off x="5479020" y="4443729"/>
+                      <a:ext cx="360040" cy="446420"/>
                     </a:xfrm>
                     <a:prstGeom prst="rect">
                       <a:avLst/>
@@ -18323,7 +16846,7 @@
                     <a:blipFill>
                       <a:blip r:embed="rId5"/>
                       <a:stretch>
-                        <a:fillRect/>
+                        <a:fillRect l="-4918" r="-8197"/>
                       </a:stretch>
                     </a:blipFill>
                   </p:spPr>
@@ -18353,8 +16876,8 @@
                 </p:nvSpPr>
                 <p:spPr>
                   <a:xfrm>
-                    <a:off x="6129387" y="4386282"/>
-                    <a:ext cx="602304" cy="369332"/>
+                    <a:off x="6195577" y="4336682"/>
+                    <a:ext cx="602304" cy="577081"/>
                   </a:xfrm>
                   <a:prstGeom prst="rect">
                     <a:avLst/>
@@ -18375,7 +16898,7 @@
                         </m:oMathParaPr>
                         <m:oMath xmlns:m="http://schemas.openxmlformats.org/officeDocument/2006/math">
                           <m:r>
-                            <a:rPr lang="en-US" altLang="zh-CN" b="0" i="1" smtClean="0">
+                            <a:rPr lang="en-US" altLang="zh-CN" sz="2400" b="0" i="1" smtClean="0">
                               <a:solidFill>
                                 <a:schemeClr val="accent1"/>
                               </a:solidFill>
@@ -18386,7 +16909,7 @@
                         </m:oMath>
                       </m:oMathPara>
                     </a14:m>
-                    <a:endParaRPr lang="zh-CN" altLang="en-US" dirty="0">
+                    <a:endParaRPr lang="zh-CN" altLang="en-US" sz="2400" dirty="0">
                       <a:solidFill>
                         <a:schemeClr val="accent1"/>
                       </a:solidFill>
@@ -18406,8 +16929,8 @@
                 </p:nvSpPr>
                 <p:spPr>
                   <a:xfrm>
-                    <a:off x="6129387" y="4386282"/>
-                    <a:ext cx="602304" cy="369332"/>
+                    <a:off x="6195577" y="4336682"/>
+                    <a:ext cx="602304" cy="577081"/>
                   </a:xfrm>
                   <a:prstGeom prst="rect">
                     <a:avLst/>
@@ -18415,7 +16938,7 @@
                   <a:blipFill>
                     <a:blip r:embed="rId6"/>
                     <a:stretch>
-                      <a:fillRect b="-18750"/>
+                      <a:fillRect/>
                     </a:stretch>
                   </a:blipFill>
                 </p:spPr>
@@ -18444,8 +16967,8 @@
                 </p:nvSpPr>
                 <p:spPr>
                   <a:xfrm>
-                    <a:off x="5069542" y="4368485"/>
-                    <a:ext cx="602304" cy="369332"/>
+                    <a:off x="5025447" y="3886632"/>
+                    <a:ext cx="602304" cy="577081"/>
                   </a:xfrm>
                   <a:prstGeom prst="rect">
                     <a:avLst/>
@@ -18466,7 +16989,7 @@
                         </m:oMathParaPr>
                         <m:oMath xmlns:m="http://schemas.openxmlformats.org/officeDocument/2006/math">
                           <m:r>
-                            <a:rPr lang="en-US" altLang="zh-CN" b="0" i="1" smtClean="0">
+                            <a:rPr lang="en-US" altLang="zh-CN" sz="2400" b="0" i="1" smtClean="0">
                               <a:solidFill>
                                 <a:schemeClr val="accent1"/>
                               </a:solidFill>
@@ -18477,7 +17000,7 @@
                         </m:oMath>
                       </m:oMathPara>
                     </a14:m>
-                    <a:endParaRPr lang="zh-CN" altLang="en-US" dirty="0">
+                    <a:endParaRPr lang="zh-CN" altLang="en-US" sz="2400" dirty="0">
                       <a:solidFill>
                         <a:schemeClr val="accent1"/>
                       </a:solidFill>
@@ -18497,8 +17020,8 @@
                 </p:nvSpPr>
                 <p:spPr>
                   <a:xfrm>
-                    <a:off x="5069542" y="4368485"/>
-                    <a:ext cx="602304" cy="369332"/>
+                    <a:off x="5025447" y="3886632"/>
+                    <a:ext cx="602304" cy="577081"/>
                   </a:xfrm>
                   <a:prstGeom prst="rect">
                     <a:avLst/>
@@ -18506,7 +17029,7 @@
                   <a:blipFill>
                     <a:blip r:embed="rId7"/>
                     <a:stretch>
-                      <a:fillRect b="-16327"/>
+                      <a:fillRect r="-22785"/>
                     </a:stretch>
                   </a:blipFill>
                 </p:spPr>
@@ -18684,7 +17207,7 @@
             <a:lstStyle/>
             <a:p>
               <a:pPr algn="ctr"/>
-              <a:endParaRPr lang="zh-CN" altLang="en-US"/>
+              <a:endParaRPr lang="zh-CN" altLang="en-US" sz="2400"/>
             </a:p>
           </p:txBody>
         </p:sp>
@@ -18798,7 +17321,7 @@
             <a:lstStyle/>
             <a:p>
               <a:pPr algn="ctr"/>
-              <a:endParaRPr lang="zh-CN" altLang="en-US"/>
+              <a:endParaRPr lang="zh-CN" altLang="en-US" sz="2400"/>
             </a:p>
           </p:txBody>
         </p:sp>
@@ -18878,8 +17401,8 @@
               </p:nvSpPr>
               <p:spPr>
                 <a:xfrm>
-                  <a:off x="4017808" y="5127098"/>
-                  <a:ext cx="602304" cy="369332"/>
+                  <a:off x="3814249" y="5022670"/>
+                  <a:ext cx="602304" cy="577081"/>
                 </a:xfrm>
                 <a:prstGeom prst="rect">
                   <a:avLst/>
@@ -18900,7 +17423,7 @@
                       </m:oMathParaPr>
                       <m:oMath xmlns:m="http://schemas.openxmlformats.org/officeDocument/2006/math">
                         <m:r>
-                          <a:rPr lang="en-US" altLang="zh-CN" b="0" i="1" smtClean="0">
+                          <a:rPr lang="en-US" altLang="zh-CN" sz="2400" b="0" i="1" smtClean="0">
                             <a:solidFill>
                               <a:schemeClr val="accent1"/>
                             </a:solidFill>
@@ -18911,7 +17434,7 @@
                       </m:oMath>
                     </m:oMathPara>
                   </a14:m>
-                  <a:endParaRPr lang="zh-CN" altLang="en-US" dirty="0">
+                  <a:endParaRPr lang="zh-CN" altLang="en-US" sz="2400" dirty="0">
                     <a:solidFill>
                       <a:schemeClr val="accent1"/>
                     </a:solidFill>
@@ -18931,8 +17454,8 @@
               </p:nvSpPr>
               <p:spPr>
                 <a:xfrm>
-                  <a:off x="4017808" y="5127098"/>
-                  <a:ext cx="602304" cy="369332"/>
+                  <a:off x="3814249" y="5022670"/>
+                  <a:ext cx="602304" cy="577081"/>
                 </a:xfrm>
                 <a:prstGeom prst="rect">
                   <a:avLst/>
@@ -18940,7 +17463,7 @@
                 <a:blipFill>
                   <a:blip r:embed="rId8"/>
                   <a:stretch>
-                    <a:fillRect b="-18750"/>
+                    <a:fillRect r="-24051"/>
                   </a:stretch>
                 </a:blipFill>
               </p:spPr>
@@ -19002,8 +17525,8 @@
               </p:nvSpPr>
               <p:spPr>
                 <a:xfrm>
-                  <a:off x="7111497" y="5432310"/>
-                  <a:ext cx="602304" cy="369332"/>
+                  <a:off x="7144619" y="5345689"/>
+                  <a:ext cx="602304" cy="577081"/>
                 </a:xfrm>
                 <a:prstGeom prst="rect">
                   <a:avLst/>
@@ -19024,7 +17547,7 @@
                       </m:oMathParaPr>
                       <m:oMath xmlns:m="http://schemas.openxmlformats.org/officeDocument/2006/math">
                         <m:r>
-                          <a:rPr lang="en-US" altLang="zh-CN" b="0" i="1" smtClean="0">
+                          <a:rPr lang="en-US" altLang="zh-CN" sz="2400" b="0" i="1" smtClean="0">
                             <a:solidFill>
                               <a:schemeClr val="accent1"/>
                             </a:solidFill>
@@ -19035,7 +17558,7 @@
                       </m:oMath>
                     </m:oMathPara>
                   </a14:m>
-                  <a:endParaRPr lang="zh-CN" altLang="en-US" dirty="0">
+                  <a:endParaRPr lang="zh-CN" altLang="en-US" sz="2400" dirty="0">
                     <a:solidFill>
                       <a:schemeClr val="accent1"/>
                     </a:solidFill>
@@ -19055,8 +17578,8 @@
               </p:nvSpPr>
               <p:spPr>
                 <a:xfrm>
-                  <a:off x="7111497" y="5432310"/>
-                  <a:ext cx="602304" cy="369332"/>
+                  <a:off x="7144619" y="5345689"/>
+                  <a:ext cx="602304" cy="577081"/>
                 </a:xfrm>
                 <a:prstGeom prst="rect">
                   <a:avLst/>
@@ -19064,7 +17587,7 @@
                 <a:blipFill>
                   <a:blip r:embed="rId9"/>
                   <a:stretch>
-                    <a:fillRect b="-18750"/>
+                    <a:fillRect/>
                   </a:stretch>
                 </a:blipFill>
               </p:spPr>
@@ -19301,7 +17824,7 @@
                             </p:stCondLst>
                             <p:childTnLst>
                               <p:par>
-                                <p:cTn id="20" presetID="42" presetClass="entr" presetSubtype="0" fill="hold" nodeType="clickEffect">
+                                <p:cTn id="20" presetID="22" presetClass="entr" presetSubtype="8" fill="hold" nodeType="clickEffect">
                                   <p:stCondLst>
                                     <p:cond delay="0"/>
                                   </p:stCondLst>
@@ -19324,60 +17847,14 @@
                                         <p:strVal val="visible"/>
                                       </p:to>
                                     </p:set>
-                                    <p:animEffect transition="in" filter="fade">
+                                    <p:animEffect transition="in" filter="wipe(left)">
                                       <p:cBhvr>
-                                        <p:cTn id="22" dur="1000"/>
+                                        <p:cTn id="22" dur="750"/>
                                         <p:tgtEl>
                                           <p:spTgt spid="13"/>
                                         </p:tgtEl>
                                       </p:cBhvr>
                                     </p:animEffect>
-                                    <p:anim calcmode="lin" valueType="num">
-                                      <p:cBhvr>
-                                        <p:cTn id="23" dur="1000" fill="hold"/>
-                                        <p:tgtEl>
-                                          <p:spTgt spid="13"/>
-                                        </p:tgtEl>
-                                        <p:attrNameLst>
-                                          <p:attrName>ppt_x</p:attrName>
-                                        </p:attrNameLst>
-                                      </p:cBhvr>
-                                      <p:tavLst>
-                                        <p:tav tm="0">
-                                          <p:val>
-                                            <p:strVal val="#ppt_x"/>
-                                          </p:val>
-                                        </p:tav>
-                                        <p:tav tm="100000">
-                                          <p:val>
-                                            <p:strVal val="#ppt_x"/>
-                                          </p:val>
-                                        </p:tav>
-                                      </p:tavLst>
-                                    </p:anim>
-                                    <p:anim calcmode="lin" valueType="num">
-                                      <p:cBhvr>
-                                        <p:cTn id="24" dur="1000" fill="hold"/>
-                                        <p:tgtEl>
-                                          <p:spTgt spid="13"/>
-                                        </p:tgtEl>
-                                        <p:attrNameLst>
-                                          <p:attrName>ppt_y</p:attrName>
-                                        </p:attrNameLst>
-                                      </p:cBhvr>
-                                      <p:tavLst>
-                                        <p:tav tm="0">
-                                          <p:val>
-                                            <p:strVal val="#ppt_y+.1"/>
-                                          </p:val>
-                                        </p:tav>
-                                        <p:tav tm="100000">
-                                          <p:val>
-                                            <p:strVal val="#ppt_y"/>
-                                          </p:val>
-                                        </p:tav>
-                                      </p:tavLst>
-                                    </p:anim>
                                   </p:childTnLst>
                                 </p:cTn>
                               </p:par>
@@ -19432,6 +17909,65 @@
           <a:chExt cx="0" cy="0"/>
         </a:xfrm>
       </p:grpSpPr>
+      <p:sp>
+        <p:nvSpPr>
+          <p:cNvPr id="4" name="矩形 3">
+            <a:extLst>
+              <a:ext uri="{FF2B5EF4-FFF2-40B4-BE49-F238E27FC236}">
+                <a16:creationId xmlns:a16="http://schemas.microsoft.com/office/drawing/2014/main" id="{F690908D-0DA1-F164-C559-215A33A3A316}"/>
+              </a:ext>
+            </a:extLst>
+          </p:cNvPr>
+          <p:cNvSpPr/>
+          <p:nvPr/>
+        </p:nvSpPr>
+        <p:spPr>
+          <a:xfrm>
+            <a:off x="695400" y="4005064"/>
+            <a:ext cx="10801200" cy="2096936"/>
+          </a:xfrm>
+          <a:prstGeom prst="rect">
+            <a:avLst/>
+          </a:prstGeom>
+          <a:solidFill>
+            <a:schemeClr val="bg1">
+              <a:lumMod val="95000"/>
+            </a:schemeClr>
+          </a:solidFill>
+          <a:ln w="19050">
+            <a:noFill/>
+          </a:ln>
+        </p:spPr>
+        <p:style>
+          <a:lnRef idx="2">
+            <a:schemeClr val="accent1">
+              <a:shade val="50000"/>
+            </a:schemeClr>
+          </a:lnRef>
+          <a:fillRef idx="1">
+            <a:schemeClr val="accent1"/>
+          </a:fillRef>
+          <a:effectRef idx="0">
+            <a:schemeClr val="accent1"/>
+          </a:effectRef>
+          <a:fontRef idx="minor">
+            <a:schemeClr val="lt1"/>
+          </a:fontRef>
+        </p:style>
+        <p:txBody>
+          <a:bodyPr rot="0" spcFirstLastPara="0" vertOverflow="overflow" horzOverflow="overflow" vert="horz" wrap="square" lIns="91440" tIns="45720" rIns="91440" bIns="45720" numCol="1" spcCol="0" rtlCol="0" fromWordArt="0" anchor="ctr" anchorCtr="0" forceAA="0" compatLnSpc="1">
+            <a:prstTxWarp prst="textNoShape">
+              <a:avLst/>
+            </a:prstTxWarp>
+            <a:noAutofit/>
+          </a:bodyPr>
+          <a:lstStyle/>
+          <a:p>
+            <a:pPr algn="ctr"/>
+            <a:endParaRPr lang="zh-CN" altLang="en-US"/>
+          </a:p>
+        </p:txBody>
+      </p:sp>
       <mc:AlternateContent xmlns:mc="http://schemas.openxmlformats.org/markup-compatibility/2006">
         <mc:Choice xmlns:a14="http://schemas.microsoft.com/office/drawing/2010/main" Requires="a14">
           <p:sp>
@@ -19472,7 +18008,6 @@
                   <a:rPr lang="en-US" altLang="zh-CN" dirty="0"/>
                   <a:t>:</a:t>
                 </a:r>
-                <a:endParaRPr lang="en-US" altLang="zh-CN" dirty="0"/>
               </a:p>
               <a:p>
                 <a:pPr>
@@ -19647,13 +18182,7 @@
                       <a:rPr lang="en-US" altLang="zh-CN" i="1">
                         <a:latin typeface="Cambria Math" panose="02040503050406030204" pitchFamily="18" charset="0"/>
                       </a:rPr>
-                      <m:t>=</m:t>
-                    </m:r>
-                    <m:r>
-                      <a:rPr lang="en-US" altLang="zh-CN" i="1">
-                        <a:latin typeface="Cambria Math" panose="02040503050406030204" pitchFamily="18" charset="0"/>
-                      </a:rPr>
-                      <m:t>∞</m:t>
+                      <m:t>=∞</m:t>
                     </m:r>
                   </m:oMath>
                 </a14:m>
@@ -19767,21 +18296,12 @@
                       <a:srgbClr val="00B050"/>
                     </a:solidFill>
                   </a:rPr>
-                  <a:t>垂直</a:t>
-                </a:r>
-                <a:r>
-                  <a:rPr lang="zh-CN" altLang="en-US" dirty="0">
-                    <a:solidFill>
-                      <a:srgbClr val="00B050"/>
-                    </a:solidFill>
-                  </a:rPr>
-                  <a:t>渐近线</a:t>
+                  <a:t>垂直渐近线</a:t>
                 </a:r>
                 <a:r>
                   <a:rPr lang="en-US" altLang="zh-CN" dirty="0" smtClean="0"/>
                   <a:t>.</a:t>
                 </a:r>
-                <a:endParaRPr lang="en-US" altLang="zh-CN" dirty="0" smtClean="0"/>
               </a:p>
               <a:p>
                 <a:pPr>
@@ -20522,114 +19042,7 @@
                   <a:rPr lang="en-US" altLang="zh-CN" dirty="0" smtClean="0"/>
                   <a:t>.</a:t>
                 </a:r>
-              </a:p>
-              <a:p>
-                <a:pPr>
-                  <a:spcAft>
-                    <a:spcPts val="600"/>
-                  </a:spcAft>
-                </a:pPr>
-                <a:r>
-                  <a:rPr lang="zh-CN" altLang="en-US" dirty="0" smtClean="0"/>
-                  <a:t>曲线 </a:t>
-                </a:r>
-                <a14:m>
-                  <m:oMath xmlns:m="http://schemas.openxmlformats.org/officeDocument/2006/math">
-                    <m:r>
-                      <a:rPr lang="en-US" altLang="zh-CN" b="0" i="1" smtClean="0">
-                        <a:latin typeface="Cambria Math" panose="02040503050406030204" pitchFamily="18" charset="0"/>
-                      </a:rPr>
-                      <m:t>𝑦</m:t>
-                    </m:r>
-                    <m:r>
-                      <a:rPr lang="en-US" altLang="zh-CN" b="0" i="1" smtClean="0">
-                        <a:latin typeface="Cambria Math" panose="02040503050406030204" pitchFamily="18" charset="0"/>
-                      </a:rPr>
-                      <m:t>=</m:t>
-                    </m:r>
-                    <m:func>
-                      <m:funcPr>
-                        <m:ctrlPr>
-                          <a:rPr lang="en-US" altLang="zh-CN" b="0" i="1" smtClean="0">
-                            <a:latin typeface="Cambria Math" panose="02040503050406030204" pitchFamily="18" charset="0"/>
-                          </a:rPr>
-                        </m:ctrlPr>
-                      </m:funcPr>
-                      <m:fName>
-                        <m:r>
-                          <m:rPr>
-                            <m:sty m:val="p"/>
-                          </m:rPr>
-                          <a:rPr lang="en-US" altLang="zh-CN" b="0" i="0" smtClean="0">
-                            <a:latin typeface="Cambria Math" panose="02040503050406030204" pitchFamily="18" charset="0"/>
-                          </a:rPr>
-                          <m:t>arctan</m:t>
-                        </m:r>
-                      </m:fName>
-                      <m:e>
-                        <m:r>
-                          <a:rPr lang="en-US" altLang="zh-CN" b="0" i="1" smtClean="0">
-                            <a:latin typeface="Cambria Math" panose="02040503050406030204" pitchFamily="18" charset="0"/>
-                          </a:rPr>
-                          <m:t>𝑥</m:t>
-                        </m:r>
-                      </m:e>
-                    </m:func>
-                  </m:oMath>
-                </a14:m>
-                <a:r>
-                  <a:rPr lang="en-US" altLang="zh-CN" dirty="0" smtClean="0"/>
-                  <a:t> </a:t>
-                </a:r>
-                <a:r>
-                  <a:rPr lang="zh-CN" altLang="en-US" dirty="0" smtClean="0"/>
-                  <a:t>有水平渐近线 </a:t>
-                </a:r>
-                <a14:m>
-                  <m:oMath xmlns:m="http://schemas.openxmlformats.org/officeDocument/2006/math">
-                    <m:r>
-                      <a:rPr lang="en-US" altLang="zh-CN" b="0" i="1" smtClean="0">
-                        <a:latin typeface="Cambria Math" panose="02040503050406030204" pitchFamily="18" charset="0"/>
-                      </a:rPr>
-                      <m:t>𝑦</m:t>
-                    </m:r>
-                    <m:r>
-                      <a:rPr lang="en-US" altLang="zh-CN" b="0" i="1" smtClean="0">
-                        <a:latin typeface="Cambria Math" panose="02040503050406030204" pitchFamily="18" charset="0"/>
-                      </a:rPr>
-                      <m:t>=±</m:t>
-                    </m:r>
-                    <m:f>
-                      <m:fPr>
-                        <m:ctrlPr>
-                          <a:rPr lang="en-US" altLang="zh-CN" b="0" i="1" smtClean="0">
-                            <a:latin typeface="Cambria Math" panose="02040503050406030204" pitchFamily="18" charset="0"/>
-                          </a:rPr>
-                        </m:ctrlPr>
-                      </m:fPr>
-                      <m:num>
-                        <m:r>
-                          <a:rPr lang="en-US" altLang="zh-CN" b="0" i="1" smtClean="0">
-                            <a:latin typeface="Cambria Math" panose="02040503050406030204" pitchFamily="18" charset="0"/>
-                          </a:rPr>
-                          <m:t>𝜋</m:t>
-                        </m:r>
-                      </m:num>
-                      <m:den>
-                        <m:r>
-                          <a:rPr lang="en-US" altLang="zh-CN" b="0" i="1" smtClean="0">
-                            <a:latin typeface="Cambria Math" panose="02040503050406030204" pitchFamily="18" charset="0"/>
-                          </a:rPr>
-                          <m:t>2</m:t>
-                        </m:r>
-                      </m:den>
-                    </m:f>
-                  </m:oMath>
-                </a14:m>
-                <a:r>
-                  <a:rPr lang="en-US" altLang="zh-CN" dirty="0" smtClean="0"/>
-                  <a:t>.</a:t>
-                </a:r>
+                <a:endParaRPr lang="en-US" altLang="zh-CN" dirty="0" smtClean="0"/>
               </a:p>
             </p:txBody>
           </p:sp>
@@ -20946,7 +19359,7 @@
                             </p:stCondLst>
                             <p:childTnLst>
                               <p:par>
-                                <p:cTn id="25" presetID="10" presetClass="entr" presetSubtype="0" fill="hold" grpId="0" nodeType="clickEffect">
+                                <p:cTn id="25" presetID="22" presetClass="entr" presetSubtype="8" fill="hold" grpId="0" nodeType="clickEffect">
                                   <p:stCondLst>
                                     <p:cond delay="0"/>
                                   </p:stCondLst>
@@ -20954,6 +19367,50 @@
                                     <p:set>
                                       <p:cBhvr>
                                         <p:cTn id="26" dur="1" fill="hold">
+                                          <p:stCondLst>
+                                            <p:cond delay="0"/>
+                                          </p:stCondLst>
+                                        </p:cTn>
+                                        <p:tgtEl>
+                                          <p:spTgt spid="4"/>
+                                        </p:tgtEl>
+                                        <p:attrNameLst>
+                                          <p:attrName>style.visibility</p:attrName>
+                                        </p:attrNameLst>
+                                      </p:cBhvr>
+                                      <p:to>
+                                        <p:strVal val="visible"/>
+                                      </p:to>
+                                    </p:set>
+                                    <p:animEffect transition="in" filter="wipe(left)">
+                                      <p:cBhvr>
+                                        <p:cTn id="27" dur="500"/>
+                                        <p:tgtEl>
+                                          <p:spTgt spid="4"/>
+                                        </p:tgtEl>
+                                      </p:cBhvr>
+                                    </p:animEffect>
+                                  </p:childTnLst>
+                                </p:cTn>
+                              </p:par>
+                            </p:childTnLst>
+                          </p:cTn>
+                        </p:par>
+                        <p:par>
+                          <p:cTn id="28" fill="hold">
+                            <p:stCondLst>
+                              <p:cond delay="500"/>
+                            </p:stCondLst>
+                            <p:childTnLst>
+                              <p:par>
+                                <p:cTn id="29" presetID="10" presetClass="entr" presetSubtype="0" fill="hold" grpId="0" nodeType="afterEffect">
+                                  <p:stCondLst>
+                                    <p:cond delay="0"/>
+                                  </p:stCondLst>
+                                  <p:childTnLst>
+                                    <p:set>
+                                      <p:cBhvr>
+                                        <p:cTn id="30" dur="1" fill="hold">
                                           <p:stCondLst>
                                             <p:cond delay="0"/>
                                           </p:stCondLst>
@@ -20975,7 +19432,7 @@
                                     </p:set>
                                     <p:animEffect transition="in" filter="fade">
                                       <p:cBhvr>
-                                        <p:cTn id="27" dur="500"/>
+                                        <p:cTn id="31" dur="500"/>
                                         <p:tgtEl>
                                           <p:spTgt spid="3">
                                             <p:txEl>
@@ -20995,26 +19452,26 @@
                     </p:cTn>
                   </p:par>
                   <p:par>
-                    <p:cTn id="28" fill="hold">
+                    <p:cTn id="32" fill="hold">
                       <p:stCondLst>
                         <p:cond delay="indefinite"/>
                       </p:stCondLst>
                       <p:childTnLst>
                         <p:par>
-                          <p:cTn id="29" fill="hold">
+                          <p:cTn id="33" fill="hold">
                             <p:stCondLst>
                               <p:cond delay="0"/>
                             </p:stCondLst>
                             <p:childTnLst>
                               <p:par>
-                                <p:cTn id="30" presetID="10" presetClass="entr" presetSubtype="0" fill="hold" grpId="0" nodeType="clickEffect">
+                                <p:cTn id="34" presetID="10" presetClass="entr" presetSubtype="0" fill="hold" grpId="0" nodeType="clickEffect">
                                   <p:stCondLst>
                                     <p:cond delay="0"/>
                                   </p:stCondLst>
                                   <p:childTnLst>
                                     <p:set>
                                       <p:cBhvr>
-                                        <p:cTn id="31" dur="1" fill="hold">
+                                        <p:cTn id="35" dur="1" fill="hold">
                                           <p:stCondLst>
                                             <p:cond delay="0"/>
                                           </p:stCondLst>
@@ -21036,7 +19493,7 @@
                                     </p:set>
                                     <p:animEffect transition="in" filter="fade">
                                       <p:cBhvr>
-                                        <p:cTn id="32" dur="500"/>
+                                        <p:cTn id="36" dur="500"/>
                                         <p:tgtEl>
                                           <p:spTgt spid="3">
                                             <p:txEl>
@@ -21056,26 +19513,26 @@
                     </p:cTn>
                   </p:par>
                   <p:par>
-                    <p:cTn id="33" fill="hold">
+                    <p:cTn id="37" fill="hold">
                       <p:stCondLst>
                         <p:cond delay="indefinite"/>
                       </p:stCondLst>
                       <p:childTnLst>
                         <p:par>
-                          <p:cTn id="34" fill="hold">
+                          <p:cTn id="38" fill="hold">
                             <p:stCondLst>
                               <p:cond delay="0"/>
                             </p:stCondLst>
                             <p:childTnLst>
                               <p:par>
-                                <p:cTn id="35" presetID="10" presetClass="entr" presetSubtype="0" fill="hold" grpId="0" nodeType="clickEffect">
+                                <p:cTn id="39" presetID="10" presetClass="entr" presetSubtype="0" fill="hold" grpId="0" nodeType="clickEffect">
                                   <p:stCondLst>
                                     <p:cond delay="0"/>
                                   </p:stCondLst>
                                   <p:childTnLst>
                                     <p:set>
                                       <p:cBhvr>
-                                        <p:cTn id="36" dur="1" fill="hold">
+                                        <p:cTn id="40" dur="1" fill="hold">
                                           <p:stCondLst>
                                             <p:cond delay="0"/>
                                           </p:stCondLst>
@@ -21097,72 +19554,11 @@
                                     </p:set>
                                     <p:animEffect transition="in" filter="fade">
                                       <p:cBhvr>
-                                        <p:cTn id="37" dur="500"/>
+                                        <p:cTn id="41" dur="500"/>
                                         <p:tgtEl>
                                           <p:spTgt spid="3">
                                             <p:txEl>
                                               <p:pRg st="6" end="6"/>
-                                            </p:txEl>
-                                          </p:spTgt>
-                                        </p:tgtEl>
-                                      </p:cBhvr>
-                                    </p:animEffect>
-                                  </p:childTnLst>
-                                </p:cTn>
-                              </p:par>
-                            </p:childTnLst>
-                          </p:cTn>
-                        </p:par>
-                      </p:childTnLst>
-                    </p:cTn>
-                  </p:par>
-                  <p:par>
-                    <p:cTn id="38" fill="hold">
-                      <p:stCondLst>
-                        <p:cond delay="indefinite"/>
-                      </p:stCondLst>
-                      <p:childTnLst>
-                        <p:par>
-                          <p:cTn id="39" fill="hold">
-                            <p:stCondLst>
-                              <p:cond delay="0"/>
-                            </p:stCondLst>
-                            <p:childTnLst>
-                              <p:par>
-                                <p:cTn id="40" presetID="10" presetClass="entr" presetSubtype="0" fill="hold" grpId="0" nodeType="clickEffect">
-                                  <p:stCondLst>
-                                    <p:cond delay="0"/>
-                                  </p:stCondLst>
-                                  <p:childTnLst>
-                                    <p:set>
-                                      <p:cBhvr>
-                                        <p:cTn id="41" dur="1" fill="hold">
-                                          <p:stCondLst>
-                                            <p:cond delay="0"/>
-                                          </p:stCondLst>
-                                        </p:cTn>
-                                        <p:tgtEl>
-                                          <p:spTgt spid="3">
-                                            <p:txEl>
-                                              <p:pRg st="7" end="7"/>
-                                            </p:txEl>
-                                          </p:spTgt>
-                                        </p:tgtEl>
-                                        <p:attrNameLst>
-                                          <p:attrName>style.visibility</p:attrName>
-                                        </p:attrNameLst>
-                                      </p:cBhvr>
-                                      <p:to>
-                                        <p:strVal val="visible"/>
-                                      </p:to>
-                                    </p:set>
-                                    <p:animEffect transition="in" filter="fade">
-                                      <p:cBhvr>
-                                        <p:cTn id="42" dur="500"/>
-                                        <p:tgtEl>
-                                          <p:spTgt spid="3">
-                                            <p:txEl>
-                                              <p:pRg st="7" end="7"/>
                                             </p:txEl>
                                           </p:spTgt>
                                         </p:tgtEl>
@@ -21199,6 +19595,7 @@
       </p:par>
     </p:tnLst>
     <p:bldLst>
+      <p:bldP spid="4" grpId="0" animBg="1"/>
       <p:bldP spid="3" grpId="0" uiExpand="1" build="p"/>
     </p:bldLst>
   </p:timing>
@@ -21234,7 +19631,13 @@
                 <p:ph type="body" sz="quarter" idx="10"/>
               </p:nvPr>
             </p:nvSpPr>
-            <p:spPr/>
+            <p:spPr>
+              <a:solidFill>
+                <a:schemeClr val="bg1">
+                  <a:lumMod val="95000"/>
+                </a:schemeClr>
+              </a:solidFill>
+            </p:spPr>
             <p:txBody>
               <a:bodyPr anchor="ctr">
                 <a:noAutofit/>
@@ -21788,11 +20191,6 @@
                   </a:rPr>
                   <a:t>.</a:t>
                 </a:r>
-                <a:endParaRPr lang="en-US" altLang="zh-CN" dirty="0">
-                  <a:solidFill>
-                    <a:schemeClr val="tx1"/>
-                  </a:solidFill>
-                </a:endParaRPr>
               </a:p>
               <a:p>
                 <a:r>
@@ -23005,7 +21403,7 @@
       </p:par>
     </p:tnLst>
     <p:bldLst>
-      <p:bldP spid="3" grpId="0" build="p"/>
+      <p:bldP spid="3" grpId="0" uiExpand="1" build="p"/>
     </p:bldLst>
   </p:timing>
 </p:sld>
@@ -23028,8 +21426,8 @@
           <a:chExt cx="0" cy="0"/>
         </a:xfrm>
       </p:grpSpPr>
-      <mc:AlternateContent xmlns:mc="http://schemas.openxmlformats.org/markup-compatibility/2006">
-        <mc:Choice xmlns:a14="http://schemas.microsoft.com/office/drawing/2010/main" Requires="a14">
+      <mc:AlternateContent xmlns:mc="http://schemas.openxmlformats.org/markup-compatibility/2006" xmlns:a14="http://schemas.microsoft.com/office/drawing/2010/main">
+        <mc:Choice Requires="a14">
           <p:sp>
             <p:nvSpPr>
               <p:cNvPr id="3" name="内容占位符 2"/>
@@ -23865,7 +22263,7 @@
             </p:txBody>
           </p:sp>
         </mc:Choice>
-        <mc:Fallback>
+        <mc:Fallback xmlns="">
           <p:sp>
             <p:nvSpPr>
               <p:cNvPr id="3" name="内容占位符 2"/>
@@ -24221,7 +22619,13 @@
                 <p:ph type="body" sz="quarter" idx="10"/>
               </p:nvPr>
             </p:nvSpPr>
-            <p:spPr/>
+            <p:spPr>
+              <a:solidFill>
+                <a:schemeClr val="bg1">
+                  <a:lumMod val="95000"/>
+                </a:schemeClr>
+              </a:solidFill>
+            </p:spPr>
             <p:txBody>
               <a:bodyPr anchor="ctr">
                 <a:noAutofit/>
@@ -24238,11 +22642,7 @@
                 </a:r>
                 <a:r>
                   <a:rPr lang="zh-CN" altLang="en-US" dirty="0" smtClean="0"/>
-                  <a:t> 求</a:t>
-                </a:r>
-                <a:r>
-                  <a:rPr lang="zh-CN" altLang="en-US" dirty="0" smtClean="0"/>
-                  <a:t>曲线 </a:t>
+                  <a:t> 求曲线 </a:t>
                 </a:r>
                 <a14:m>
                   <m:oMath xmlns:m="http://schemas.openxmlformats.org/officeDocument/2006/math">
@@ -25280,13 +23680,30 @@
                 <p:ph type="body" sz="quarter" idx="10"/>
               </p:nvPr>
             </p:nvSpPr>
-            <p:spPr/>
+            <p:spPr>
+              <a:solidFill>
+                <a:schemeClr val="bg1">
+                  <a:lumMod val="95000"/>
+                </a:schemeClr>
+              </a:solidFill>
+            </p:spPr>
             <p:txBody>
               <a:bodyPr anchor="ctr">
                 <a:noAutofit/>
               </a:bodyPr>
               <a:lstStyle/>
               <a:p>
+                <a:pPr>
+                  <a:lnSpc>
+                    <a:spcPct val="110000"/>
+                  </a:lnSpc>
+                  <a:spcBef>
+                    <a:spcPts val="400"/>
+                  </a:spcBef>
+                  <a:spcAft>
+                    <a:spcPts val="400"/>
+                  </a:spcAft>
+                </a:pPr>
                 <a:r>
                   <a:rPr lang="zh-CN" altLang="en-US" dirty="0" smtClean="0">
                     <a:solidFill>
@@ -25297,11 +23714,7 @@
                 </a:r>
                 <a:r>
                   <a:rPr lang="zh-CN" altLang="en-US" dirty="0" smtClean="0"/>
-                  <a:t> 求</a:t>
-                </a:r>
-                <a:r>
-                  <a:rPr lang="zh-CN" altLang="en-US" dirty="0" smtClean="0"/>
-                  <a:t>曲线 </a:t>
+                  <a:t> 求曲线 </a:t>
                 </a:r>
                 <a14:m>
                   <m:oMath xmlns:m="http://schemas.openxmlformats.org/officeDocument/2006/math">
@@ -25385,6 +23798,17 @@
                 </a:r>
               </a:p>
               <a:p>
+                <a:pPr>
+                  <a:lnSpc>
+                    <a:spcPct val="110000"/>
+                  </a:lnSpc>
+                  <a:spcBef>
+                    <a:spcPts val="400"/>
+                  </a:spcBef>
+                  <a:spcAft>
+                    <a:spcPts val="400"/>
+                  </a:spcAft>
+                </a:pPr>
                 <a:r>
                   <a:rPr lang="zh-CN" altLang="en-US" dirty="0" smtClean="0">
                     <a:solidFill>
@@ -25489,10 +23913,13 @@
               <a:p>
                 <a:pPr>
                   <a:lnSpc>
-                    <a:spcPct val="100000"/>
+                    <a:spcPct val="110000"/>
                   </a:lnSpc>
+                  <a:spcBef>
+                    <a:spcPts val="400"/>
+                  </a:spcBef>
                   <a:spcAft>
-                    <a:spcPts val="0"/>
+                    <a:spcPts val="400"/>
                   </a:spcAft>
                 </a:pPr>
                 <a:r>
@@ -25745,6 +24172,15 @@
               </a:p>
               <a:p>
                 <a:pPr marL="0" indent="0">
+                  <a:lnSpc>
+                    <a:spcPct val="110000"/>
+                  </a:lnSpc>
+                  <a:spcBef>
+                    <a:spcPts val="400"/>
+                  </a:spcBef>
+                  <a:spcAft>
+                    <a:spcPts val="400"/>
+                  </a:spcAft>
                   <a:buNone/>
                 </a:pPr>
                 <a14:m>
@@ -26324,6 +24760,17 @@
                 </a:endParaRPr>
               </a:p>
               <a:p>
+                <a:pPr>
+                  <a:lnSpc>
+                    <a:spcPct val="110000"/>
+                  </a:lnSpc>
+                  <a:spcBef>
+                    <a:spcPts val="400"/>
+                  </a:spcBef>
+                  <a:spcAft>
+                    <a:spcPts val="400"/>
+                  </a:spcAft>
+                </a:pPr>
                 <a:r>
                   <a:rPr lang="zh-CN" altLang="en-US" dirty="0" smtClean="0"/>
                   <a:t>因此</a:t>
@@ -26413,7 +24860,7 @@
               <a:blipFill>
                 <a:blip r:embed="rId2"/>
                 <a:stretch>
-                  <a:fillRect l="-734" b="-234"/>
+                  <a:fillRect l="-734"/>
                 </a:stretch>
               </a:blipFill>
             </p:spPr>
@@ -26803,6 +25250,65 @@
           <a:chExt cx="0" cy="0"/>
         </a:xfrm>
       </p:grpSpPr>
+      <p:sp>
+        <p:nvSpPr>
+          <p:cNvPr id="4" name="矩形 3">
+            <a:extLst>
+              <a:ext uri="{FF2B5EF4-FFF2-40B4-BE49-F238E27FC236}">
+                <a16:creationId xmlns:a16="http://schemas.microsoft.com/office/drawing/2014/main" id="{F690908D-0DA1-F164-C559-215A33A3A316}"/>
+              </a:ext>
+            </a:extLst>
+          </p:cNvPr>
+          <p:cNvSpPr/>
+          <p:nvPr/>
+        </p:nvSpPr>
+        <p:spPr>
+          <a:xfrm>
+            <a:off x="695400" y="2420888"/>
+            <a:ext cx="10801200" cy="2304256"/>
+          </a:xfrm>
+          <a:prstGeom prst="rect">
+            <a:avLst/>
+          </a:prstGeom>
+          <a:solidFill>
+            <a:schemeClr val="bg1">
+              <a:lumMod val="95000"/>
+            </a:schemeClr>
+          </a:solidFill>
+          <a:ln w="19050">
+            <a:noFill/>
+          </a:ln>
+        </p:spPr>
+        <p:style>
+          <a:lnRef idx="2">
+            <a:schemeClr val="accent1">
+              <a:shade val="50000"/>
+            </a:schemeClr>
+          </a:lnRef>
+          <a:fillRef idx="1">
+            <a:schemeClr val="accent1"/>
+          </a:fillRef>
+          <a:effectRef idx="0">
+            <a:schemeClr val="accent1"/>
+          </a:effectRef>
+          <a:fontRef idx="minor">
+            <a:schemeClr val="lt1"/>
+          </a:fontRef>
+        </p:style>
+        <p:txBody>
+          <a:bodyPr rot="0" spcFirstLastPara="0" vertOverflow="overflow" horzOverflow="overflow" vert="horz" wrap="square" lIns="91440" tIns="45720" rIns="91440" bIns="45720" numCol="1" spcCol="0" rtlCol="0" fromWordArt="0" anchor="ctr" anchorCtr="0" forceAA="0" compatLnSpc="1">
+            <a:prstTxWarp prst="textNoShape">
+              <a:avLst/>
+            </a:prstTxWarp>
+            <a:noAutofit/>
+          </a:bodyPr>
+          <a:lstStyle/>
+          <a:p>
+            <a:pPr algn="ctr"/>
+            <a:endParaRPr lang="zh-CN" altLang="en-US"/>
+          </a:p>
+        </p:txBody>
+      </p:sp>
       <mc:AlternateContent xmlns:mc="http://schemas.openxmlformats.org/markup-compatibility/2006">
         <mc:Choice xmlns:a14="http://schemas.microsoft.com/office/drawing/2010/main" Requires="a14">
           <p:sp>
@@ -26815,7 +25321,9 @@
                 <p:ph type="body" sz="quarter" idx="10"/>
               </p:nvPr>
             </p:nvSpPr>
-            <p:spPr/>
+            <p:spPr>
+              <a:noFill/>
+            </p:spPr>
             <p:txBody>
               <a:bodyPr anchor="ctr">
                 <a:noAutofit/>
@@ -27307,11 +25815,7 @@
                 </a14:m>
                 <a:r>
                   <a:rPr lang="en-US" altLang="zh-CN" dirty="0"/>
-                  <a:t>,</a:t>
-                </a:r>
-                <a:r>
-                  <a:rPr lang="en-US" altLang="zh-CN" dirty="0"/>
-                  <a:t> </a:t>
+                  <a:t>, </a:t>
                 </a:r>
                 <a14:m>
                   <m:oMath xmlns:m="http://schemas.openxmlformats.org/officeDocument/2006/math">
@@ -27667,7 +26171,7 @@
                             </p:stCondLst>
                             <p:childTnLst>
                               <p:par>
-                                <p:cTn id="10" presetID="10" presetClass="entr" presetSubtype="0" fill="hold" grpId="0" nodeType="clickEffect">
+                                <p:cTn id="10" presetID="22" presetClass="entr" presetSubtype="8" fill="hold" grpId="0" nodeType="clickEffect">
                                   <p:stCondLst>
                                     <p:cond delay="0"/>
                                   </p:stCondLst>
@@ -27675,6 +26179,50 @@
                                     <p:set>
                                       <p:cBhvr>
                                         <p:cTn id="11" dur="1" fill="hold">
+                                          <p:stCondLst>
+                                            <p:cond delay="0"/>
+                                          </p:stCondLst>
+                                        </p:cTn>
+                                        <p:tgtEl>
+                                          <p:spTgt spid="4"/>
+                                        </p:tgtEl>
+                                        <p:attrNameLst>
+                                          <p:attrName>style.visibility</p:attrName>
+                                        </p:attrNameLst>
+                                      </p:cBhvr>
+                                      <p:to>
+                                        <p:strVal val="visible"/>
+                                      </p:to>
+                                    </p:set>
+                                    <p:animEffect transition="in" filter="wipe(left)">
+                                      <p:cBhvr>
+                                        <p:cTn id="12" dur="500"/>
+                                        <p:tgtEl>
+                                          <p:spTgt spid="4"/>
+                                        </p:tgtEl>
+                                      </p:cBhvr>
+                                    </p:animEffect>
+                                  </p:childTnLst>
+                                </p:cTn>
+                              </p:par>
+                            </p:childTnLst>
+                          </p:cTn>
+                        </p:par>
+                        <p:par>
+                          <p:cTn id="13" fill="hold">
+                            <p:stCondLst>
+                              <p:cond delay="500"/>
+                            </p:stCondLst>
+                            <p:childTnLst>
+                              <p:par>
+                                <p:cTn id="14" presetID="10" presetClass="entr" presetSubtype="0" fill="hold" grpId="0" nodeType="afterEffect">
+                                  <p:stCondLst>
+                                    <p:cond delay="0"/>
+                                  </p:stCondLst>
+                                  <p:childTnLst>
+                                    <p:set>
+                                      <p:cBhvr>
+                                        <p:cTn id="15" dur="1" fill="hold">
                                           <p:stCondLst>
                                             <p:cond delay="0"/>
                                           </p:stCondLst>
@@ -27696,7 +26244,7 @@
                                     </p:set>
                                     <p:animEffect transition="in" filter="fade">
                                       <p:cBhvr>
-                                        <p:cTn id="12" dur="500"/>
+                                        <p:cTn id="16" dur="500"/>
                                         <p:tgtEl>
                                           <p:spTgt spid="3">
                                             <p:txEl>
@@ -27716,26 +26264,26 @@
                     </p:cTn>
                   </p:par>
                   <p:par>
-                    <p:cTn id="13" fill="hold">
+                    <p:cTn id="17" fill="hold">
                       <p:stCondLst>
                         <p:cond delay="indefinite"/>
                       </p:stCondLst>
                       <p:childTnLst>
                         <p:par>
-                          <p:cTn id="14" fill="hold">
+                          <p:cTn id="18" fill="hold">
                             <p:stCondLst>
                               <p:cond delay="0"/>
                             </p:stCondLst>
                             <p:childTnLst>
                               <p:par>
-                                <p:cTn id="15" presetID="10" presetClass="entr" presetSubtype="0" fill="hold" grpId="0" nodeType="clickEffect">
+                                <p:cTn id="19" presetID="10" presetClass="entr" presetSubtype="0" fill="hold" grpId="0" nodeType="clickEffect">
                                   <p:stCondLst>
                                     <p:cond delay="0"/>
                                   </p:stCondLst>
                                   <p:childTnLst>
                                     <p:set>
                                       <p:cBhvr>
-                                        <p:cTn id="16" dur="1" fill="hold">
+                                        <p:cTn id="20" dur="1" fill="hold">
                                           <p:stCondLst>
                                             <p:cond delay="0"/>
                                           </p:stCondLst>
@@ -27757,7 +26305,7 @@
                                     </p:set>
                                     <p:animEffect transition="in" filter="fade">
                                       <p:cBhvr>
-                                        <p:cTn id="17" dur="500"/>
+                                        <p:cTn id="21" dur="500"/>
                                         <p:tgtEl>
                                           <p:spTgt spid="3">
                                             <p:txEl>
@@ -27777,26 +26325,26 @@
                     </p:cTn>
                   </p:par>
                   <p:par>
-                    <p:cTn id="18" fill="hold">
+                    <p:cTn id="22" fill="hold">
                       <p:stCondLst>
                         <p:cond delay="indefinite"/>
                       </p:stCondLst>
                       <p:childTnLst>
                         <p:par>
-                          <p:cTn id="19" fill="hold">
+                          <p:cTn id="23" fill="hold">
                             <p:stCondLst>
                               <p:cond delay="0"/>
                             </p:stCondLst>
                             <p:childTnLst>
                               <p:par>
-                                <p:cTn id="20" presetID="10" presetClass="entr" presetSubtype="0" fill="hold" grpId="0" nodeType="clickEffect">
+                                <p:cTn id="24" presetID="10" presetClass="entr" presetSubtype="0" fill="hold" grpId="0" nodeType="clickEffect">
                                   <p:stCondLst>
                                     <p:cond delay="0"/>
                                   </p:stCondLst>
                                   <p:childTnLst>
                                     <p:set>
                                       <p:cBhvr>
-                                        <p:cTn id="21" dur="1" fill="hold">
+                                        <p:cTn id="25" dur="1" fill="hold">
                                           <p:stCondLst>
                                             <p:cond delay="0"/>
                                           </p:stCondLst>
@@ -27818,7 +26366,7 @@
                                     </p:set>
                                     <p:animEffect transition="in" filter="fade">
                                       <p:cBhvr>
-                                        <p:cTn id="22" dur="500"/>
+                                        <p:cTn id="26" dur="500"/>
                                         <p:tgtEl>
                                           <p:spTgt spid="3">
                                             <p:txEl>
@@ -27859,6 +26407,7 @@
       </p:par>
     </p:tnLst>
     <p:bldLst>
+      <p:bldP spid="4" grpId="0" animBg="1"/>
       <p:bldP spid="3" grpId="0" uiExpand="1" build="p"/>
     </p:bldLst>
   </p:timing>
@@ -27894,7 +26443,13 @@
                 <p:ph type="body" sz="quarter" idx="10"/>
               </p:nvPr>
             </p:nvSpPr>
-            <p:spPr/>
+            <p:spPr>
+              <a:solidFill>
+                <a:schemeClr val="bg1">
+                  <a:lumMod val="95000"/>
+                </a:schemeClr>
+              </a:solidFill>
+            </p:spPr>
             <p:txBody>
               <a:bodyPr anchor="ctr">
                 <a:noAutofit/>
@@ -27911,11 +26466,7 @@
                 </a:r>
                 <a:r>
                   <a:rPr lang="zh-CN" altLang="en-US" dirty="0" smtClean="0"/>
-                  <a:t> </a:t>
-                </a:r>
-                <a:r>
-                  <a:rPr lang="zh-CN" altLang="en-US" dirty="0" smtClean="0"/>
-                  <a:t>曲线 </a:t>
+                  <a:t> 曲线 </a:t>
                 </a:r>
                 <a14:m>
                   <m:oMath xmlns:m="http://schemas.openxmlformats.org/officeDocument/2006/math">
@@ -29024,8 +27575,8 @@
           <a:chExt cx="0" cy="0"/>
         </a:xfrm>
       </p:grpSpPr>
-      <mc:AlternateContent xmlns:mc="http://schemas.openxmlformats.org/markup-compatibility/2006">
-        <mc:Choice xmlns:a14="http://schemas.microsoft.com/office/drawing/2010/main" Requires="a14">
+      <mc:AlternateContent xmlns:mc="http://schemas.openxmlformats.org/markup-compatibility/2006" xmlns:a14="http://schemas.microsoft.com/office/drawing/2010/main">
+        <mc:Choice Requires="a14">
           <p:sp>
             <p:nvSpPr>
               <p:cNvPr id="3" name="内容占位符 2"/>
@@ -30299,7 +28850,7 @@
             </p:txBody>
           </p:sp>
         </mc:Choice>
-        <mc:Fallback>
+        <mc:Fallback xmlns="">
           <p:sp>
             <p:nvSpPr>
               <p:cNvPr id="3" name="内容占位符 2"/>
@@ -31024,11 +29575,44 @@
       </a:bgFillStyleLst>
     </a:fmtScheme>
   </a:themeElements>
-  <a:objectDefaults/>
+  <a:objectDefaults>
+    <a:spDef>
+      <a:spPr>
+        <a:noFill/>
+        <a:ln w="19050">
+          <a:solidFill>
+            <a:srgbClr val="C00000"/>
+          </a:solidFill>
+        </a:ln>
+      </a:spPr>
+      <a:bodyPr rtlCol="0" anchor="ctr"/>
+      <a:lstStyle>
+        <a:defPPr algn="ctr">
+          <a:defRPr/>
+        </a:defPPr>
+      </a:lstStyle>
+      <a:style>
+        <a:lnRef idx="2">
+          <a:schemeClr val="accent1">
+            <a:shade val="50000"/>
+          </a:schemeClr>
+        </a:lnRef>
+        <a:fillRef idx="1">
+          <a:schemeClr val="accent1"/>
+        </a:fillRef>
+        <a:effectRef idx="0">
+          <a:schemeClr val="accent1"/>
+        </a:effectRef>
+        <a:fontRef idx="minor">
+          <a:schemeClr val="lt1"/>
+        </a:fontRef>
+      </a:style>
+    </a:spDef>
+  </a:objectDefaults>
   <a:extraClrSchemeLst/>
   <a:extLst>
     <a:ext uri="{05A4C25C-085E-4340-85A3-A5531E510DB2}">
-      <thm15:themeFamily xmlns:thm15="http://schemas.microsoft.com/office/thememl/2012/main" name="HFUT" id="{6CC0EAB4-FA5E-4FCA-AEE4-738378373786}" vid="{2942D922-204A-4943-8851-7BCA0A0BE66F}"/>
+      <thm15:themeFamily xmlns:thm15="http://schemas.microsoft.com/office/thememl/2012/main" name="HFUT" id="{00D2E22C-DF7A-4DAA-8C59-8A1BAFBA4426}" vid="{F913151E-D0D1-42EF-8D82-59776266B37B}"/>
     </a:ext>
   </a:extLst>
 </a:theme>
